--- a/prabhashwara/FINAL -- RGB COLOR SENSOR PROJECT.pptx
+++ b/prabhashwara/FINAL -- RGB COLOR SENSOR PROJECT.pptx
@@ -11,16 +11,17 @@
     <p:sldId id="261" r:id="rId8"/>
     <p:sldId id="262" r:id="rId9"/>
     <p:sldId id="263" r:id="rId10"/>
-    <p:sldId id="281" r:id="rId11"/>
-    <p:sldId id="266" r:id="rId12"/>
-    <p:sldId id="286" r:id="rId13"/>
-    <p:sldId id="271" r:id="rId14"/>
-    <p:sldId id="287" r:id="rId15"/>
-    <p:sldId id="272" r:id="rId16"/>
-    <p:sldId id="273" r:id="rId17"/>
-    <p:sldId id="288" r:id="rId18"/>
-    <p:sldId id="265" r:id="rId19"/>
+    <p:sldId id="289" r:id="rId11"/>
+    <p:sldId id="281" r:id="rId12"/>
+    <p:sldId id="266" r:id="rId13"/>
+    <p:sldId id="286" r:id="rId14"/>
+    <p:sldId id="271" r:id="rId15"/>
+    <p:sldId id="287" r:id="rId16"/>
+    <p:sldId id="272" r:id="rId17"/>
+    <p:sldId id="273" r:id="rId18"/>
+    <p:sldId id="283" r:id="rId19"/>
     <p:sldId id="268" r:id="rId20"/>
+    <p:sldId id="290" r:id="rId21"/>
   </p:sldIdLst>
   <p:sldSz cx="12192000" cy="6858000"/>
   <p:notesSz cx="6858000" cy="9144000"/>
@@ -119,6 +120,11 @@
       </a:defRPr>
     </a:lvl9pPr>
   </p:defaultTextStyle>
+  <p:extLst>
+    <p:ext uri="{EFAFB233-063F-42B5-8137-9DF3F51BA10A}">
+      <p15:sldGuideLst xmlns:p15="http://schemas.microsoft.com/office/powerpoint/2012/main"/>
+    </p:ext>
+  </p:extLst>
 </p:presentation>
 </file>
 
@@ -3502,6 +3508,2071 @@
 </file>
 
 <file path=ppt/slides/slide10.xml><?xml version="1.0" encoding="utf-8"?>
+<p:sld xmlns:a="http://schemas.openxmlformats.org/drawingml/2006/main" xmlns:r="http://schemas.openxmlformats.org/officeDocument/2006/relationships" xmlns:p="http://schemas.openxmlformats.org/presentationml/2006/main">
+  <p:cSld>
+    <p:spTree>
+      <p:nvGrpSpPr>
+        <p:cNvPr id="1" name=""/>
+        <p:cNvGrpSpPr/>
+        <p:nvPr/>
+      </p:nvGrpSpPr>
+      <p:grpSpPr>
+        <a:xfrm>
+          <a:off x="0" y="0"/>
+          <a:ext cx="0" cy="0"/>
+          <a:chOff x="0" y="0"/>
+          <a:chExt cx="0" cy="0"/>
+        </a:xfrm>
+      </p:grpSpPr>
+      <p:pic>
+        <p:nvPicPr>
+          <p:cNvPr id="3" name="Picture 2" descr="Table&#10;&#10;Description automatically generated">
+            <a:extLst>
+              <a:ext uri="{FF2B5EF4-FFF2-40B4-BE49-F238E27FC236}">
+                <a16:creationId xmlns:a16="http://schemas.microsoft.com/office/drawing/2014/main" id="{63DEDDCA-4A45-4D10-BA3B-82B54B508D04}"/>
+              </a:ext>
+            </a:extLst>
+          </p:cNvPr>
+          <p:cNvPicPr>
+            <a:picLocks noChangeAspect="1"/>
+          </p:cNvPicPr>
+          <p:nvPr/>
+        </p:nvPicPr>
+        <p:blipFill>
+          <a:blip r:embed="rId2">
+            <a:extLst>
+              <a:ext uri="{28A0092B-C50C-407E-A947-70E740481C1C}">
+                <a14:useLocalDpi xmlns:a14="http://schemas.microsoft.com/office/drawing/2010/main" val="0"/>
+              </a:ext>
+            </a:extLst>
+          </a:blip>
+          <a:stretch>
+            <a:fillRect/>
+          </a:stretch>
+        </p:blipFill>
+        <p:spPr>
+          <a:xfrm>
+            <a:off x="4767429" y="284649"/>
+            <a:ext cx="2314898" cy="952633"/>
+          </a:xfrm>
+          <a:prstGeom prst="rect">
+            <a:avLst/>
+          </a:prstGeom>
+        </p:spPr>
+      </p:pic>
+      <p:pic>
+        <p:nvPicPr>
+          <p:cNvPr id="7" name="Picture 6" descr="Table&#10;&#10;Description automatically generated">
+            <a:extLst>
+              <a:ext uri="{FF2B5EF4-FFF2-40B4-BE49-F238E27FC236}">
+                <a16:creationId xmlns:a16="http://schemas.microsoft.com/office/drawing/2014/main" id="{BA8D4E9D-76FC-4A71-9983-D658E7A2155F}"/>
+              </a:ext>
+            </a:extLst>
+          </p:cNvPr>
+          <p:cNvPicPr>
+            <a:picLocks noChangeAspect="1"/>
+          </p:cNvPicPr>
+          <p:nvPr/>
+        </p:nvPicPr>
+        <p:blipFill>
+          <a:blip r:embed="rId3">
+            <a:extLst>
+              <a:ext uri="{28A0092B-C50C-407E-A947-70E740481C1C}">
+                <a14:useLocalDpi xmlns:a14="http://schemas.microsoft.com/office/drawing/2010/main" val="0"/>
+              </a:ext>
+            </a:extLst>
+          </a:blip>
+          <a:stretch>
+            <a:fillRect/>
+          </a:stretch>
+        </p:blipFill>
+        <p:spPr>
+          <a:xfrm>
+            <a:off x="1388253" y="2197533"/>
+            <a:ext cx="2305372" cy="971686"/>
+          </a:xfrm>
+          <a:prstGeom prst="rect">
+            <a:avLst/>
+          </a:prstGeom>
+        </p:spPr>
+      </p:pic>
+      <p:pic>
+        <p:nvPicPr>
+          <p:cNvPr id="9" name="Picture 8" descr="Table&#10;&#10;Description automatically generated with medium confidence">
+            <a:extLst>
+              <a:ext uri="{FF2B5EF4-FFF2-40B4-BE49-F238E27FC236}">
+                <a16:creationId xmlns:a16="http://schemas.microsoft.com/office/drawing/2014/main" id="{B43CB377-A9FD-45E4-9430-568C9F7D041A}"/>
+              </a:ext>
+            </a:extLst>
+          </p:cNvPr>
+          <p:cNvPicPr>
+            <a:picLocks noChangeAspect="1"/>
+          </p:cNvPicPr>
+          <p:nvPr/>
+        </p:nvPicPr>
+        <p:blipFill>
+          <a:blip r:embed="rId4">
+            <a:extLst>
+              <a:ext uri="{28A0092B-C50C-407E-A947-70E740481C1C}">
+                <a14:useLocalDpi xmlns:a14="http://schemas.microsoft.com/office/drawing/2010/main" val="0"/>
+              </a:ext>
+            </a:extLst>
+          </a:blip>
+          <a:stretch>
+            <a:fillRect/>
+          </a:stretch>
+        </p:blipFill>
+        <p:spPr>
+          <a:xfrm>
+            <a:off x="0" y="4030232"/>
+            <a:ext cx="2286319" cy="943107"/>
+          </a:xfrm>
+          <a:prstGeom prst="rect">
+            <a:avLst/>
+          </a:prstGeom>
+        </p:spPr>
+      </p:pic>
+      <p:pic>
+        <p:nvPicPr>
+          <p:cNvPr id="11" name="Picture 10" descr="A picture containing text, clock, mounted&#10;&#10;Description automatically generated">
+            <a:extLst>
+              <a:ext uri="{FF2B5EF4-FFF2-40B4-BE49-F238E27FC236}">
+                <a16:creationId xmlns:a16="http://schemas.microsoft.com/office/drawing/2014/main" id="{48C6DDBA-6D8F-4C3D-9F39-FAF3F9482CA7}"/>
+              </a:ext>
+            </a:extLst>
+          </p:cNvPr>
+          <p:cNvPicPr>
+            <a:picLocks noChangeAspect="1"/>
+          </p:cNvPicPr>
+          <p:nvPr/>
+        </p:nvPicPr>
+        <p:blipFill>
+          <a:blip r:embed="rId5">
+            <a:extLst>
+              <a:ext uri="{28A0092B-C50C-407E-A947-70E740481C1C}">
+                <a14:useLocalDpi xmlns:a14="http://schemas.microsoft.com/office/drawing/2010/main" val="0"/>
+              </a:ext>
+            </a:extLst>
+          </a:blip>
+          <a:stretch>
+            <a:fillRect/>
+          </a:stretch>
+        </p:blipFill>
+        <p:spPr>
+          <a:xfrm>
+            <a:off x="3052604" y="4036471"/>
+            <a:ext cx="2305372" cy="971686"/>
+          </a:xfrm>
+          <a:prstGeom prst="rect">
+            <a:avLst/>
+          </a:prstGeom>
+        </p:spPr>
+      </p:pic>
+      <p:pic>
+        <p:nvPicPr>
+          <p:cNvPr id="13" name="Picture 12" descr="A picture containing text, wall, indoor&#10;&#10;Description automatically generated">
+            <a:extLst>
+              <a:ext uri="{FF2B5EF4-FFF2-40B4-BE49-F238E27FC236}">
+                <a16:creationId xmlns:a16="http://schemas.microsoft.com/office/drawing/2014/main" id="{44953844-618B-43BF-BC54-145F96A7C748}"/>
+              </a:ext>
+            </a:extLst>
+          </p:cNvPr>
+          <p:cNvPicPr>
+            <a:picLocks noChangeAspect="1"/>
+          </p:cNvPicPr>
+          <p:nvPr/>
+        </p:nvPicPr>
+        <p:blipFill>
+          <a:blip r:embed="rId6">
+            <a:extLst>
+              <a:ext uri="{28A0092B-C50C-407E-A947-70E740481C1C}">
+                <a14:useLocalDpi xmlns:a14="http://schemas.microsoft.com/office/drawing/2010/main" val="0"/>
+              </a:ext>
+            </a:extLst>
+          </a:blip>
+          <a:stretch>
+            <a:fillRect/>
+          </a:stretch>
+        </p:blipFill>
+        <p:spPr>
+          <a:xfrm>
+            <a:off x="7809658" y="2221349"/>
+            <a:ext cx="2276793" cy="924054"/>
+          </a:xfrm>
+          <a:prstGeom prst="rect">
+            <a:avLst/>
+          </a:prstGeom>
+        </p:spPr>
+      </p:pic>
+      <p:pic>
+        <p:nvPicPr>
+          <p:cNvPr id="15" name="Picture 14" descr="A picture containing text, clock&#10;&#10;Description automatically generated">
+            <a:extLst>
+              <a:ext uri="{FF2B5EF4-FFF2-40B4-BE49-F238E27FC236}">
+                <a16:creationId xmlns:a16="http://schemas.microsoft.com/office/drawing/2014/main" id="{A408C6D6-5992-4C67-99F9-CE1D72A256C1}"/>
+              </a:ext>
+            </a:extLst>
+          </p:cNvPr>
+          <p:cNvPicPr>
+            <a:picLocks noChangeAspect="1"/>
+          </p:cNvPicPr>
+          <p:nvPr/>
+        </p:nvPicPr>
+        <p:blipFill>
+          <a:blip r:embed="rId7">
+            <a:extLst>
+              <a:ext uri="{28A0092B-C50C-407E-A947-70E740481C1C}">
+                <a14:useLocalDpi xmlns:a14="http://schemas.microsoft.com/office/drawing/2010/main" val="0"/>
+              </a:ext>
+            </a:extLst>
+          </a:blip>
+          <a:stretch>
+            <a:fillRect/>
+          </a:stretch>
+        </p:blipFill>
+        <p:spPr>
+          <a:xfrm>
+            <a:off x="6124261" y="4065050"/>
+            <a:ext cx="2276793" cy="914528"/>
+          </a:xfrm>
+          <a:prstGeom prst="rect">
+            <a:avLst/>
+          </a:prstGeom>
+        </p:spPr>
+      </p:pic>
+      <p:pic>
+        <p:nvPicPr>
+          <p:cNvPr id="17" name="Picture 16" descr="A picture containing text, clock&#10;&#10;Description automatically generated">
+            <a:extLst>
+              <a:ext uri="{FF2B5EF4-FFF2-40B4-BE49-F238E27FC236}">
+                <a16:creationId xmlns:a16="http://schemas.microsoft.com/office/drawing/2014/main" id="{1D3A31BD-6072-4458-8272-9A01243D0D8D}"/>
+              </a:ext>
+            </a:extLst>
+          </p:cNvPr>
+          <p:cNvPicPr>
+            <a:picLocks noChangeAspect="1"/>
+          </p:cNvPicPr>
+          <p:nvPr/>
+        </p:nvPicPr>
+        <p:blipFill>
+          <a:blip r:embed="rId8">
+            <a:extLst>
+              <a:ext uri="{28A0092B-C50C-407E-A947-70E740481C1C}">
+                <a14:useLocalDpi xmlns:a14="http://schemas.microsoft.com/office/drawing/2010/main" val="0"/>
+              </a:ext>
+            </a:extLst>
+          </a:blip>
+          <a:stretch>
+            <a:fillRect/>
+          </a:stretch>
+        </p:blipFill>
+        <p:spPr>
+          <a:xfrm>
+            <a:off x="6133017" y="5933946"/>
+            <a:ext cx="2295845" cy="924054"/>
+          </a:xfrm>
+          <a:prstGeom prst="rect">
+            <a:avLst/>
+          </a:prstGeom>
+        </p:spPr>
+      </p:pic>
+      <p:pic>
+        <p:nvPicPr>
+          <p:cNvPr id="19" name="Picture 18" descr="A picture containing text, clock, mounted&#10;&#10;Description automatically generated">
+            <a:extLst>
+              <a:ext uri="{FF2B5EF4-FFF2-40B4-BE49-F238E27FC236}">
+                <a16:creationId xmlns:a16="http://schemas.microsoft.com/office/drawing/2014/main" id="{07E4F7C9-4226-4D1A-80AD-9FD4A9CEDDD2}"/>
+              </a:ext>
+            </a:extLst>
+          </p:cNvPr>
+          <p:cNvPicPr>
+            <a:picLocks noChangeAspect="1"/>
+          </p:cNvPicPr>
+          <p:nvPr/>
+        </p:nvPicPr>
+        <p:blipFill>
+          <a:blip r:embed="rId9">
+            <a:extLst>
+              <a:ext uri="{28A0092B-C50C-407E-A947-70E740481C1C}">
+                <a14:useLocalDpi xmlns:a14="http://schemas.microsoft.com/office/drawing/2010/main" val="0"/>
+              </a:ext>
+            </a:extLst>
+          </a:blip>
+          <a:stretch>
+            <a:fillRect/>
+          </a:stretch>
+        </p:blipFill>
+        <p:spPr>
+          <a:xfrm>
+            <a:off x="9486750" y="4011180"/>
+            <a:ext cx="2305372" cy="962159"/>
+          </a:xfrm>
+          <a:prstGeom prst="rect">
+            <a:avLst/>
+          </a:prstGeom>
+        </p:spPr>
+      </p:pic>
+      <p:cxnSp>
+        <p:nvCxnSpPr>
+          <p:cNvPr id="21" name="Straight Arrow Connector 20">
+            <a:extLst>
+              <a:ext uri="{FF2B5EF4-FFF2-40B4-BE49-F238E27FC236}">
+                <a16:creationId xmlns:a16="http://schemas.microsoft.com/office/drawing/2014/main" id="{4809654B-D2D3-498C-B2E9-37B5B3537D79}"/>
+              </a:ext>
+            </a:extLst>
+          </p:cNvPr>
+          <p:cNvCxnSpPr>
+            <a:cxnSpLocks/>
+          </p:cNvCxnSpPr>
+          <p:nvPr/>
+        </p:nvCxnSpPr>
+        <p:spPr>
+          <a:xfrm flipH="1">
+            <a:off x="3797711" y="1353748"/>
+            <a:ext cx="790112" cy="745724"/>
+          </a:xfrm>
+          <a:prstGeom prst="straightConnector1">
+            <a:avLst/>
+          </a:prstGeom>
+          <a:ln w="38100">
+            <a:solidFill>
+              <a:schemeClr val="accent6">
+                <a:lumMod val="75000"/>
+              </a:schemeClr>
+            </a:solidFill>
+            <a:tailEnd type="triangle"/>
+          </a:ln>
+        </p:spPr>
+        <p:style>
+          <a:lnRef idx="1">
+            <a:schemeClr val="accent1"/>
+          </a:lnRef>
+          <a:fillRef idx="0">
+            <a:schemeClr val="accent1"/>
+          </a:fillRef>
+          <a:effectRef idx="0">
+            <a:schemeClr val="accent1"/>
+          </a:effectRef>
+          <a:fontRef idx="minor">
+            <a:schemeClr val="tx1"/>
+          </a:fontRef>
+        </p:style>
+      </p:cxnSp>
+      <p:cxnSp>
+        <p:nvCxnSpPr>
+          <p:cNvPr id="23" name="Straight Arrow Connector 22">
+            <a:extLst>
+              <a:ext uri="{FF2B5EF4-FFF2-40B4-BE49-F238E27FC236}">
+                <a16:creationId xmlns:a16="http://schemas.microsoft.com/office/drawing/2014/main" id="{FD35708B-552C-4760-97A9-ABDBC425F74C}"/>
+              </a:ext>
+            </a:extLst>
+          </p:cNvPr>
+          <p:cNvCxnSpPr>
+            <a:cxnSpLocks/>
+          </p:cNvCxnSpPr>
+          <p:nvPr/>
+        </p:nvCxnSpPr>
+        <p:spPr>
+          <a:xfrm flipH="1">
+            <a:off x="993197" y="3189934"/>
+            <a:ext cx="790112" cy="745724"/>
+          </a:xfrm>
+          <a:prstGeom prst="straightConnector1">
+            <a:avLst/>
+          </a:prstGeom>
+          <a:ln w="38100">
+            <a:solidFill>
+              <a:schemeClr val="accent6">
+                <a:lumMod val="75000"/>
+              </a:schemeClr>
+            </a:solidFill>
+            <a:tailEnd type="triangle"/>
+          </a:ln>
+        </p:spPr>
+        <p:style>
+          <a:lnRef idx="1">
+            <a:schemeClr val="accent1"/>
+          </a:lnRef>
+          <a:fillRef idx="0">
+            <a:schemeClr val="accent1"/>
+          </a:fillRef>
+          <a:effectRef idx="0">
+            <a:schemeClr val="accent1"/>
+          </a:effectRef>
+          <a:fontRef idx="minor">
+            <a:schemeClr val="tx1"/>
+          </a:fontRef>
+        </p:style>
+      </p:cxnSp>
+      <p:cxnSp>
+        <p:nvCxnSpPr>
+          <p:cNvPr id="24" name="Straight Arrow Connector 23">
+            <a:extLst>
+              <a:ext uri="{FF2B5EF4-FFF2-40B4-BE49-F238E27FC236}">
+                <a16:creationId xmlns:a16="http://schemas.microsoft.com/office/drawing/2014/main" id="{D6A0E315-B3A7-4A3D-AC00-5F8DB001BAC6}"/>
+              </a:ext>
+            </a:extLst>
+          </p:cNvPr>
+          <p:cNvCxnSpPr>
+            <a:cxnSpLocks/>
+          </p:cNvCxnSpPr>
+          <p:nvPr/>
+        </p:nvCxnSpPr>
+        <p:spPr>
+          <a:xfrm>
+            <a:off x="3248192" y="3220278"/>
+            <a:ext cx="727331" cy="745724"/>
+          </a:xfrm>
+          <a:prstGeom prst="straightConnector1">
+            <a:avLst/>
+          </a:prstGeom>
+          <a:ln w="38100">
+            <a:solidFill>
+              <a:schemeClr val="accent6">
+                <a:lumMod val="75000"/>
+              </a:schemeClr>
+            </a:solidFill>
+            <a:tailEnd type="triangle"/>
+          </a:ln>
+        </p:spPr>
+        <p:style>
+          <a:lnRef idx="1">
+            <a:schemeClr val="accent1"/>
+          </a:lnRef>
+          <a:fillRef idx="0">
+            <a:schemeClr val="accent1"/>
+          </a:fillRef>
+          <a:effectRef idx="0">
+            <a:schemeClr val="accent1"/>
+          </a:effectRef>
+          <a:fontRef idx="minor">
+            <a:schemeClr val="tx1"/>
+          </a:fontRef>
+        </p:style>
+      </p:cxnSp>
+      <p:cxnSp>
+        <p:nvCxnSpPr>
+          <p:cNvPr id="29" name="Straight Arrow Connector 28">
+            <a:extLst>
+              <a:ext uri="{FF2B5EF4-FFF2-40B4-BE49-F238E27FC236}">
+                <a16:creationId xmlns:a16="http://schemas.microsoft.com/office/drawing/2014/main" id="{CA6AABBC-CCF4-4FAB-90EA-6C655FBEE4CB}"/>
+              </a:ext>
+            </a:extLst>
+          </p:cNvPr>
+          <p:cNvCxnSpPr>
+            <a:cxnSpLocks/>
+          </p:cNvCxnSpPr>
+          <p:nvPr/>
+        </p:nvCxnSpPr>
+        <p:spPr>
+          <a:xfrm>
+            <a:off x="7262657" y="5113836"/>
+            <a:ext cx="0" cy="696612"/>
+          </a:xfrm>
+          <a:prstGeom prst="straightConnector1">
+            <a:avLst/>
+          </a:prstGeom>
+          <a:ln w="38100">
+            <a:solidFill>
+              <a:schemeClr val="accent6">
+                <a:lumMod val="75000"/>
+              </a:schemeClr>
+            </a:solidFill>
+            <a:tailEnd type="triangle"/>
+          </a:ln>
+        </p:spPr>
+        <p:style>
+          <a:lnRef idx="1">
+            <a:schemeClr val="accent1"/>
+          </a:lnRef>
+          <a:fillRef idx="0">
+            <a:schemeClr val="accent1"/>
+          </a:fillRef>
+          <a:effectRef idx="0">
+            <a:schemeClr val="accent1"/>
+          </a:effectRef>
+          <a:fontRef idx="minor">
+            <a:schemeClr val="tx1"/>
+          </a:fontRef>
+        </p:style>
+      </p:cxnSp>
+      <p:cxnSp>
+        <p:nvCxnSpPr>
+          <p:cNvPr id="30" name="Straight Arrow Connector 29">
+            <a:extLst>
+              <a:ext uri="{FF2B5EF4-FFF2-40B4-BE49-F238E27FC236}">
+                <a16:creationId xmlns:a16="http://schemas.microsoft.com/office/drawing/2014/main" id="{A6F452D3-2271-4504-94DB-4553FFAEDD9F}"/>
+              </a:ext>
+            </a:extLst>
+          </p:cNvPr>
+          <p:cNvCxnSpPr>
+            <a:cxnSpLocks/>
+          </p:cNvCxnSpPr>
+          <p:nvPr/>
+        </p:nvCxnSpPr>
+        <p:spPr>
+          <a:xfrm flipH="1">
+            <a:off x="7423798" y="3284508"/>
+            <a:ext cx="790112" cy="745724"/>
+          </a:xfrm>
+          <a:prstGeom prst="straightConnector1">
+            <a:avLst/>
+          </a:prstGeom>
+          <a:ln w="38100">
+            <a:solidFill>
+              <a:schemeClr val="accent6">
+                <a:lumMod val="75000"/>
+              </a:schemeClr>
+            </a:solidFill>
+            <a:tailEnd type="triangle"/>
+          </a:ln>
+        </p:spPr>
+        <p:style>
+          <a:lnRef idx="1">
+            <a:schemeClr val="accent1"/>
+          </a:lnRef>
+          <a:fillRef idx="0">
+            <a:schemeClr val="accent1"/>
+          </a:fillRef>
+          <a:effectRef idx="0">
+            <a:schemeClr val="accent1"/>
+          </a:effectRef>
+          <a:fontRef idx="minor">
+            <a:schemeClr val="tx1"/>
+          </a:fontRef>
+        </p:style>
+      </p:cxnSp>
+      <p:cxnSp>
+        <p:nvCxnSpPr>
+          <p:cNvPr id="33" name="Straight Arrow Connector 32">
+            <a:extLst>
+              <a:ext uri="{FF2B5EF4-FFF2-40B4-BE49-F238E27FC236}">
+                <a16:creationId xmlns:a16="http://schemas.microsoft.com/office/drawing/2014/main" id="{8904BB78-D457-4ED0-9240-201EF0792AC6}"/>
+              </a:ext>
+            </a:extLst>
+          </p:cNvPr>
+          <p:cNvCxnSpPr>
+            <a:cxnSpLocks/>
+          </p:cNvCxnSpPr>
+          <p:nvPr/>
+        </p:nvCxnSpPr>
+        <p:spPr>
+          <a:xfrm>
+            <a:off x="7082327" y="1366403"/>
+            <a:ext cx="727331" cy="745724"/>
+          </a:xfrm>
+          <a:prstGeom prst="straightConnector1">
+            <a:avLst/>
+          </a:prstGeom>
+          <a:ln w="38100">
+            <a:solidFill>
+              <a:schemeClr val="accent6">
+                <a:lumMod val="75000"/>
+              </a:schemeClr>
+            </a:solidFill>
+            <a:tailEnd type="triangle"/>
+          </a:ln>
+        </p:spPr>
+        <p:style>
+          <a:lnRef idx="1">
+            <a:schemeClr val="accent1"/>
+          </a:lnRef>
+          <a:fillRef idx="0">
+            <a:schemeClr val="accent1"/>
+          </a:fillRef>
+          <a:effectRef idx="0">
+            <a:schemeClr val="accent1"/>
+          </a:effectRef>
+          <a:fontRef idx="minor">
+            <a:schemeClr val="tx1"/>
+          </a:fontRef>
+        </p:style>
+      </p:cxnSp>
+      <p:cxnSp>
+        <p:nvCxnSpPr>
+          <p:cNvPr id="35" name="Straight Arrow Connector 34">
+            <a:extLst>
+              <a:ext uri="{FF2B5EF4-FFF2-40B4-BE49-F238E27FC236}">
+                <a16:creationId xmlns:a16="http://schemas.microsoft.com/office/drawing/2014/main" id="{05E8763E-2B3D-46C9-BAB9-CBED5DDF2B8F}"/>
+              </a:ext>
+            </a:extLst>
+          </p:cNvPr>
+          <p:cNvCxnSpPr>
+            <a:cxnSpLocks/>
+          </p:cNvCxnSpPr>
+          <p:nvPr/>
+        </p:nvCxnSpPr>
+        <p:spPr>
+          <a:xfrm>
+            <a:off x="9486309" y="3265456"/>
+            <a:ext cx="727331" cy="745724"/>
+          </a:xfrm>
+          <a:prstGeom prst="straightConnector1">
+            <a:avLst/>
+          </a:prstGeom>
+          <a:ln w="38100">
+            <a:solidFill>
+              <a:schemeClr val="accent6">
+                <a:lumMod val="75000"/>
+              </a:schemeClr>
+            </a:solidFill>
+            <a:tailEnd type="triangle"/>
+          </a:ln>
+        </p:spPr>
+        <p:style>
+          <a:lnRef idx="1">
+            <a:schemeClr val="accent1"/>
+          </a:lnRef>
+          <a:fillRef idx="0">
+            <a:schemeClr val="accent1"/>
+          </a:fillRef>
+          <a:effectRef idx="0">
+            <a:schemeClr val="accent1"/>
+          </a:effectRef>
+          <a:fontRef idx="minor">
+            <a:schemeClr val="tx1"/>
+          </a:fontRef>
+        </p:style>
+      </p:cxnSp>
+      <p:sp>
+        <p:nvSpPr>
+          <p:cNvPr id="36" name="TextBox 35">
+            <a:extLst>
+              <a:ext uri="{FF2B5EF4-FFF2-40B4-BE49-F238E27FC236}">
+                <a16:creationId xmlns:a16="http://schemas.microsoft.com/office/drawing/2014/main" id="{CD84EAF8-73BA-4E2F-858E-5DBF939D17E5}"/>
+              </a:ext>
+            </a:extLst>
+          </p:cNvPr>
+          <p:cNvSpPr txBox="1"/>
+          <p:nvPr/>
+        </p:nvSpPr>
+        <p:spPr>
+          <a:xfrm>
+            <a:off x="2901066" y="1353748"/>
+            <a:ext cx="1145220" cy="369332"/>
+          </a:xfrm>
+          <a:prstGeom prst="rect">
+            <a:avLst/>
+          </a:prstGeom>
+          <a:noFill/>
+        </p:spPr>
+        <p:txBody>
+          <a:bodyPr wrap="square" rtlCol="0">
+            <a:spAutoFit/>
+          </a:bodyPr>
+          <a:lstStyle/>
+          <a:p>
+            <a:pPr marL="0" marR="0" lvl="0" indent="0" algn="l" defTabSz="914400" rtl="0" eaLnBrk="1" fontAlgn="auto" latinLnBrk="0" hangingPunct="1">
+              <a:lnSpc>
+                <a:spcPct val="100000"/>
+              </a:lnSpc>
+              <a:spcBef>
+                <a:spcPts val="0"/>
+              </a:spcBef>
+              <a:spcAft>
+                <a:spcPts val="0"/>
+              </a:spcAft>
+              <a:buClrTx/>
+              <a:buSzTx/>
+              <a:buFontTx/>
+              <a:buNone/>
+              <a:tabLst/>
+              <a:defRPr/>
+            </a:pPr>
+            <a:r>
+              <a:rPr kumimoji="0" lang="en-US" sz="1800" b="0" i="0" u="none" strike="noStrike" kern="1200" cap="none" spc="0" normalizeH="0" baseline="0" noProof="0" dirty="0">
+                <a:ln>
+                  <a:noFill/>
+                </a:ln>
+                <a:solidFill>
+                  <a:prstClr val="black"/>
+                </a:solidFill>
+                <a:effectLst/>
+                <a:uLnTx/>
+                <a:uFillTx/>
+                <a:latin typeface="Calibri" panose="020F0502020204030204"/>
+                <a:ea typeface="+mn-ea"/>
+                <a:cs typeface="+mn-cs"/>
+              </a:rPr>
+              <a:t>1: Sensor</a:t>
+            </a:r>
+          </a:p>
+        </p:txBody>
+      </p:sp>
+      <p:sp>
+        <p:nvSpPr>
+          <p:cNvPr id="37" name="TextBox 36">
+            <a:extLst>
+              <a:ext uri="{FF2B5EF4-FFF2-40B4-BE49-F238E27FC236}">
+                <a16:creationId xmlns:a16="http://schemas.microsoft.com/office/drawing/2014/main" id="{05696CFF-549A-44F1-8EC1-1857AA279E22}"/>
+              </a:ext>
+            </a:extLst>
+          </p:cNvPr>
+          <p:cNvSpPr txBox="1"/>
+          <p:nvPr/>
+        </p:nvSpPr>
+        <p:spPr>
+          <a:xfrm>
+            <a:off x="6498956" y="3235894"/>
+            <a:ext cx="1527401" cy="369332"/>
+          </a:xfrm>
+          <a:prstGeom prst="rect">
+            <a:avLst/>
+          </a:prstGeom>
+          <a:noFill/>
+        </p:spPr>
+        <p:txBody>
+          <a:bodyPr wrap="square" rtlCol="0">
+            <a:spAutoFit/>
+          </a:bodyPr>
+          <a:lstStyle/>
+          <a:p>
+            <a:pPr marL="0" marR="0" lvl="0" indent="0" algn="l" defTabSz="914400" rtl="0" eaLnBrk="1" fontAlgn="auto" latinLnBrk="0" hangingPunct="1">
+              <a:lnSpc>
+                <a:spcPct val="100000"/>
+              </a:lnSpc>
+              <a:spcBef>
+                <a:spcPts val="0"/>
+              </a:spcBef>
+              <a:spcAft>
+                <a:spcPts val="0"/>
+              </a:spcAft>
+              <a:buClrTx/>
+              <a:buSzTx/>
+              <a:buFontTx/>
+              <a:buNone/>
+              <a:tabLst/>
+              <a:defRPr/>
+            </a:pPr>
+            <a:r>
+              <a:rPr kumimoji="0" lang="en-US" sz="1800" b="0" i="0" u="none" strike="noStrike" kern="1200" cap="none" spc="0" normalizeH="0" baseline="0" noProof="0" dirty="0">
+                <a:ln>
+                  <a:noFill/>
+                </a:ln>
+                <a:solidFill>
+                  <a:prstClr val="black"/>
+                </a:solidFill>
+                <a:effectLst/>
+                <a:uLnTx/>
+                <a:uFillTx/>
+                <a:latin typeface="Calibri" panose="020F0502020204030204"/>
+                <a:ea typeface="+mn-ea"/>
+                <a:cs typeface="+mn-cs"/>
+              </a:rPr>
+              <a:t>1: Color Input</a:t>
+            </a:r>
+          </a:p>
+        </p:txBody>
+      </p:sp>
+      <p:sp>
+        <p:nvSpPr>
+          <p:cNvPr id="38" name="TextBox 37">
+            <a:extLst>
+              <a:ext uri="{FF2B5EF4-FFF2-40B4-BE49-F238E27FC236}">
+                <a16:creationId xmlns:a16="http://schemas.microsoft.com/office/drawing/2014/main" id="{5B15DA85-0E56-4360-A103-BAEEA82859EB}"/>
+              </a:ext>
+            </a:extLst>
+          </p:cNvPr>
+          <p:cNvSpPr txBox="1"/>
+          <p:nvPr/>
+        </p:nvSpPr>
+        <p:spPr>
+          <a:xfrm>
+            <a:off x="420587" y="3180196"/>
+            <a:ext cx="1145220" cy="369332"/>
+          </a:xfrm>
+          <a:prstGeom prst="rect">
+            <a:avLst/>
+          </a:prstGeom>
+          <a:noFill/>
+        </p:spPr>
+        <p:txBody>
+          <a:bodyPr wrap="square" rtlCol="0">
+            <a:spAutoFit/>
+          </a:bodyPr>
+          <a:lstStyle/>
+          <a:p>
+            <a:pPr marL="0" marR="0" lvl="0" indent="0" algn="l" defTabSz="914400" rtl="0" eaLnBrk="1" fontAlgn="auto" latinLnBrk="0" hangingPunct="1">
+              <a:lnSpc>
+                <a:spcPct val="100000"/>
+              </a:lnSpc>
+              <a:spcBef>
+                <a:spcPts val="0"/>
+              </a:spcBef>
+              <a:spcAft>
+                <a:spcPts val="0"/>
+              </a:spcAft>
+              <a:buClrTx/>
+              <a:buSzTx/>
+              <a:buFontTx/>
+              <a:buNone/>
+              <a:tabLst/>
+              <a:defRPr/>
+            </a:pPr>
+            <a:r>
+              <a:rPr kumimoji="0" lang="en-US" sz="1800" b="0" i="0" u="none" strike="noStrike" kern="1200" cap="none" spc="0" normalizeH="0" baseline="0" noProof="0" dirty="0">
+                <a:ln>
+                  <a:noFill/>
+                </a:ln>
+                <a:solidFill>
+                  <a:prstClr val="black"/>
+                </a:solidFill>
+                <a:effectLst/>
+                <a:uLnTx/>
+                <a:uFillTx/>
+                <a:latin typeface="Calibri" panose="020F0502020204030204"/>
+                <a:ea typeface="+mn-ea"/>
+                <a:cs typeface="+mn-cs"/>
+              </a:rPr>
+              <a:t>1: Yes</a:t>
+            </a:r>
+          </a:p>
+        </p:txBody>
+      </p:sp>
+      <p:sp>
+        <p:nvSpPr>
+          <p:cNvPr id="39" name="TextBox 38">
+            <a:extLst>
+              <a:ext uri="{FF2B5EF4-FFF2-40B4-BE49-F238E27FC236}">
+                <a16:creationId xmlns:a16="http://schemas.microsoft.com/office/drawing/2014/main" id="{5D5BFC8C-28DA-4E3F-BFAC-6052C3041E65}"/>
+              </a:ext>
+            </a:extLst>
+          </p:cNvPr>
+          <p:cNvSpPr txBox="1"/>
+          <p:nvPr/>
+        </p:nvSpPr>
+        <p:spPr>
+          <a:xfrm>
+            <a:off x="3709839" y="3169219"/>
+            <a:ext cx="1145220" cy="369332"/>
+          </a:xfrm>
+          <a:prstGeom prst="rect">
+            <a:avLst/>
+          </a:prstGeom>
+          <a:noFill/>
+        </p:spPr>
+        <p:txBody>
+          <a:bodyPr wrap="square" rtlCol="0">
+            <a:spAutoFit/>
+          </a:bodyPr>
+          <a:lstStyle/>
+          <a:p>
+            <a:pPr marL="0" marR="0" lvl="0" indent="0" algn="l" defTabSz="914400" rtl="0" eaLnBrk="1" fontAlgn="auto" latinLnBrk="0" hangingPunct="1">
+              <a:lnSpc>
+                <a:spcPct val="100000"/>
+              </a:lnSpc>
+              <a:spcBef>
+                <a:spcPts val="0"/>
+              </a:spcBef>
+              <a:spcAft>
+                <a:spcPts val="0"/>
+              </a:spcAft>
+              <a:buClrTx/>
+              <a:buSzTx/>
+              <a:buFontTx/>
+              <a:buNone/>
+              <a:tabLst/>
+              <a:defRPr/>
+            </a:pPr>
+            <a:r>
+              <a:rPr kumimoji="0" lang="en-US" sz="1800" b="0" i="0" u="none" strike="noStrike" kern="1200" cap="none" spc="0" normalizeH="0" baseline="0" noProof="0" dirty="0">
+                <a:ln>
+                  <a:noFill/>
+                </a:ln>
+                <a:solidFill>
+                  <a:prstClr val="black"/>
+                </a:solidFill>
+                <a:effectLst/>
+                <a:uLnTx/>
+                <a:uFillTx/>
+                <a:latin typeface="Calibri" panose="020F0502020204030204"/>
+                <a:ea typeface="+mn-ea"/>
+                <a:cs typeface="+mn-cs"/>
+              </a:rPr>
+              <a:t>2: No</a:t>
+            </a:r>
+          </a:p>
+        </p:txBody>
+      </p:sp>
+      <p:sp>
+        <p:nvSpPr>
+          <p:cNvPr id="40" name="TextBox 39">
+            <a:extLst>
+              <a:ext uri="{FF2B5EF4-FFF2-40B4-BE49-F238E27FC236}">
+                <a16:creationId xmlns:a16="http://schemas.microsoft.com/office/drawing/2014/main" id="{B930A484-BD12-41E1-817B-4B4F150720E0}"/>
+              </a:ext>
+            </a:extLst>
+          </p:cNvPr>
+          <p:cNvSpPr txBox="1"/>
+          <p:nvPr/>
+        </p:nvSpPr>
+        <p:spPr>
+          <a:xfrm>
+            <a:off x="7793699" y="1506148"/>
+            <a:ext cx="1527401" cy="369332"/>
+          </a:xfrm>
+          <a:prstGeom prst="rect">
+            <a:avLst/>
+          </a:prstGeom>
+          <a:noFill/>
+        </p:spPr>
+        <p:txBody>
+          <a:bodyPr wrap="square" rtlCol="0">
+            <a:spAutoFit/>
+          </a:bodyPr>
+          <a:lstStyle/>
+          <a:p>
+            <a:pPr marL="0" marR="0" lvl="0" indent="0" algn="l" defTabSz="914400" rtl="0" eaLnBrk="1" fontAlgn="auto" latinLnBrk="0" hangingPunct="1">
+              <a:lnSpc>
+                <a:spcPct val="100000"/>
+              </a:lnSpc>
+              <a:spcBef>
+                <a:spcPts val="0"/>
+              </a:spcBef>
+              <a:spcAft>
+                <a:spcPts val="0"/>
+              </a:spcAft>
+              <a:buClrTx/>
+              <a:buSzTx/>
+              <a:buFontTx/>
+              <a:buNone/>
+              <a:tabLst/>
+              <a:defRPr/>
+            </a:pPr>
+            <a:r>
+              <a:rPr kumimoji="0" lang="en-US" sz="1800" b="0" i="0" u="none" strike="noStrike" kern="1200" cap="none" spc="0" normalizeH="0" baseline="0" noProof="0" dirty="0">
+                <a:ln>
+                  <a:noFill/>
+                </a:ln>
+                <a:solidFill>
+                  <a:prstClr val="black"/>
+                </a:solidFill>
+                <a:effectLst/>
+                <a:uLnTx/>
+                <a:uFillTx/>
+                <a:latin typeface="Calibri" panose="020F0502020204030204"/>
+                <a:ea typeface="+mn-ea"/>
+                <a:cs typeface="+mn-cs"/>
+              </a:rPr>
+              <a:t>2: RGB LED</a:t>
+            </a:r>
+          </a:p>
+        </p:txBody>
+      </p:sp>
+      <p:sp>
+        <p:nvSpPr>
+          <p:cNvPr id="41" name="TextBox 40">
+            <a:extLst>
+              <a:ext uri="{FF2B5EF4-FFF2-40B4-BE49-F238E27FC236}">
+                <a16:creationId xmlns:a16="http://schemas.microsoft.com/office/drawing/2014/main" id="{45764532-C322-44D3-A788-436D9236CD0B}"/>
+              </a:ext>
+            </a:extLst>
+          </p:cNvPr>
+          <p:cNvSpPr txBox="1"/>
+          <p:nvPr/>
+        </p:nvSpPr>
+        <p:spPr>
+          <a:xfrm>
+            <a:off x="9903213" y="3203675"/>
+            <a:ext cx="2103674" cy="646331"/>
+          </a:xfrm>
+          <a:prstGeom prst="rect">
+            <a:avLst/>
+          </a:prstGeom>
+          <a:noFill/>
+        </p:spPr>
+        <p:txBody>
+          <a:bodyPr wrap="square" rtlCol="0">
+            <a:spAutoFit/>
+          </a:bodyPr>
+          <a:lstStyle/>
+          <a:p>
+            <a:pPr marL="0" marR="0" lvl="0" indent="0" algn="l" defTabSz="914400" rtl="0" eaLnBrk="1" fontAlgn="auto" latinLnBrk="0" hangingPunct="1">
+              <a:lnSpc>
+                <a:spcPct val="100000"/>
+              </a:lnSpc>
+              <a:spcBef>
+                <a:spcPts val="0"/>
+              </a:spcBef>
+              <a:spcAft>
+                <a:spcPts val="0"/>
+              </a:spcAft>
+              <a:buClrTx/>
+              <a:buSzTx/>
+              <a:buFontTx/>
+              <a:buNone/>
+              <a:tabLst/>
+              <a:defRPr/>
+            </a:pPr>
+            <a:r>
+              <a:rPr kumimoji="0" lang="en-US" sz="1800" b="0" i="0" u="none" strike="noStrike" kern="1200" cap="none" spc="0" normalizeH="0" baseline="0" noProof="0" dirty="0">
+                <a:ln>
+                  <a:noFill/>
+                </a:ln>
+                <a:solidFill>
+                  <a:prstClr val="black"/>
+                </a:solidFill>
+                <a:effectLst/>
+                <a:uLnTx/>
+                <a:uFillTx/>
+                <a:latin typeface="Calibri" panose="020F0502020204030204"/>
+                <a:ea typeface="+mn-ea"/>
+                <a:cs typeface="+mn-cs"/>
+              </a:rPr>
+              <a:t>2: Real Time</a:t>
+            </a:r>
+          </a:p>
+          <a:p>
+            <a:pPr marL="0" marR="0" lvl="0" indent="0" algn="l" defTabSz="914400" rtl="0" eaLnBrk="1" fontAlgn="auto" latinLnBrk="0" hangingPunct="1">
+              <a:lnSpc>
+                <a:spcPct val="100000"/>
+              </a:lnSpc>
+              <a:spcBef>
+                <a:spcPts val="0"/>
+              </a:spcBef>
+              <a:spcAft>
+                <a:spcPts val="0"/>
+              </a:spcAft>
+              <a:buClrTx/>
+              <a:buSzTx/>
+              <a:buFontTx/>
+              <a:buNone/>
+              <a:tabLst/>
+              <a:defRPr/>
+            </a:pPr>
+            <a:r>
+              <a:rPr kumimoji="0" lang="en-US" sz="1800" b="0" i="0" u="none" strike="noStrike" kern="1200" cap="none" spc="0" normalizeH="0" baseline="0" noProof="0" dirty="0">
+                <a:ln>
+                  <a:noFill/>
+                </a:ln>
+                <a:solidFill>
+                  <a:prstClr val="black"/>
+                </a:solidFill>
+                <a:effectLst/>
+                <a:uLnTx/>
+                <a:uFillTx/>
+                <a:latin typeface="Calibri" panose="020F0502020204030204"/>
+                <a:ea typeface="+mn-ea"/>
+                <a:cs typeface="+mn-cs"/>
+              </a:rPr>
+              <a:t>(Show sensed color)</a:t>
+            </a:r>
+          </a:p>
+        </p:txBody>
+      </p:sp>
+      <p:sp>
+        <p:nvSpPr>
+          <p:cNvPr id="42" name="TextBox 41">
+            <a:extLst>
+              <a:ext uri="{FF2B5EF4-FFF2-40B4-BE49-F238E27FC236}">
+                <a16:creationId xmlns:a16="http://schemas.microsoft.com/office/drawing/2014/main" id="{F3535D9D-6788-4408-BEC5-F86120DA9CAB}"/>
+              </a:ext>
+            </a:extLst>
+          </p:cNvPr>
+          <p:cNvSpPr txBox="1"/>
+          <p:nvPr/>
+        </p:nvSpPr>
+        <p:spPr>
+          <a:xfrm>
+            <a:off x="6402302" y="5277476"/>
+            <a:ext cx="1527401" cy="369332"/>
+          </a:xfrm>
+          <a:prstGeom prst="rect">
+            <a:avLst/>
+          </a:prstGeom>
+          <a:noFill/>
+        </p:spPr>
+        <p:txBody>
+          <a:bodyPr wrap="square" rtlCol="0">
+            <a:spAutoFit/>
+          </a:bodyPr>
+          <a:lstStyle/>
+          <a:p>
+            <a:pPr marL="0" marR="0" lvl="0" indent="0" algn="l" defTabSz="914400" rtl="0" eaLnBrk="1" fontAlgn="auto" latinLnBrk="0" hangingPunct="1">
+              <a:lnSpc>
+                <a:spcPct val="100000"/>
+              </a:lnSpc>
+              <a:spcBef>
+                <a:spcPts val="0"/>
+              </a:spcBef>
+              <a:spcAft>
+                <a:spcPts val="0"/>
+              </a:spcAft>
+              <a:buClrTx/>
+              <a:buSzTx/>
+              <a:buFontTx/>
+              <a:buNone/>
+              <a:tabLst/>
+              <a:defRPr/>
+            </a:pPr>
+            <a:r>
+              <a:rPr kumimoji="0" lang="en-US" sz="1800" b="0" i="0" u="none" strike="noStrike" kern="1200" cap="none" spc="0" normalizeH="0" baseline="0" noProof="0" dirty="0">
+                <a:ln>
+                  <a:noFill/>
+                </a:ln>
+                <a:solidFill>
+                  <a:prstClr val="black"/>
+                </a:solidFill>
+                <a:effectLst/>
+                <a:uLnTx/>
+                <a:uFillTx/>
+                <a:latin typeface="Calibri" panose="020F0502020204030204"/>
+                <a:ea typeface="+mn-ea"/>
+                <a:cs typeface="+mn-cs"/>
+              </a:rPr>
+              <a:t>* </a:t>
+            </a:r>
+            <a:r>
+              <a:rPr kumimoji="0" lang="en-US" sz="1800" b="0" i="0" u="none" strike="noStrike" kern="1200" cap="none" spc="0" normalizeH="0" noProof="0" dirty="0">
+                <a:ln>
+                  <a:noFill/>
+                </a:ln>
+                <a:solidFill>
+                  <a:prstClr val="black"/>
+                </a:solidFill>
+                <a:effectLst/>
+                <a:uLnTx/>
+                <a:uFillTx/>
+                <a:latin typeface="Calibri" panose="020F0502020204030204"/>
+                <a:ea typeface="+mn-ea"/>
+                <a:cs typeface="+mn-cs"/>
+              </a:rPr>
+              <a:t> = </a:t>
+            </a:r>
+            <a:r>
+              <a:rPr kumimoji="0" lang="en-US" sz="1800" b="0" i="0" u="none" strike="noStrike" kern="1200" cap="none" spc="0" normalizeH="0" baseline="0" noProof="0" dirty="0">
+                <a:ln>
+                  <a:noFill/>
+                </a:ln>
+                <a:solidFill>
+                  <a:prstClr val="black"/>
+                </a:solidFill>
+                <a:effectLst/>
+                <a:uLnTx/>
+                <a:uFillTx/>
+                <a:latin typeface="Calibri" panose="020F0502020204030204"/>
+                <a:ea typeface="+mn-ea"/>
+                <a:cs typeface="+mn-cs"/>
+              </a:rPr>
+              <a:t>OK </a:t>
+            </a:r>
+          </a:p>
+        </p:txBody>
+      </p:sp>
+    </p:spTree>
+    <p:extLst>
+      <p:ext uri="{BB962C8B-B14F-4D97-AF65-F5344CB8AC3E}">
+        <p14:creationId xmlns:p14="http://schemas.microsoft.com/office/powerpoint/2010/main" val="1059602762"/>
+      </p:ext>
+    </p:extLst>
+  </p:cSld>
+  <p:clrMapOvr>
+    <a:masterClrMapping/>
+  </p:clrMapOvr>
+  <p:timing>
+    <p:tnLst>
+      <p:par>
+        <p:cTn id="1" dur="indefinite" restart="never" nodeType="tmRoot">
+          <p:childTnLst>
+            <p:seq concurrent="1" nextAc="seek">
+              <p:cTn id="2" dur="indefinite" nodeType="mainSeq">
+                <p:childTnLst>
+                  <p:par>
+                    <p:cTn id="3" fill="hold">
+                      <p:stCondLst>
+                        <p:cond delay="indefinite"/>
+                      </p:stCondLst>
+                      <p:childTnLst>
+                        <p:par>
+                          <p:cTn id="4" fill="hold">
+                            <p:stCondLst>
+                              <p:cond delay="0"/>
+                            </p:stCondLst>
+                            <p:childTnLst>
+                              <p:par>
+                                <p:cTn id="5" presetID="10" presetClass="entr" presetSubtype="0" fill="hold" nodeType="clickEffect">
+                                  <p:stCondLst>
+                                    <p:cond delay="0"/>
+                                  </p:stCondLst>
+                                  <p:childTnLst>
+                                    <p:set>
+                                      <p:cBhvr>
+                                        <p:cTn id="6" dur="1" fill="hold">
+                                          <p:stCondLst>
+                                            <p:cond delay="0"/>
+                                          </p:stCondLst>
+                                        </p:cTn>
+                                        <p:tgtEl>
+                                          <p:spTgt spid="21"/>
+                                        </p:tgtEl>
+                                        <p:attrNameLst>
+                                          <p:attrName>style.visibility</p:attrName>
+                                        </p:attrNameLst>
+                                      </p:cBhvr>
+                                      <p:to>
+                                        <p:strVal val="visible"/>
+                                      </p:to>
+                                    </p:set>
+                                    <p:animEffect transition="in" filter="fade">
+                                      <p:cBhvr>
+                                        <p:cTn id="7" dur="500"/>
+                                        <p:tgtEl>
+                                          <p:spTgt spid="21"/>
+                                        </p:tgtEl>
+                                      </p:cBhvr>
+                                    </p:animEffect>
+                                  </p:childTnLst>
+                                </p:cTn>
+                              </p:par>
+                              <p:par>
+                                <p:cTn id="8" presetID="10" presetClass="entr" presetSubtype="0" fill="hold" grpId="0" nodeType="withEffect">
+                                  <p:stCondLst>
+                                    <p:cond delay="0"/>
+                                  </p:stCondLst>
+                                  <p:childTnLst>
+                                    <p:set>
+                                      <p:cBhvr>
+                                        <p:cTn id="9" dur="1" fill="hold">
+                                          <p:stCondLst>
+                                            <p:cond delay="0"/>
+                                          </p:stCondLst>
+                                        </p:cTn>
+                                        <p:tgtEl>
+                                          <p:spTgt spid="36"/>
+                                        </p:tgtEl>
+                                        <p:attrNameLst>
+                                          <p:attrName>style.visibility</p:attrName>
+                                        </p:attrNameLst>
+                                      </p:cBhvr>
+                                      <p:to>
+                                        <p:strVal val="visible"/>
+                                      </p:to>
+                                    </p:set>
+                                    <p:animEffect transition="in" filter="fade">
+                                      <p:cBhvr>
+                                        <p:cTn id="10" dur="500"/>
+                                        <p:tgtEl>
+                                          <p:spTgt spid="36"/>
+                                        </p:tgtEl>
+                                      </p:cBhvr>
+                                    </p:animEffect>
+                                  </p:childTnLst>
+                                </p:cTn>
+                              </p:par>
+                              <p:par>
+                                <p:cTn id="11" presetID="10" presetClass="entr" presetSubtype="0" fill="hold" nodeType="withEffect">
+                                  <p:stCondLst>
+                                    <p:cond delay="0"/>
+                                  </p:stCondLst>
+                                  <p:childTnLst>
+                                    <p:set>
+                                      <p:cBhvr>
+                                        <p:cTn id="12" dur="1" fill="hold">
+                                          <p:stCondLst>
+                                            <p:cond delay="0"/>
+                                          </p:stCondLst>
+                                        </p:cTn>
+                                        <p:tgtEl>
+                                          <p:spTgt spid="7"/>
+                                        </p:tgtEl>
+                                        <p:attrNameLst>
+                                          <p:attrName>style.visibility</p:attrName>
+                                        </p:attrNameLst>
+                                      </p:cBhvr>
+                                      <p:to>
+                                        <p:strVal val="visible"/>
+                                      </p:to>
+                                    </p:set>
+                                    <p:animEffect transition="in" filter="fade">
+                                      <p:cBhvr>
+                                        <p:cTn id="13" dur="500"/>
+                                        <p:tgtEl>
+                                          <p:spTgt spid="7"/>
+                                        </p:tgtEl>
+                                      </p:cBhvr>
+                                    </p:animEffect>
+                                  </p:childTnLst>
+                                </p:cTn>
+                              </p:par>
+                            </p:childTnLst>
+                          </p:cTn>
+                        </p:par>
+                      </p:childTnLst>
+                    </p:cTn>
+                  </p:par>
+                  <p:par>
+                    <p:cTn id="14" fill="hold">
+                      <p:stCondLst>
+                        <p:cond delay="indefinite"/>
+                      </p:stCondLst>
+                      <p:childTnLst>
+                        <p:par>
+                          <p:cTn id="15" fill="hold">
+                            <p:stCondLst>
+                              <p:cond delay="0"/>
+                            </p:stCondLst>
+                            <p:childTnLst>
+                              <p:par>
+                                <p:cTn id="16" presetID="10" presetClass="entr" presetSubtype="0" fill="hold" grpId="0" nodeType="clickEffect">
+                                  <p:stCondLst>
+                                    <p:cond delay="0"/>
+                                  </p:stCondLst>
+                                  <p:childTnLst>
+                                    <p:set>
+                                      <p:cBhvr>
+                                        <p:cTn id="17" dur="1" fill="hold">
+                                          <p:stCondLst>
+                                            <p:cond delay="0"/>
+                                          </p:stCondLst>
+                                        </p:cTn>
+                                        <p:tgtEl>
+                                          <p:spTgt spid="38"/>
+                                        </p:tgtEl>
+                                        <p:attrNameLst>
+                                          <p:attrName>style.visibility</p:attrName>
+                                        </p:attrNameLst>
+                                      </p:cBhvr>
+                                      <p:to>
+                                        <p:strVal val="visible"/>
+                                      </p:to>
+                                    </p:set>
+                                    <p:animEffect transition="in" filter="fade">
+                                      <p:cBhvr>
+                                        <p:cTn id="18" dur="500"/>
+                                        <p:tgtEl>
+                                          <p:spTgt spid="38"/>
+                                        </p:tgtEl>
+                                      </p:cBhvr>
+                                    </p:animEffect>
+                                  </p:childTnLst>
+                                </p:cTn>
+                              </p:par>
+                              <p:par>
+                                <p:cTn id="19" presetID="10" presetClass="entr" presetSubtype="0" fill="hold" nodeType="withEffect">
+                                  <p:stCondLst>
+                                    <p:cond delay="0"/>
+                                  </p:stCondLst>
+                                  <p:childTnLst>
+                                    <p:set>
+                                      <p:cBhvr>
+                                        <p:cTn id="20" dur="1" fill="hold">
+                                          <p:stCondLst>
+                                            <p:cond delay="0"/>
+                                          </p:stCondLst>
+                                        </p:cTn>
+                                        <p:tgtEl>
+                                          <p:spTgt spid="23"/>
+                                        </p:tgtEl>
+                                        <p:attrNameLst>
+                                          <p:attrName>style.visibility</p:attrName>
+                                        </p:attrNameLst>
+                                      </p:cBhvr>
+                                      <p:to>
+                                        <p:strVal val="visible"/>
+                                      </p:to>
+                                    </p:set>
+                                    <p:animEffect transition="in" filter="fade">
+                                      <p:cBhvr>
+                                        <p:cTn id="21" dur="500"/>
+                                        <p:tgtEl>
+                                          <p:spTgt spid="23"/>
+                                        </p:tgtEl>
+                                      </p:cBhvr>
+                                    </p:animEffect>
+                                  </p:childTnLst>
+                                </p:cTn>
+                              </p:par>
+                              <p:par>
+                                <p:cTn id="22" presetID="10" presetClass="entr" presetSubtype="0" fill="hold" nodeType="withEffect">
+                                  <p:stCondLst>
+                                    <p:cond delay="0"/>
+                                  </p:stCondLst>
+                                  <p:childTnLst>
+                                    <p:set>
+                                      <p:cBhvr>
+                                        <p:cTn id="23" dur="1" fill="hold">
+                                          <p:stCondLst>
+                                            <p:cond delay="0"/>
+                                          </p:stCondLst>
+                                        </p:cTn>
+                                        <p:tgtEl>
+                                          <p:spTgt spid="9"/>
+                                        </p:tgtEl>
+                                        <p:attrNameLst>
+                                          <p:attrName>style.visibility</p:attrName>
+                                        </p:attrNameLst>
+                                      </p:cBhvr>
+                                      <p:to>
+                                        <p:strVal val="visible"/>
+                                      </p:to>
+                                    </p:set>
+                                    <p:animEffect transition="in" filter="fade">
+                                      <p:cBhvr>
+                                        <p:cTn id="24" dur="500"/>
+                                        <p:tgtEl>
+                                          <p:spTgt spid="9"/>
+                                        </p:tgtEl>
+                                      </p:cBhvr>
+                                    </p:animEffect>
+                                  </p:childTnLst>
+                                </p:cTn>
+                              </p:par>
+                            </p:childTnLst>
+                          </p:cTn>
+                        </p:par>
+                      </p:childTnLst>
+                    </p:cTn>
+                  </p:par>
+                  <p:par>
+                    <p:cTn id="25" fill="hold">
+                      <p:stCondLst>
+                        <p:cond delay="indefinite"/>
+                      </p:stCondLst>
+                      <p:childTnLst>
+                        <p:par>
+                          <p:cTn id="26" fill="hold">
+                            <p:stCondLst>
+                              <p:cond delay="0"/>
+                            </p:stCondLst>
+                            <p:childTnLst>
+                              <p:par>
+                                <p:cTn id="27" presetID="10" presetClass="entr" presetSubtype="0" fill="hold" grpId="0" nodeType="clickEffect">
+                                  <p:stCondLst>
+                                    <p:cond delay="0"/>
+                                  </p:stCondLst>
+                                  <p:childTnLst>
+                                    <p:set>
+                                      <p:cBhvr>
+                                        <p:cTn id="28" dur="1" fill="hold">
+                                          <p:stCondLst>
+                                            <p:cond delay="0"/>
+                                          </p:stCondLst>
+                                        </p:cTn>
+                                        <p:tgtEl>
+                                          <p:spTgt spid="39"/>
+                                        </p:tgtEl>
+                                        <p:attrNameLst>
+                                          <p:attrName>style.visibility</p:attrName>
+                                        </p:attrNameLst>
+                                      </p:cBhvr>
+                                      <p:to>
+                                        <p:strVal val="visible"/>
+                                      </p:to>
+                                    </p:set>
+                                    <p:animEffect transition="in" filter="fade">
+                                      <p:cBhvr>
+                                        <p:cTn id="29" dur="500"/>
+                                        <p:tgtEl>
+                                          <p:spTgt spid="39"/>
+                                        </p:tgtEl>
+                                      </p:cBhvr>
+                                    </p:animEffect>
+                                  </p:childTnLst>
+                                </p:cTn>
+                              </p:par>
+                              <p:par>
+                                <p:cTn id="30" presetID="10" presetClass="entr" presetSubtype="0" fill="hold" nodeType="withEffect">
+                                  <p:stCondLst>
+                                    <p:cond delay="0"/>
+                                  </p:stCondLst>
+                                  <p:childTnLst>
+                                    <p:set>
+                                      <p:cBhvr>
+                                        <p:cTn id="31" dur="1" fill="hold">
+                                          <p:stCondLst>
+                                            <p:cond delay="0"/>
+                                          </p:stCondLst>
+                                        </p:cTn>
+                                        <p:tgtEl>
+                                          <p:spTgt spid="24"/>
+                                        </p:tgtEl>
+                                        <p:attrNameLst>
+                                          <p:attrName>style.visibility</p:attrName>
+                                        </p:attrNameLst>
+                                      </p:cBhvr>
+                                      <p:to>
+                                        <p:strVal val="visible"/>
+                                      </p:to>
+                                    </p:set>
+                                    <p:animEffect transition="in" filter="fade">
+                                      <p:cBhvr>
+                                        <p:cTn id="32" dur="500"/>
+                                        <p:tgtEl>
+                                          <p:spTgt spid="24"/>
+                                        </p:tgtEl>
+                                      </p:cBhvr>
+                                    </p:animEffect>
+                                  </p:childTnLst>
+                                </p:cTn>
+                              </p:par>
+                              <p:par>
+                                <p:cTn id="33" presetID="10" presetClass="entr" presetSubtype="0" fill="hold" nodeType="withEffect">
+                                  <p:stCondLst>
+                                    <p:cond delay="0"/>
+                                  </p:stCondLst>
+                                  <p:childTnLst>
+                                    <p:set>
+                                      <p:cBhvr>
+                                        <p:cTn id="34" dur="1" fill="hold">
+                                          <p:stCondLst>
+                                            <p:cond delay="0"/>
+                                          </p:stCondLst>
+                                        </p:cTn>
+                                        <p:tgtEl>
+                                          <p:spTgt spid="11"/>
+                                        </p:tgtEl>
+                                        <p:attrNameLst>
+                                          <p:attrName>style.visibility</p:attrName>
+                                        </p:attrNameLst>
+                                      </p:cBhvr>
+                                      <p:to>
+                                        <p:strVal val="visible"/>
+                                      </p:to>
+                                    </p:set>
+                                    <p:animEffect transition="in" filter="fade">
+                                      <p:cBhvr>
+                                        <p:cTn id="35" dur="500"/>
+                                        <p:tgtEl>
+                                          <p:spTgt spid="11"/>
+                                        </p:tgtEl>
+                                      </p:cBhvr>
+                                    </p:animEffect>
+                                  </p:childTnLst>
+                                </p:cTn>
+                              </p:par>
+                            </p:childTnLst>
+                          </p:cTn>
+                        </p:par>
+                      </p:childTnLst>
+                    </p:cTn>
+                  </p:par>
+                  <p:par>
+                    <p:cTn id="36" fill="hold">
+                      <p:stCondLst>
+                        <p:cond delay="indefinite"/>
+                      </p:stCondLst>
+                      <p:childTnLst>
+                        <p:par>
+                          <p:cTn id="37" fill="hold">
+                            <p:stCondLst>
+                              <p:cond delay="0"/>
+                            </p:stCondLst>
+                            <p:childTnLst>
+                              <p:par>
+                                <p:cTn id="38" presetID="10" presetClass="entr" presetSubtype="0" fill="hold" nodeType="clickEffect">
+                                  <p:stCondLst>
+                                    <p:cond delay="0"/>
+                                  </p:stCondLst>
+                                  <p:childTnLst>
+                                    <p:set>
+                                      <p:cBhvr>
+                                        <p:cTn id="39" dur="1" fill="hold">
+                                          <p:stCondLst>
+                                            <p:cond delay="0"/>
+                                          </p:stCondLst>
+                                        </p:cTn>
+                                        <p:tgtEl>
+                                          <p:spTgt spid="33"/>
+                                        </p:tgtEl>
+                                        <p:attrNameLst>
+                                          <p:attrName>style.visibility</p:attrName>
+                                        </p:attrNameLst>
+                                      </p:cBhvr>
+                                      <p:to>
+                                        <p:strVal val="visible"/>
+                                      </p:to>
+                                    </p:set>
+                                    <p:animEffect transition="in" filter="fade">
+                                      <p:cBhvr>
+                                        <p:cTn id="40" dur="500"/>
+                                        <p:tgtEl>
+                                          <p:spTgt spid="33"/>
+                                        </p:tgtEl>
+                                      </p:cBhvr>
+                                    </p:animEffect>
+                                  </p:childTnLst>
+                                </p:cTn>
+                              </p:par>
+                              <p:par>
+                                <p:cTn id="41" presetID="10" presetClass="entr" presetSubtype="0" fill="hold" grpId="0" nodeType="withEffect">
+                                  <p:stCondLst>
+                                    <p:cond delay="0"/>
+                                  </p:stCondLst>
+                                  <p:childTnLst>
+                                    <p:set>
+                                      <p:cBhvr>
+                                        <p:cTn id="42" dur="1" fill="hold">
+                                          <p:stCondLst>
+                                            <p:cond delay="0"/>
+                                          </p:stCondLst>
+                                        </p:cTn>
+                                        <p:tgtEl>
+                                          <p:spTgt spid="40"/>
+                                        </p:tgtEl>
+                                        <p:attrNameLst>
+                                          <p:attrName>style.visibility</p:attrName>
+                                        </p:attrNameLst>
+                                      </p:cBhvr>
+                                      <p:to>
+                                        <p:strVal val="visible"/>
+                                      </p:to>
+                                    </p:set>
+                                    <p:animEffect transition="in" filter="fade">
+                                      <p:cBhvr>
+                                        <p:cTn id="43" dur="500"/>
+                                        <p:tgtEl>
+                                          <p:spTgt spid="40"/>
+                                        </p:tgtEl>
+                                      </p:cBhvr>
+                                    </p:animEffect>
+                                  </p:childTnLst>
+                                </p:cTn>
+                              </p:par>
+                              <p:par>
+                                <p:cTn id="44" presetID="10" presetClass="entr" presetSubtype="0" fill="hold" nodeType="withEffect">
+                                  <p:stCondLst>
+                                    <p:cond delay="0"/>
+                                  </p:stCondLst>
+                                  <p:childTnLst>
+                                    <p:set>
+                                      <p:cBhvr>
+                                        <p:cTn id="45" dur="1" fill="hold">
+                                          <p:stCondLst>
+                                            <p:cond delay="0"/>
+                                          </p:stCondLst>
+                                        </p:cTn>
+                                        <p:tgtEl>
+                                          <p:spTgt spid="13"/>
+                                        </p:tgtEl>
+                                        <p:attrNameLst>
+                                          <p:attrName>style.visibility</p:attrName>
+                                        </p:attrNameLst>
+                                      </p:cBhvr>
+                                      <p:to>
+                                        <p:strVal val="visible"/>
+                                      </p:to>
+                                    </p:set>
+                                    <p:animEffect transition="in" filter="fade">
+                                      <p:cBhvr>
+                                        <p:cTn id="46" dur="500"/>
+                                        <p:tgtEl>
+                                          <p:spTgt spid="13"/>
+                                        </p:tgtEl>
+                                      </p:cBhvr>
+                                    </p:animEffect>
+                                  </p:childTnLst>
+                                </p:cTn>
+                              </p:par>
+                            </p:childTnLst>
+                          </p:cTn>
+                        </p:par>
+                      </p:childTnLst>
+                    </p:cTn>
+                  </p:par>
+                  <p:par>
+                    <p:cTn id="47" fill="hold">
+                      <p:stCondLst>
+                        <p:cond delay="indefinite"/>
+                      </p:stCondLst>
+                      <p:childTnLst>
+                        <p:par>
+                          <p:cTn id="48" fill="hold">
+                            <p:stCondLst>
+                              <p:cond delay="0"/>
+                            </p:stCondLst>
+                            <p:childTnLst>
+                              <p:par>
+                                <p:cTn id="49" presetID="10" presetClass="entr" presetSubtype="0" fill="hold" grpId="0" nodeType="clickEffect">
+                                  <p:stCondLst>
+                                    <p:cond delay="0"/>
+                                  </p:stCondLst>
+                                  <p:childTnLst>
+                                    <p:set>
+                                      <p:cBhvr>
+                                        <p:cTn id="50" dur="1" fill="hold">
+                                          <p:stCondLst>
+                                            <p:cond delay="0"/>
+                                          </p:stCondLst>
+                                        </p:cTn>
+                                        <p:tgtEl>
+                                          <p:spTgt spid="37"/>
+                                        </p:tgtEl>
+                                        <p:attrNameLst>
+                                          <p:attrName>style.visibility</p:attrName>
+                                        </p:attrNameLst>
+                                      </p:cBhvr>
+                                      <p:to>
+                                        <p:strVal val="visible"/>
+                                      </p:to>
+                                    </p:set>
+                                    <p:animEffect transition="in" filter="fade">
+                                      <p:cBhvr>
+                                        <p:cTn id="51" dur="500"/>
+                                        <p:tgtEl>
+                                          <p:spTgt spid="37"/>
+                                        </p:tgtEl>
+                                      </p:cBhvr>
+                                    </p:animEffect>
+                                  </p:childTnLst>
+                                </p:cTn>
+                              </p:par>
+                              <p:par>
+                                <p:cTn id="52" presetID="10" presetClass="entr" presetSubtype="0" fill="hold" nodeType="withEffect">
+                                  <p:stCondLst>
+                                    <p:cond delay="0"/>
+                                  </p:stCondLst>
+                                  <p:childTnLst>
+                                    <p:set>
+                                      <p:cBhvr>
+                                        <p:cTn id="53" dur="1" fill="hold">
+                                          <p:stCondLst>
+                                            <p:cond delay="0"/>
+                                          </p:stCondLst>
+                                        </p:cTn>
+                                        <p:tgtEl>
+                                          <p:spTgt spid="30"/>
+                                        </p:tgtEl>
+                                        <p:attrNameLst>
+                                          <p:attrName>style.visibility</p:attrName>
+                                        </p:attrNameLst>
+                                      </p:cBhvr>
+                                      <p:to>
+                                        <p:strVal val="visible"/>
+                                      </p:to>
+                                    </p:set>
+                                    <p:animEffect transition="in" filter="fade">
+                                      <p:cBhvr>
+                                        <p:cTn id="54" dur="500"/>
+                                        <p:tgtEl>
+                                          <p:spTgt spid="30"/>
+                                        </p:tgtEl>
+                                      </p:cBhvr>
+                                    </p:animEffect>
+                                  </p:childTnLst>
+                                </p:cTn>
+                              </p:par>
+                              <p:par>
+                                <p:cTn id="55" presetID="10" presetClass="entr" presetSubtype="0" fill="hold" nodeType="withEffect">
+                                  <p:stCondLst>
+                                    <p:cond delay="0"/>
+                                  </p:stCondLst>
+                                  <p:childTnLst>
+                                    <p:set>
+                                      <p:cBhvr>
+                                        <p:cTn id="56" dur="1" fill="hold">
+                                          <p:stCondLst>
+                                            <p:cond delay="0"/>
+                                          </p:stCondLst>
+                                        </p:cTn>
+                                        <p:tgtEl>
+                                          <p:spTgt spid="15"/>
+                                        </p:tgtEl>
+                                        <p:attrNameLst>
+                                          <p:attrName>style.visibility</p:attrName>
+                                        </p:attrNameLst>
+                                      </p:cBhvr>
+                                      <p:to>
+                                        <p:strVal val="visible"/>
+                                      </p:to>
+                                    </p:set>
+                                    <p:animEffect transition="in" filter="fade">
+                                      <p:cBhvr>
+                                        <p:cTn id="57" dur="500"/>
+                                        <p:tgtEl>
+                                          <p:spTgt spid="15"/>
+                                        </p:tgtEl>
+                                      </p:cBhvr>
+                                    </p:animEffect>
+                                  </p:childTnLst>
+                                </p:cTn>
+                              </p:par>
+                            </p:childTnLst>
+                          </p:cTn>
+                        </p:par>
+                      </p:childTnLst>
+                    </p:cTn>
+                  </p:par>
+                  <p:par>
+                    <p:cTn id="58" fill="hold">
+                      <p:stCondLst>
+                        <p:cond delay="indefinite"/>
+                      </p:stCondLst>
+                      <p:childTnLst>
+                        <p:par>
+                          <p:cTn id="59" fill="hold">
+                            <p:stCondLst>
+                              <p:cond delay="0"/>
+                            </p:stCondLst>
+                            <p:childTnLst>
+                              <p:par>
+                                <p:cTn id="60" presetID="10" presetClass="entr" presetSubtype="0" fill="hold" grpId="0" nodeType="clickEffect">
+                                  <p:stCondLst>
+                                    <p:cond delay="0"/>
+                                  </p:stCondLst>
+                                  <p:childTnLst>
+                                    <p:set>
+                                      <p:cBhvr>
+                                        <p:cTn id="61" dur="1" fill="hold">
+                                          <p:stCondLst>
+                                            <p:cond delay="0"/>
+                                          </p:stCondLst>
+                                        </p:cTn>
+                                        <p:tgtEl>
+                                          <p:spTgt spid="42"/>
+                                        </p:tgtEl>
+                                        <p:attrNameLst>
+                                          <p:attrName>style.visibility</p:attrName>
+                                        </p:attrNameLst>
+                                      </p:cBhvr>
+                                      <p:to>
+                                        <p:strVal val="visible"/>
+                                      </p:to>
+                                    </p:set>
+                                    <p:animEffect transition="in" filter="fade">
+                                      <p:cBhvr>
+                                        <p:cTn id="62" dur="500"/>
+                                        <p:tgtEl>
+                                          <p:spTgt spid="42"/>
+                                        </p:tgtEl>
+                                      </p:cBhvr>
+                                    </p:animEffect>
+                                  </p:childTnLst>
+                                </p:cTn>
+                              </p:par>
+                              <p:par>
+                                <p:cTn id="63" presetID="10" presetClass="entr" presetSubtype="0" fill="hold" nodeType="withEffect">
+                                  <p:stCondLst>
+                                    <p:cond delay="0"/>
+                                  </p:stCondLst>
+                                  <p:childTnLst>
+                                    <p:set>
+                                      <p:cBhvr>
+                                        <p:cTn id="64" dur="1" fill="hold">
+                                          <p:stCondLst>
+                                            <p:cond delay="0"/>
+                                          </p:stCondLst>
+                                        </p:cTn>
+                                        <p:tgtEl>
+                                          <p:spTgt spid="29"/>
+                                        </p:tgtEl>
+                                        <p:attrNameLst>
+                                          <p:attrName>style.visibility</p:attrName>
+                                        </p:attrNameLst>
+                                      </p:cBhvr>
+                                      <p:to>
+                                        <p:strVal val="visible"/>
+                                      </p:to>
+                                    </p:set>
+                                    <p:animEffect transition="in" filter="fade">
+                                      <p:cBhvr>
+                                        <p:cTn id="65" dur="500"/>
+                                        <p:tgtEl>
+                                          <p:spTgt spid="29"/>
+                                        </p:tgtEl>
+                                      </p:cBhvr>
+                                    </p:animEffect>
+                                  </p:childTnLst>
+                                </p:cTn>
+                              </p:par>
+                              <p:par>
+                                <p:cTn id="66" presetID="10" presetClass="entr" presetSubtype="0" fill="hold" nodeType="withEffect">
+                                  <p:stCondLst>
+                                    <p:cond delay="0"/>
+                                  </p:stCondLst>
+                                  <p:childTnLst>
+                                    <p:set>
+                                      <p:cBhvr>
+                                        <p:cTn id="67" dur="1" fill="hold">
+                                          <p:stCondLst>
+                                            <p:cond delay="0"/>
+                                          </p:stCondLst>
+                                        </p:cTn>
+                                        <p:tgtEl>
+                                          <p:spTgt spid="17"/>
+                                        </p:tgtEl>
+                                        <p:attrNameLst>
+                                          <p:attrName>style.visibility</p:attrName>
+                                        </p:attrNameLst>
+                                      </p:cBhvr>
+                                      <p:to>
+                                        <p:strVal val="visible"/>
+                                      </p:to>
+                                    </p:set>
+                                    <p:animEffect transition="in" filter="fade">
+                                      <p:cBhvr>
+                                        <p:cTn id="68" dur="500"/>
+                                        <p:tgtEl>
+                                          <p:spTgt spid="17"/>
+                                        </p:tgtEl>
+                                      </p:cBhvr>
+                                    </p:animEffect>
+                                  </p:childTnLst>
+                                </p:cTn>
+                              </p:par>
+                            </p:childTnLst>
+                          </p:cTn>
+                        </p:par>
+                      </p:childTnLst>
+                    </p:cTn>
+                  </p:par>
+                  <p:par>
+                    <p:cTn id="69" fill="hold">
+                      <p:stCondLst>
+                        <p:cond delay="indefinite"/>
+                      </p:stCondLst>
+                      <p:childTnLst>
+                        <p:par>
+                          <p:cTn id="70" fill="hold">
+                            <p:stCondLst>
+                              <p:cond delay="0"/>
+                            </p:stCondLst>
+                            <p:childTnLst>
+                              <p:par>
+                                <p:cTn id="71" presetID="10" presetClass="entr" presetSubtype="0" fill="hold" grpId="0" nodeType="clickEffect">
+                                  <p:stCondLst>
+                                    <p:cond delay="0"/>
+                                  </p:stCondLst>
+                                  <p:childTnLst>
+                                    <p:set>
+                                      <p:cBhvr>
+                                        <p:cTn id="72" dur="1" fill="hold">
+                                          <p:stCondLst>
+                                            <p:cond delay="0"/>
+                                          </p:stCondLst>
+                                        </p:cTn>
+                                        <p:tgtEl>
+                                          <p:spTgt spid="41"/>
+                                        </p:tgtEl>
+                                        <p:attrNameLst>
+                                          <p:attrName>style.visibility</p:attrName>
+                                        </p:attrNameLst>
+                                      </p:cBhvr>
+                                      <p:to>
+                                        <p:strVal val="visible"/>
+                                      </p:to>
+                                    </p:set>
+                                    <p:animEffect transition="in" filter="fade">
+                                      <p:cBhvr>
+                                        <p:cTn id="73" dur="500"/>
+                                        <p:tgtEl>
+                                          <p:spTgt spid="41"/>
+                                        </p:tgtEl>
+                                      </p:cBhvr>
+                                    </p:animEffect>
+                                  </p:childTnLst>
+                                </p:cTn>
+                              </p:par>
+                              <p:par>
+                                <p:cTn id="74" presetID="10" presetClass="entr" presetSubtype="0" fill="hold" nodeType="withEffect">
+                                  <p:stCondLst>
+                                    <p:cond delay="0"/>
+                                  </p:stCondLst>
+                                  <p:childTnLst>
+                                    <p:set>
+                                      <p:cBhvr>
+                                        <p:cTn id="75" dur="1" fill="hold">
+                                          <p:stCondLst>
+                                            <p:cond delay="0"/>
+                                          </p:stCondLst>
+                                        </p:cTn>
+                                        <p:tgtEl>
+                                          <p:spTgt spid="19"/>
+                                        </p:tgtEl>
+                                        <p:attrNameLst>
+                                          <p:attrName>style.visibility</p:attrName>
+                                        </p:attrNameLst>
+                                      </p:cBhvr>
+                                      <p:to>
+                                        <p:strVal val="visible"/>
+                                      </p:to>
+                                    </p:set>
+                                    <p:animEffect transition="in" filter="fade">
+                                      <p:cBhvr>
+                                        <p:cTn id="76" dur="500"/>
+                                        <p:tgtEl>
+                                          <p:spTgt spid="19"/>
+                                        </p:tgtEl>
+                                      </p:cBhvr>
+                                    </p:animEffect>
+                                  </p:childTnLst>
+                                </p:cTn>
+                              </p:par>
+                              <p:par>
+                                <p:cTn id="77" presetID="10" presetClass="entr" presetSubtype="0" fill="hold" nodeType="withEffect">
+                                  <p:stCondLst>
+                                    <p:cond delay="0"/>
+                                  </p:stCondLst>
+                                  <p:childTnLst>
+                                    <p:set>
+                                      <p:cBhvr>
+                                        <p:cTn id="78" dur="1" fill="hold">
+                                          <p:stCondLst>
+                                            <p:cond delay="0"/>
+                                          </p:stCondLst>
+                                        </p:cTn>
+                                        <p:tgtEl>
+                                          <p:spTgt spid="35"/>
+                                        </p:tgtEl>
+                                        <p:attrNameLst>
+                                          <p:attrName>style.visibility</p:attrName>
+                                        </p:attrNameLst>
+                                      </p:cBhvr>
+                                      <p:to>
+                                        <p:strVal val="visible"/>
+                                      </p:to>
+                                    </p:set>
+                                    <p:animEffect transition="in" filter="fade">
+                                      <p:cBhvr>
+                                        <p:cTn id="79" dur="500"/>
+                                        <p:tgtEl>
+                                          <p:spTgt spid="35"/>
+                                        </p:tgtEl>
+                                      </p:cBhvr>
+                                    </p:animEffect>
+                                  </p:childTnLst>
+                                </p:cTn>
+                              </p:par>
+                            </p:childTnLst>
+                          </p:cTn>
+                        </p:par>
+                      </p:childTnLst>
+                    </p:cTn>
+                  </p:par>
+                </p:childTnLst>
+              </p:cTn>
+              <p:prevCondLst>
+                <p:cond evt="onPrev" delay="0">
+                  <p:tgtEl>
+                    <p:sldTgt/>
+                  </p:tgtEl>
+                </p:cond>
+              </p:prevCondLst>
+              <p:nextCondLst>
+                <p:cond evt="onNext" delay="0">
+                  <p:tgtEl>
+                    <p:sldTgt/>
+                  </p:tgtEl>
+                </p:cond>
+              </p:nextCondLst>
+            </p:seq>
+          </p:childTnLst>
+        </p:cTn>
+      </p:par>
+    </p:tnLst>
+    <p:bldLst>
+      <p:bldP spid="36" grpId="0"/>
+      <p:bldP spid="37" grpId="0"/>
+      <p:bldP spid="38" grpId="0"/>
+      <p:bldP spid="39" grpId="0"/>
+      <p:bldP spid="40" grpId="0"/>
+      <p:bldP spid="41" grpId="0"/>
+      <p:bldP spid="42" grpId="0"/>
+    </p:bldLst>
+  </p:timing>
+</p:sld>
+</file>
+
+<file path=ppt/slides/slide11.xml><?xml version="1.0" encoding="utf-8"?>
 <p:sld xmlns:a="http://schemas.openxmlformats.org/drawingml/2006/main" xmlns:r="http://schemas.openxmlformats.org/officeDocument/2006/relationships" xmlns:p="http://schemas.openxmlformats.org/presentationml/2006/main">
   <p:cSld>
     <p:spTree>
@@ -6035,7 +8106,7 @@
 </p:sld>
 </file>
 
-<file path=ppt/slides/slide11.xml><?xml version="1.0" encoding="utf-8"?>
+<file path=ppt/slides/slide12.xml><?xml version="1.0" encoding="utf-8"?>
 <p:sld xmlns:a="http://schemas.openxmlformats.org/drawingml/2006/main" xmlns:r="http://schemas.openxmlformats.org/officeDocument/2006/relationships" xmlns:p="http://schemas.openxmlformats.org/presentationml/2006/main">
   <p:cSld>
     <p:spTree>
@@ -9803,7 +11874,7 @@
 </p:sld>
 </file>
 
-<file path=ppt/slides/slide12.xml><?xml version="1.0" encoding="utf-8"?>
+<file path=ppt/slides/slide13.xml><?xml version="1.0" encoding="utf-8"?>
 <p:sld xmlns:a="http://schemas.openxmlformats.org/drawingml/2006/main" xmlns:r="http://schemas.openxmlformats.org/officeDocument/2006/relationships" xmlns:p="http://schemas.openxmlformats.org/presentationml/2006/main">
   <p:cSld>
     <p:spTree>
@@ -11411,7 +13482,7 @@
 </p:sld>
 </file>
 
-<file path=ppt/slides/slide13.xml><?xml version="1.0" encoding="utf-8"?>
+<file path=ppt/slides/slide14.xml><?xml version="1.0" encoding="utf-8"?>
 <p:sld xmlns:a="http://schemas.openxmlformats.org/drawingml/2006/main" xmlns:r="http://schemas.openxmlformats.org/officeDocument/2006/relationships" xmlns:p="http://schemas.openxmlformats.org/presentationml/2006/main">
   <p:cSld>
     <p:spTree>
@@ -12079,86 +14150,6 @@
 </p:sld>
 </file>
 
-<file path=ppt/slides/slide14.xml><?xml version="1.0" encoding="utf-8"?>
-<p:sld xmlns:a="http://schemas.openxmlformats.org/drawingml/2006/main" xmlns:r="http://schemas.openxmlformats.org/officeDocument/2006/relationships" xmlns:p="http://schemas.openxmlformats.org/presentationml/2006/main">
-  <p:cSld>
-    <p:spTree>
-      <p:nvGrpSpPr>
-        <p:cNvPr id="1" name=""/>
-        <p:cNvGrpSpPr/>
-        <p:nvPr/>
-      </p:nvGrpSpPr>
-      <p:grpSpPr>
-        <a:xfrm>
-          <a:off x="0" y="0"/>
-          <a:ext cx="0" cy="0"/>
-          <a:chOff x="0" y="0"/>
-          <a:chExt cx="0" cy="0"/>
-        </a:xfrm>
-      </p:grpSpPr>
-      <p:sp>
-        <p:nvSpPr>
-          <p:cNvPr id="2" name="Title 1">
-            <a:extLst>
-              <a:ext uri="{FF2B5EF4-FFF2-40B4-BE49-F238E27FC236}">
-                <a16:creationId xmlns:a16="http://schemas.microsoft.com/office/drawing/2014/main" id="{F21307EC-87ED-4BAB-8719-067510397346}"/>
-              </a:ext>
-            </a:extLst>
-          </p:cNvPr>
-          <p:cNvSpPr>
-            <a:spLocks noGrp="1"/>
-          </p:cNvSpPr>
-          <p:nvPr>
-            <p:ph type="title"/>
-          </p:nvPr>
-        </p:nvSpPr>
-        <p:spPr/>
-        <p:txBody>
-          <a:bodyPr/>
-          <a:lstStyle/>
-          <a:p>
-            <a:endParaRPr lang="en-US"/>
-          </a:p>
-        </p:txBody>
-      </p:sp>
-      <p:sp>
-        <p:nvSpPr>
-          <p:cNvPr id="3" name="Content Placeholder 2">
-            <a:extLst>
-              <a:ext uri="{FF2B5EF4-FFF2-40B4-BE49-F238E27FC236}">
-                <a16:creationId xmlns:a16="http://schemas.microsoft.com/office/drawing/2014/main" id="{7AB8C01F-5FBE-46D3-B631-97909A9D7B59}"/>
-              </a:ext>
-            </a:extLst>
-          </p:cNvPr>
-          <p:cNvSpPr>
-            <a:spLocks noGrp="1"/>
-          </p:cNvSpPr>
-          <p:nvPr>
-            <p:ph idx="1"/>
-          </p:nvPr>
-        </p:nvSpPr>
-        <p:spPr/>
-        <p:txBody>
-          <a:bodyPr/>
-          <a:lstStyle/>
-          <a:p>
-            <a:endParaRPr lang="en-US"/>
-          </a:p>
-        </p:txBody>
-      </p:sp>
-    </p:spTree>
-    <p:extLst>
-      <p:ext uri="{BB962C8B-B14F-4D97-AF65-F5344CB8AC3E}">
-        <p14:creationId xmlns:p14="http://schemas.microsoft.com/office/powerpoint/2010/main" val="1821969293"/>
-      </p:ext>
-    </p:extLst>
-  </p:cSld>
-  <p:clrMapOvr>
-    <a:masterClrMapping/>
-  </p:clrMapOvr>
-</p:sld>
-</file>
-
 <file path=ppt/slides/slide15.xml><?xml version="1.0" encoding="utf-8"?>
 <p:sld xmlns:a="http://schemas.openxmlformats.org/drawingml/2006/main" xmlns:r="http://schemas.openxmlformats.org/officeDocument/2006/relationships" xmlns:p="http://schemas.openxmlformats.org/presentationml/2006/main">
   <p:cSld>
@@ -12181,7 +14172,7 @@
           <p:cNvPr id="2" name="Title 1">
             <a:extLst>
               <a:ext uri="{FF2B5EF4-FFF2-40B4-BE49-F238E27FC236}">
-                <a16:creationId xmlns:a16="http://schemas.microsoft.com/office/drawing/2014/main" id="{C0A2BF87-94E6-48F2-9C68-1418D6B69FA8}"/>
+                <a16:creationId xmlns:a16="http://schemas.microsoft.com/office/drawing/2014/main" id="{EB8AEE74-F06C-4F5F-8912-81BBC29BFBD6}"/>
               </a:ext>
             </a:extLst>
           </p:cNvPr>
@@ -12192,48 +14183,607 @@
             <p:ph type="title"/>
           </p:nvPr>
         </p:nvSpPr>
-        <p:spPr/>
+        <p:spPr>
+          <a:xfrm>
+            <a:off x="838200" y="142329"/>
+            <a:ext cx="10515600" cy="1325563"/>
+          </a:xfrm>
+        </p:spPr>
         <p:txBody>
-          <a:bodyPr/>
+          <a:bodyPr>
+            <a:normAutofit/>
+          </a:bodyPr>
           <a:lstStyle/>
           <a:p>
             <a:pPr algn="ctr"/>
             <a:r>
-              <a:rPr lang="en-US" b="1" dirty="0"/>
-              <a:t>Connection to PC via Bluetooth</a:t>
+              <a:rPr lang="en-US" sz="3600" b="1" dirty="0"/>
+              <a:t>Bluetooth and User Interface for PC</a:t>
             </a:r>
           </a:p>
         </p:txBody>
       </p:sp>
       <p:sp>
         <p:nvSpPr>
-          <p:cNvPr id="3" name="Content Placeholder 2">
-            <a:extLst>
-              <a:ext uri="{FF2B5EF4-FFF2-40B4-BE49-F238E27FC236}">
-                <a16:creationId xmlns:a16="http://schemas.microsoft.com/office/drawing/2014/main" id="{73C1C6A8-2402-400A-BC1A-6D549B7C7C29}"/>
-              </a:ext>
-            </a:extLst>
-          </p:cNvPr>
-          <p:cNvSpPr>
-            <a:spLocks noGrp="1"/>
-          </p:cNvSpPr>
-          <p:nvPr>
-            <p:ph idx="1"/>
-          </p:nvPr>
+          <p:cNvPr id="6" name="TextBox 5">
+            <a:extLst>
+              <a:ext uri="{FF2B5EF4-FFF2-40B4-BE49-F238E27FC236}">
+                <a16:creationId xmlns:a16="http://schemas.microsoft.com/office/drawing/2014/main" id="{F29D1A38-47F4-4655-86A2-30D6BF492A4C}"/>
+              </a:ext>
+            </a:extLst>
+          </p:cNvPr>
+          <p:cNvSpPr txBox="1"/>
+          <p:nvPr/>
         </p:nvSpPr>
-        <p:spPr/>
+        <p:spPr>
+          <a:xfrm>
+            <a:off x="6419632" y="1629709"/>
+            <a:ext cx="5248307" cy="3908762"/>
+          </a:xfrm>
+          <a:prstGeom prst="rect">
+            <a:avLst/>
+          </a:prstGeom>
+          <a:noFill/>
+        </p:spPr>
         <p:txBody>
-          <a:bodyPr/>
+          <a:bodyPr wrap="square" rtlCol="0">
+            <a:spAutoFit/>
+          </a:bodyPr>
           <a:lstStyle/>
           <a:p>
-            <a:endParaRPr lang="en-US"/>
+            <a:pPr marL="0" marR="0" lvl="0" indent="0" algn="l" defTabSz="914400" rtl="0" eaLnBrk="1" fontAlgn="auto" latinLnBrk="0" hangingPunct="1">
+              <a:lnSpc>
+                <a:spcPct val="100000"/>
+              </a:lnSpc>
+              <a:spcBef>
+                <a:spcPts val="0"/>
+              </a:spcBef>
+              <a:spcAft>
+                <a:spcPts val="0"/>
+              </a:spcAft>
+              <a:buClrTx/>
+              <a:buSzTx/>
+              <a:buFontTx/>
+              <a:buNone/>
+              <a:tabLst/>
+              <a:defRPr/>
+            </a:pPr>
+            <a:r>
+              <a:rPr kumimoji="0" lang="en-US" sz="1800" b="0" i="0" u="none" strike="noStrike" kern="1200" cap="none" spc="0" normalizeH="0" baseline="0" noProof="0" dirty="0">
+                <a:ln>
+                  <a:noFill/>
+                </a:ln>
+                <a:solidFill>
+                  <a:prstClr val="black"/>
+                </a:solidFill>
+                <a:effectLst/>
+                <a:uLnTx/>
+                <a:uFillTx/>
+                <a:latin typeface="Calibri" panose="020F0502020204030204"/>
+                <a:ea typeface="+mn-ea"/>
+                <a:cs typeface="+mn-cs"/>
+              </a:rPr>
+              <a:t>We created a user interface for windows using C#.</a:t>
+            </a:r>
+          </a:p>
+          <a:p>
+            <a:pPr marL="0" marR="0" lvl="0" indent="0" algn="l" defTabSz="914400" rtl="0" eaLnBrk="1" fontAlgn="auto" latinLnBrk="0" hangingPunct="1">
+              <a:lnSpc>
+                <a:spcPct val="100000"/>
+              </a:lnSpc>
+              <a:spcBef>
+                <a:spcPts val="0"/>
+              </a:spcBef>
+              <a:spcAft>
+                <a:spcPts val="0"/>
+              </a:spcAft>
+              <a:buClrTx/>
+              <a:buSzTx/>
+              <a:buFontTx/>
+              <a:buNone/>
+              <a:tabLst/>
+              <a:defRPr/>
+            </a:pPr>
+            <a:endParaRPr kumimoji="0" lang="en-US" sz="1800" b="0" i="0" u="none" strike="noStrike" kern="1200" cap="none" spc="0" normalizeH="0" baseline="0" noProof="0" dirty="0">
+              <a:ln>
+                <a:noFill/>
+              </a:ln>
+              <a:solidFill>
+                <a:prstClr val="black"/>
+              </a:solidFill>
+              <a:effectLst/>
+              <a:uLnTx/>
+              <a:uFillTx/>
+              <a:latin typeface="Calibri" panose="020F0502020204030204"/>
+              <a:ea typeface="+mn-ea"/>
+              <a:cs typeface="+mn-cs"/>
+            </a:endParaRPr>
+          </a:p>
+          <a:p>
+            <a:pPr marL="285750" marR="0" lvl="0" indent="-285750" algn="l" defTabSz="914400" rtl="0" eaLnBrk="1" fontAlgn="auto" latinLnBrk="0" hangingPunct="1">
+              <a:lnSpc>
+                <a:spcPct val="100000"/>
+              </a:lnSpc>
+              <a:spcBef>
+                <a:spcPts val="0"/>
+              </a:spcBef>
+              <a:spcAft>
+                <a:spcPts val="0"/>
+              </a:spcAft>
+              <a:buClrTx/>
+              <a:buSzTx/>
+              <a:buFont typeface="Arial" panose="020B0604020202020204" pitchFamily="34" charset="0"/>
+              <a:buChar char="•"/>
+              <a:tabLst/>
+              <a:defRPr/>
+            </a:pPr>
+            <a:r>
+              <a:rPr kumimoji="0" lang="en-US" sz="1800" b="0" i="0" u="none" strike="noStrike" kern="1200" cap="none" spc="0" normalizeH="0" baseline="0" noProof="0" dirty="0">
+                <a:ln>
+                  <a:noFill/>
+                </a:ln>
+                <a:solidFill>
+                  <a:prstClr val="black"/>
+                </a:solidFill>
+                <a:effectLst/>
+                <a:uLnTx/>
+                <a:uFillTx/>
+                <a:latin typeface="Calibri" panose="020F0502020204030204"/>
+                <a:ea typeface="+mn-ea"/>
+                <a:cs typeface="+mn-cs"/>
+              </a:rPr>
+              <a:t>Connecting to sensor via Bluetooth.</a:t>
+            </a:r>
+          </a:p>
+          <a:p>
+            <a:pPr marL="0" marR="0" lvl="0" indent="0" algn="l" defTabSz="914400" rtl="0" eaLnBrk="1" fontAlgn="auto" latinLnBrk="0" hangingPunct="1">
+              <a:lnSpc>
+                <a:spcPct val="100000"/>
+              </a:lnSpc>
+              <a:spcBef>
+                <a:spcPts val="0"/>
+              </a:spcBef>
+              <a:spcAft>
+                <a:spcPts val="0"/>
+              </a:spcAft>
+              <a:buClrTx/>
+              <a:buSzTx/>
+              <a:buFontTx/>
+              <a:buNone/>
+              <a:tabLst/>
+              <a:defRPr/>
+            </a:pPr>
+            <a:r>
+              <a:rPr kumimoji="0" lang="en-US" sz="1600" b="0" i="0" u="none" strike="noStrike" kern="1200" cap="none" spc="0" normalizeH="0" baseline="0" noProof="0" dirty="0">
+                <a:ln>
+                  <a:noFill/>
+                </a:ln>
+                <a:solidFill>
+                  <a:prstClr val="black"/>
+                </a:solidFill>
+                <a:effectLst/>
+                <a:uLnTx/>
+                <a:uFillTx/>
+                <a:latin typeface="Calibri" panose="020F0502020204030204"/>
+                <a:ea typeface="+mn-ea"/>
+                <a:cs typeface="+mn-cs"/>
+              </a:rPr>
+              <a:t>      (Can be disconnected from both pc and sensor itself.)</a:t>
+            </a:r>
+          </a:p>
+          <a:p>
+            <a:pPr marL="0" marR="0" lvl="0" indent="0" algn="l" defTabSz="914400" rtl="0" eaLnBrk="1" fontAlgn="auto" latinLnBrk="0" hangingPunct="1">
+              <a:lnSpc>
+                <a:spcPct val="100000"/>
+              </a:lnSpc>
+              <a:spcBef>
+                <a:spcPts val="0"/>
+              </a:spcBef>
+              <a:spcAft>
+                <a:spcPts val="0"/>
+              </a:spcAft>
+              <a:buClrTx/>
+              <a:buSzTx/>
+              <a:buFontTx/>
+              <a:buNone/>
+              <a:tabLst/>
+              <a:defRPr/>
+            </a:pPr>
+            <a:endParaRPr kumimoji="0" lang="en-US" sz="1600" b="0" i="0" u="none" strike="noStrike" kern="1200" cap="none" spc="0" normalizeH="0" baseline="0" noProof="0" dirty="0">
+              <a:ln>
+                <a:noFill/>
+              </a:ln>
+              <a:solidFill>
+                <a:prstClr val="black"/>
+              </a:solidFill>
+              <a:effectLst/>
+              <a:uLnTx/>
+              <a:uFillTx/>
+              <a:latin typeface="Calibri" panose="020F0502020204030204"/>
+              <a:ea typeface="+mn-ea"/>
+              <a:cs typeface="+mn-cs"/>
+            </a:endParaRPr>
+          </a:p>
+          <a:p>
+            <a:pPr marL="285750" marR="0" lvl="0" indent="-285750" algn="l" defTabSz="914400" rtl="0" eaLnBrk="1" fontAlgn="auto" latinLnBrk="0" hangingPunct="1">
+              <a:lnSpc>
+                <a:spcPct val="100000"/>
+              </a:lnSpc>
+              <a:spcBef>
+                <a:spcPts val="0"/>
+              </a:spcBef>
+              <a:spcAft>
+                <a:spcPts val="0"/>
+              </a:spcAft>
+              <a:buClrTx/>
+              <a:buSzTx/>
+              <a:buFont typeface="Arial" panose="020B0604020202020204" pitchFamily="34" charset="0"/>
+              <a:buChar char="•"/>
+              <a:tabLst/>
+              <a:defRPr/>
+            </a:pPr>
+            <a:r>
+              <a:rPr kumimoji="0" lang="en-US" sz="1600" b="0" i="0" u="none" strike="noStrike" kern="1200" cap="none" spc="0" normalizeH="0" baseline="0" noProof="0" dirty="0">
+                <a:ln>
+                  <a:noFill/>
+                </a:ln>
+                <a:solidFill>
+                  <a:prstClr val="black"/>
+                </a:solidFill>
+                <a:effectLst/>
+                <a:uLnTx/>
+                <a:uFillTx/>
+                <a:latin typeface="Calibri" panose="020F0502020204030204"/>
+                <a:ea typeface="+mn-ea"/>
+                <a:cs typeface="+mn-cs"/>
+              </a:rPr>
+              <a:t>Calibration</a:t>
+            </a:r>
+          </a:p>
+          <a:p>
+            <a:pPr marL="285750" marR="0" lvl="0" indent="-285750" algn="l" defTabSz="914400" rtl="0" eaLnBrk="1" fontAlgn="auto" latinLnBrk="0" hangingPunct="1">
+              <a:lnSpc>
+                <a:spcPct val="100000"/>
+              </a:lnSpc>
+              <a:spcBef>
+                <a:spcPts val="0"/>
+              </a:spcBef>
+              <a:spcAft>
+                <a:spcPts val="0"/>
+              </a:spcAft>
+              <a:buClrTx/>
+              <a:buSzTx/>
+              <a:buFont typeface="Arial" panose="020B0604020202020204" pitchFamily="34" charset="0"/>
+              <a:buChar char="•"/>
+              <a:tabLst/>
+              <a:defRPr/>
+            </a:pPr>
+            <a:endParaRPr kumimoji="0" lang="en-US" sz="1600" b="0" i="0" u="none" strike="noStrike" kern="1200" cap="none" spc="0" normalizeH="0" baseline="0" noProof="0" dirty="0">
+              <a:ln>
+                <a:noFill/>
+              </a:ln>
+              <a:solidFill>
+                <a:prstClr val="black"/>
+              </a:solidFill>
+              <a:effectLst/>
+              <a:uLnTx/>
+              <a:uFillTx/>
+              <a:latin typeface="Calibri" panose="020F0502020204030204"/>
+              <a:ea typeface="+mn-ea"/>
+              <a:cs typeface="+mn-cs"/>
+            </a:endParaRPr>
+          </a:p>
+          <a:p>
+            <a:pPr marL="285750" marR="0" lvl="0" indent="-285750" algn="l" defTabSz="914400" rtl="0" eaLnBrk="1" fontAlgn="auto" latinLnBrk="0" hangingPunct="1">
+              <a:lnSpc>
+                <a:spcPct val="100000"/>
+              </a:lnSpc>
+              <a:spcBef>
+                <a:spcPts val="0"/>
+              </a:spcBef>
+              <a:spcAft>
+                <a:spcPts val="0"/>
+              </a:spcAft>
+              <a:buClrTx/>
+              <a:buSzTx/>
+              <a:buFont typeface="Arial" panose="020B0604020202020204" pitchFamily="34" charset="0"/>
+              <a:buChar char="•"/>
+              <a:tabLst/>
+              <a:defRPr/>
+            </a:pPr>
+            <a:r>
+              <a:rPr kumimoji="0" lang="en-US" sz="1600" b="0" i="0" u="none" strike="noStrike" kern="1200" cap="none" spc="0" normalizeH="0" baseline="0" noProof="0" dirty="0">
+                <a:ln>
+                  <a:noFill/>
+                </a:ln>
+                <a:solidFill>
+                  <a:prstClr val="black"/>
+                </a:solidFill>
+                <a:effectLst/>
+                <a:uLnTx/>
+                <a:uFillTx/>
+                <a:latin typeface="Calibri" panose="020F0502020204030204"/>
+                <a:ea typeface="+mn-ea"/>
+                <a:cs typeface="+mn-cs"/>
+              </a:rPr>
+              <a:t>Reading real time color and recording in a log file</a:t>
+            </a:r>
+          </a:p>
+          <a:p>
+            <a:pPr marL="285750" marR="0" lvl="0" indent="-285750" algn="l" defTabSz="914400" rtl="0" eaLnBrk="1" fontAlgn="auto" latinLnBrk="0" hangingPunct="1">
+              <a:lnSpc>
+                <a:spcPct val="100000"/>
+              </a:lnSpc>
+              <a:spcBef>
+                <a:spcPts val="0"/>
+              </a:spcBef>
+              <a:spcAft>
+                <a:spcPts val="0"/>
+              </a:spcAft>
+              <a:buClrTx/>
+              <a:buSzTx/>
+              <a:buFont typeface="Arial" panose="020B0604020202020204" pitchFamily="34" charset="0"/>
+              <a:buChar char="•"/>
+              <a:tabLst/>
+              <a:defRPr/>
+            </a:pPr>
+            <a:endParaRPr kumimoji="0" lang="en-US" sz="1600" b="0" i="0" u="none" strike="noStrike" kern="1200" cap="none" spc="0" normalizeH="0" baseline="0" noProof="0" dirty="0">
+              <a:ln>
+                <a:noFill/>
+              </a:ln>
+              <a:solidFill>
+                <a:prstClr val="black"/>
+              </a:solidFill>
+              <a:effectLst/>
+              <a:uLnTx/>
+              <a:uFillTx/>
+              <a:latin typeface="Calibri" panose="020F0502020204030204"/>
+              <a:ea typeface="+mn-ea"/>
+              <a:cs typeface="+mn-cs"/>
+            </a:endParaRPr>
+          </a:p>
+          <a:p>
+            <a:pPr marL="285750" marR="0" lvl="0" indent="-285750" algn="l" defTabSz="914400" rtl="0" eaLnBrk="1" fontAlgn="auto" latinLnBrk="0" hangingPunct="1">
+              <a:lnSpc>
+                <a:spcPct val="100000"/>
+              </a:lnSpc>
+              <a:spcBef>
+                <a:spcPts val="0"/>
+              </a:spcBef>
+              <a:spcAft>
+                <a:spcPts val="0"/>
+              </a:spcAft>
+              <a:buClrTx/>
+              <a:buSzTx/>
+              <a:buFont typeface="Arial" panose="020B0604020202020204" pitchFamily="34" charset="0"/>
+              <a:buChar char="•"/>
+              <a:tabLst/>
+              <a:defRPr/>
+            </a:pPr>
+            <a:r>
+              <a:rPr kumimoji="0" lang="en-US" sz="1600" b="0" i="0" u="none" strike="noStrike" kern="1200" cap="none" spc="0" normalizeH="0" baseline="0" noProof="0" dirty="0">
+                <a:ln>
+                  <a:noFill/>
+                </a:ln>
+                <a:solidFill>
+                  <a:prstClr val="black"/>
+                </a:solidFill>
+                <a:effectLst/>
+                <a:uLnTx/>
+                <a:uFillTx/>
+                <a:latin typeface="Calibri" panose="020F0502020204030204"/>
+                <a:ea typeface="+mn-ea"/>
+                <a:cs typeface="+mn-cs"/>
+              </a:rPr>
+              <a:t>Sending  a specified color and lighting the LED</a:t>
+            </a:r>
+          </a:p>
+          <a:p>
+            <a:pPr marL="285750" marR="0" lvl="0" indent="-285750" algn="l" defTabSz="914400" rtl="0" eaLnBrk="1" fontAlgn="auto" latinLnBrk="0" hangingPunct="1">
+              <a:lnSpc>
+                <a:spcPct val="100000"/>
+              </a:lnSpc>
+              <a:spcBef>
+                <a:spcPts val="0"/>
+              </a:spcBef>
+              <a:spcAft>
+                <a:spcPts val="0"/>
+              </a:spcAft>
+              <a:buClrTx/>
+              <a:buSzTx/>
+              <a:buFont typeface="Arial" panose="020B0604020202020204" pitchFamily="34" charset="0"/>
+              <a:buChar char="•"/>
+              <a:tabLst/>
+              <a:defRPr/>
+            </a:pPr>
+            <a:endParaRPr kumimoji="0" lang="en-US" sz="1600" b="0" i="0" u="none" strike="noStrike" kern="1200" cap="none" spc="0" normalizeH="0" baseline="0" noProof="0" dirty="0">
+              <a:ln>
+                <a:noFill/>
+              </a:ln>
+              <a:solidFill>
+                <a:prstClr val="black"/>
+              </a:solidFill>
+              <a:effectLst/>
+              <a:uLnTx/>
+              <a:uFillTx/>
+              <a:latin typeface="Calibri" panose="020F0502020204030204"/>
+              <a:ea typeface="+mn-ea"/>
+              <a:cs typeface="+mn-cs"/>
+            </a:endParaRPr>
+          </a:p>
+          <a:p>
+            <a:pPr marL="285750" marR="0" lvl="0" indent="-285750" algn="l" defTabSz="914400" rtl="0" eaLnBrk="1" fontAlgn="auto" latinLnBrk="0" hangingPunct="1">
+              <a:lnSpc>
+                <a:spcPct val="100000"/>
+              </a:lnSpc>
+              <a:spcBef>
+                <a:spcPts val="0"/>
+              </a:spcBef>
+              <a:spcAft>
+                <a:spcPts val="0"/>
+              </a:spcAft>
+              <a:buClrTx/>
+              <a:buSzTx/>
+              <a:buFont typeface="Arial" panose="020B0604020202020204" pitchFamily="34" charset="0"/>
+              <a:buChar char="•"/>
+              <a:tabLst/>
+              <a:defRPr/>
+            </a:pPr>
+            <a:r>
+              <a:rPr kumimoji="0" lang="en-US" sz="1600" b="0" i="0" u="none" strike="noStrike" kern="1200" cap="none" spc="0" normalizeH="0" baseline="0" noProof="0" dirty="0">
+                <a:ln>
+                  <a:noFill/>
+                </a:ln>
+                <a:solidFill>
+                  <a:prstClr val="white">
+                    <a:lumMod val="65000"/>
+                  </a:prstClr>
+                </a:solidFill>
+                <a:effectLst/>
+                <a:uLnTx/>
+                <a:uFillTx/>
+                <a:latin typeface="Calibri" panose="020F0502020204030204"/>
+                <a:ea typeface="+mn-ea"/>
+                <a:cs typeface="+mn-cs"/>
+              </a:rPr>
+              <a:t>Sending any message to display</a:t>
+            </a:r>
+          </a:p>
+          <a:p>
+            <a:pPr marL="0" marR="0" lvl="0" indent="0" algn="l" defTabSz="914400" rtl="0" eaLnBrk="1" fontAlgn="auto" latinLnBrk="0" hangingPunct="1">
+              <a:lnSpc>
+                <a:spcPct val="100000"/>
+              </a:lnSpc>
+              <a:spcBef>
+                <a:spcPts val="0"/>
+              </a:spcBef>
+              <a:spcAft>
+                <a:spcPts val="0"/>
+              </a:spcAft>
+              <a:buClrTx/>
+              <a:buSzTx/>
+              <a:buFontTx/>
+              <a:buNone/>
+              <a:tabLst/>
+              <a:defRPr/>
+            </a:pPr>
+            <a:endParaRPr kumimoji="0" lang="en-US" sz="1600" b="0" i="0" u="none" strike="noStrike" kern="1200" cap="none" spc="0" normalizeH="0" baseline="0" noProof="0" dirty="0">
+              <a:ln>
+                <a:noFill/>
+              </a:ln>
+              <a:solidFill>
+                <a:prstClr val="black"/>
+              </a:solidFill>
+              <a:effectLst/>
+              <a:uLnTx/>
+              <a:uFillTx/>
+              <a:latin typeface="Calibri" panose="020F0502020204030204"/>
+              <a:ea typeface="+mn-ea"/>
+              <a:cs typeface="+mn-cs"/>
+            </a:endParaRPr>
+          </a:p>
+          <a:p>
+            <a:pPr marL="285750" marR="0" lvl="0" indent="-285750" algn="l" defTabSz="914400" rtl="0" eaLnBrk="1" fontAlgn="auto" latinLnBrk="0" hangingPunct="1">
+              <a:lnSpc>
+                <a:spcPct val="100000"/>
+              </a:lnSpc>
+              <a:spcBef>
+                <a:spcPts val="0"/>
+              </a:spcBef>
+              <a:spcAft>
+                <a:spcPts val="0"/>
+              </a:spcAft>
+              <a:buClrTx/>
+              <a:buSzTx/>
+              <a:buFont typeface="Arial" panose="020B0604020202020204" pitchFamily="34" charset="0"/>
+              <a:buChar char="•"/>
+              <a:tabLst/>
+              <a:defRPr/>
+            </a:pPr>
+            <a:endParaRPr kumimoji="0" lang="en-US" sz="1600" b="0" i="0" u="none" strike="noStrike" kern="1200" cap="none" spc="0" normalizeH="0" baseline="0" noProof="0" dirty="0">
+              <a:ln>
+                <a:noFill/>
+              </a:ln>
+              <a:solidFill>
+                <a:prstClr val="black"/>
+              </a:solidFill>
+              <a:effectLst/>
+              <a:uLnTx/>
+              <a:uFillTx/>
+              <a:latin typeface="Calibri" panose="020F0502020204030204"/>
+              <a:ea typeface="+mn-ea"/>
+              <a:cs typeface="+mn-cs"/>
+            </a:endParaRPr>
+          </a:p>
+          <a:p>
+            <a:pPr marL="285750" marR="0" lvl="0" indent="-285750" algn="l" defTabSz="914400" rtl="0" eaLnBrk="1" fontAlgn="auto" latinLnBrk="0" hangingPunct="1">
+              <a:lnSpc>
+                <a:spcPct val="100000"/>
+              </a:lnSpc>
+              <a:spcBef>
+                <a:spcPts val="0"/>
+              </a:spcBef>
+              <a:spcAft>
+                <a:spcPts val="0"/>
+              </a:spcAft>
+              <a:buClrTx/>
+              <a:buSzTx/>
+              <a:buFont typeface="Arial" panose="020B0604020202020204" pitchFamily="34" charset="0"/>
+              <a:buChar char="•"/>
+              <a:tabLst/>
+              <a:defRPr/>
+            </a:pPr>
+            <a:endParaRPr kumimoji="0" lang="en-US" sz="1800" b="0" i="0" u="none" strike="noStrike" kern="1200" cap="none" spc="0" normalizeH="0" baseline="0" noProof="0" dirty="0">
+              <a:ln>
+                <a:noFill/>
+              </a:ln>
+              <a:solidFill>
+                <a:prstClr val="black"/>
+              </a:solidFill>
+              <a:effectLst/>
+              <a:uLnTx/>
+              <a:uFillTx/>
+              <a:latin typeface="Calibri" panose="020F0502020204030204"/>
+              <a:ea typeface="+mn-ea"/>
+              <a:cs typeface="+mn-cs"/>
+            </a:endParaRPr>
           </a:p>
         </p:txBody>
       </p:sp>
+      <p:pic>
+        <p:nvPicPr>
+          <p:cNvPr id="7" name="Picture 6">
+            <a:extLst>
+              <a:ext uri="{FF2B5EF4-FFF2-40B4-BE49-F238E27FC236}">
+                <a16:creationId xmlns:a16="http://schemas.microsoft.com/office/drawing/2014/main" id="{BAF87DD5-5495-43C6-83E0-8BC162E8A22B}"/>
+              </a:ext>
+            </a:extLst>
+          </p:cNvPr>
+          <p:cNvPicPr>
+            <a:picLocks noChangeAspect="1"/>
+          </p:cNvPicPr>
+          <p:nvPr/>
+        </p:nvPicPr>
+        <p:blipFill>
+          <a:blip r:embed="rId2"/>
+          <a:stretch>
+            <a:fillRect/>
+          </a:stretch>
+        </p:blipFill>
+        <p:spPr>
+          <a:xfrm>
+            <a:off x="750424" y="1629709"/>
+            <a:ext cx="5248307" cy="3683153"/>
+          </a:xfrm>
+          <a:prstGeom prst="rect">
+            <a:avLst/>
+          </a:prstGeom>
+        </p:spPr>
+      </p:pic>
     </p:spTree>
     <p:extLst>
       <p:ext uri="{BB962C8B-B14F-4D97-AF65-F5344CB8AC3E}">
-        <p14:creationId xmlns:p14="http://schemas.microsoft.com/office/powerpoint/2010/main" val="256537975"/>
+        <p14:creationId xmlns:p14="http://schemas.microsoft.com/office/powerpoint/2010/main" val="98190480"/>
       </p:ext>
     </p:extLst>
   </p:cSld>
@@ -12284,33 +14834,600 @@
             <a:pPr algn="ctr"/>
             <a:r>
               <a:rPr lang="en-US" b="1" dirty="0"/>
-              <a:t>PCB and Enclosure</a:t>
-            </a:r>
+              <a:t>PCB Design</a:t>
+            </a:r>
+          </a:p>
+        </p:txBody>
+      </p:sp>
+      <p:pic>
+        <p:nvPicPr>
+          <p:cNvPr id="5" name="Picture 4" descr="Schematic&#10;&#10;Description automatically generated">
+            <a:extLst>
+              <a:ext uri="{FF2B5EF4-FFF2-40B4-BE49-F238E27FC236}">
+                <a16:creationId xmlns:a16="http://schemas.microsoft.com/office/drawing/2014/main" id="{30BD2421-043D-4CA8-A578-E3860145F679}"/>
+              </a:ext>
+            </a:extLst>
+          </p:cNvPr>
+          <p:cNvPicPr>
+            <a:picLocks noChangeAspect="1"/>
+          </p:cNvPicPr>
+          <p:nvPr/>
+        </p:nvPicPr>
+        <p:blipFill>
+          <a:blip r:embed="rId2">
+            <a:extLst>
+              <a:ext uri="{28A0092B-C50C-407E-A947-70E740481C1C}">
+                <a14:useLocalDpi xmlns:a14="http://schemas.microsoft.com/office/drawing/2010/main" val="0"/>
+              </a:ext>
+            </a:extLst>
+          </a:blip>
+          <a:stretch>
+            <a:fillRect/>
+          </a:stretch>
+        </p:blipFill>
+        <p:spPr>
+          <a:xfrm>
+            <a:off x="3811351" y="1581873"/>
+            <a:ext cx="4388586" cy="4606202"/>
+          </a:xfrm>
+          <a:prstGeom prst="rect">
+            <a:avLst/>
+          </a:prstGeom>
+        </p:spPr>
+      </p:pic>
+      <p:cxnSp>
+        <p:nvCxnSpPr>
+          <p:cNvPr id="6" name="Straight Arrow Connector 5">
+            <a:extLst>
+              <a:ext uri="{FF2B5EF4-FFF2-40B4-BE49-F238E27FC236}">
+                <a16:creationId xmlns:a16="http://schemas.microsoft.com/office/drawing/2014/main" id="{40AAB05D-ED50-4E53-AFD2-6E9C18468BA5}"/>
+              </a:ext>
+            </a:extLst>
+          </p:cNvPr>
+          <p:cNvCxnSpPr>
+            <a:cxnSpLocks/>
+          </p:cNvCxnSpPr>
+          <p:nvPr/>
+        </p:nvCxnSpPr>
+        <p:spPr>
+          <a:xfrm flipV="1">
+            <a:off x="2540000" y="4622800"/>
+            <a:ext cx="1940047" cy="853440"/>
+          </a:xfrm>
+          <a:prstGeom prst="straightConnector1">
+            <a:avLst/>
+          </a:prstGeom>
+          <a:ln w="28575">
+            <a:solidFill>
+              <a:srgbClr val="FF0000"/>
+            </a:solidFill>
+            <a:tailEnd type="triangle"/>
+          </a:ln>
+        </p:spPr>
+        <p:style>
+          <a:lnRef idx="1">
+            <a:schemeClr val="accent1"/>
+          </a:lnRef>
+          <a:fillRef idx="0">
+            <a:schemeClr val="accent1"/>
+          </a:fillRef>
+          <a:effectRef idx="0">
+            <a:schemeClr val="accent1"/>
+          </a:effectRef>
+          <a:fontRef idx="minor">
+            <a:schemeClr val="tx1"/>
+          </a:fontRef>
+        </p:style>
+      </p:cxnSp>
+      <p:cxnSp>
+        <p:nvCxnSpPr>
+          <p:cNvPr id="7" name="Straight Arrow Connector 6">
+            <a:extLst>
+              <a:ext uri="{FF2B5EF4-FFF2-40B4-BE49-F238E27FC236}">
+                <a16:creationId xmlns:a16="http://schemas.microsoft.com/office/drawing/2014/main" id="{A68773BA-D2E3-4B0B-86B3-4AFA04DC310F}"/>
+              </a:ext>
+            </a:extLst>
+          </p:cNvPr>
+          <p:cNvCxnSpPr>
+            <a:cxnSpLocks/>
+          </p:cNvCxnSpPr>
+          <p:nvPr/>
+        </p:nvCxnSpPr>
+        <p:spPr>
+          <a:xfrm flipH="1" flipV="1">
+            <a:off x="8020711" y="4855072"/>
+            <a:ext cx="922696" cy="194448"/>
+          </a:xfrm>
+          <a:prstGeom prst="straightConnector1">
+            <a:avLst/>
+          </a:prstGeom>
+          <a:ln w="28575">
+            <a:solidFill>
+              <a:srgbClr val="FF0000"/>
+            </a:solidFill>
+            <a:tailEnd type="triangle"/>
+          </a:ln>
+        </p:spPr>
+        <p:style>
+          <a:lnRef idx="1">
+            <a:schemeClr val="accent1"/>
+          </a:lnRef>
+          <a:fillRef idx="0">
+            <a:schemeClr val="accent1"/>
+          </a:fillRef>
+          <a:effectRef idx="0">
+            <a:schemeClr val="accent1"/>
+          </a:effectRef>
+          <a:fontRef idx="minor">
+            <a:schemeClr val="tx1"/>
+          </a:fontRef>
+        </p:style>
+      </p:cxnSp>
+      <p:sp>
+        <p:nvSpPr>
+          <p:cNvPr id="9" name="TextBox 8">
+            <a:extLst>
+              <a:ext uri="{FF2B5EF4-FFF2-40B4-BE49-F238E27FC236}">
+                <a16:creationId xmlns:a16="http://schemas.microsoft.com/office/drawing/2014/main" id="{FF5A20F4-942E-4540-96A5-BDC824B445C9}"/>
+              </a:ext>
+            </a:extLst>
+          </p:cNvPr>
+          <p:cNvSpPr txBox="1"/>
+          <p:nvPr/>
+        </p:nvSpPr>
+        <p:spPr>
+          <a:xfrm>
+            <a:off x="1088897" y="5552121"/>
+            <a:ext cx="1451103" cy="646331"/>
+          </a:xfrm>
+          <a:prstGeom prst="rect">
+            <a:avLst/>
+          </a:prstGeom>
+          <a:noFill/>
+        </p:spPr>
+        <p:txBody>
+          <a:bodyPr wrap="square" rtlCol="0">
+            <a:spAutoFit/>
+          </a:bodyPr>
+          <a:lstStyle/>
+          <a:p>
+            <a:r>
+              <a:rPr lang="en-US" dirty="0"/>
+              <a:t>Motherboard</a:t>
+            </a:r>
+          </a:p>
+          <a:p>
+            <a:endParaRPr lang="en-US" dirty="0"/>
           </a:p>
         </p:txBody>
       </p:sp>
       <p:sp>
         <p:nvSpPr>
-          <p:cNvPr id="3" name="Content Placeholder 2">
-            <a:extLst>
-              <a:ext uri="{FF2B5EF4-FFF2-40B4-BE49-F238E27FC236}">
-                <a16:creationId xmlns:a16="http://schemas.microsoft.com/office/drawing/2014/main" id="{E86DC842-4D11-4072-86E2-1D70656F36EF}"/>
-              </a:ext>
-            </a:extLst>
-          </p:cNvPr>
-          <p:cNvSpPr>
-            <a:spLocks noGrp="1"/>
-          </p:cNvSpPr>
-          <p:nvPr>
-            <p:ph idx="1"/>
-          </p:nvPr>
+          <p:cNvPr id="14" name="TextBox 13">
+            <a:extLst>
+              <a:ext uri="{FF2B5EF4-FFF2-40B4-BE49-F238E27FC236}">
+                <a16:creationId xmlns:a16="http://schemas.microsoft.com/office/drawing/2014/main" id="{E53E4900-37C6-4AE9-B7AF-93D7ABA76C1A}"/>
+              </a:ext>
+            </a:extLst>
+          </p:cNvPr>
+          <p:cNvSpPr txBox="1"/>
+          <p:nvPr/>
         </p:nvSpPr>
-        <p:spPr/>
+        <p:spPr>
+          <a:xfrm>
+            <a:off x="9051317" y="4952296"/>
+            <a:ext cx="1451103" cy="369332"/>
+          </a:xfrm>
+          <a:prstGeom prst="rect">
+            <a:avLst/>
+          </a:prstGeom>
+          <a:noFill/>
+        </p:spPr>
         <p:txBody>
-          <a:bodyPr/>
+          <a:bodyPr wrap="square" rtlCol="0">
+            <a:spAutoFit/>
+          </a:bodyPr>
           <a:lstStyle/>
           <a:p>
-            <a:endParaRPr lang="en-US" dirty="0"/>
+            <a:r>
+              <a:rPr lang="en-US" dirty="0"/>
+              <a:t>Sensor</a:t>
+            </a:r>
+          </a:p>
+        </p:txBody>
+      </p:sp>
+      <p:cxnSp>
+        <p:nvCxnSpPr>
+          <p:cNvPr id="15" name="Straight Arrow Connector 14">
+            <a:extLst>
+              <a:ext uri="{FF2B5EF4-FFF2-40B4-BE49-F238E27FC236}">
+                <a16:creationId xmlns:a16="http://schemas.microsoft.com/office/drawing/2014/main" id="{86A9D098-33CB-4408-B470-52FCB49F394E}"/>
+              </a:ext>
+            </a:extLst>
+          </p:cNvPr>
+          <p:cNvCxnSpPr>
+            <a:cxnSpLocks/>
+          </p:cNvCxnSpPr>
+          <p:nvPr/>
+        </p:nvCxnSpPr>
+        <p:spPr>
+          <a:xfrm>
+            <a:off x="2540000" y="2235200"/>
+            <a:ext cx="1389994" cy="489224"/>
+          </a:xfrm>
+          <a:prstGeom prst="straightConnector1">
+            <a:avLst/>
+          </a:prstGeom>
+          <a:ln w="28575">
+            <a:solidFill>
+              <a:srgbClr val="FF0000"/>
+            </a:solidFill>
+            <a:tailEnd type="triangle"/>
+          </a:ln>
+        </p:spPr>
+        <p:style>
+          <a:lnRef idx="1">
+            <a:schemeClr val="accent1"/>
+          </a:lnRef>
+          <a:fillRef idx="0">
+            <a:schemeClr val="accent1"/>
+          </a:fillRef>
+          <a:effectRef idx="0">
+            <a:schemeClr val="accent1"/>
+          </a:effectRef>
+          <a:fontRef idx="minor">
+            <a:schemeClr val="tx1"/>
+          </a:fontRef>
+        </p:style>
+      </p:cxnSp>
+      <p:cxnSp>
+        <p:nvCxnSpPr>
+          <p:cNvPr id="17" name="Straight Arrow Connector 16">
+            <a:extLst>
+              <a:ext uri="{FF2B5EF4-FFF2-40B4-BE49-F238E27FC236}">
+                <a16:creationId xmlns:a16="http://schemas.microsoft.com/office/drawing/2014/main" id="{D2C4C600-9B59-49F8-8200-734BE18E704A}"/>
+              </a:ext>
+            </a:extLst>
+          </p:cNvPr>
+          <p:cNvCxnSpPr>
+            <a:cxnSpLocks/>
+          </p:cNvCxnSpPr>
+          <p:nvPr/>
+        </p:nvCxnSpPr>
+        <p:spPr>
+          <a:xfrm flipH="1">
+            <a:off x="6795114" y="863600"/>
+            <a:ext cx="1779926" cy="827088"/>
+          </a:xfrm>
+          <a:prstGeom prst="straightConnector1">
+            <a:avLst/>
+          </a:prstGeom>
+          <a:ln w="28575">
+            <a:solidFill>
+              <a:srgbClr val="FF0000"/>
+            </a:solidFill>
+            <a:tailEnd type="triangle"/>
+          </a:ln>
+        </p:spPr>
+        <p:style>
+          <a:lnRef idx="1">
+            <a:schemeClr val="accent1"/>
+          </a:lnRef>
+          <a:fillRef idx="0">
+            <a:schemeClr val="accent1"/>
+          </a:fillRef>
+          <a:effectRef idx="0">
+            <a:schemeClr val="accent1"/>
+          </a:effectRef>
+          <a:fontRef idx="minor">
+            <a:schemeClr val="tx1"/>
+          </a:fontRef>
+        </p:style>
+      </p:cxnSp>
+      <p:cxnSp>
+        <p:nvCxnSpPr>
+          <p:cNvPr id="20" name="Straight Arrow Connector 19">
+            <a:extLst>
+              <a:ext uri="{FF2B5EF4-FFF2-40B4-BE49-F238E27FC236}">
+                <a16:creationId xmlns:a16="http://schemas.microsoft.com/office/drawing/2014/main" id="{38F133ED-E0C8-402A-9239-33F653C973B4}"/>
+              </a:ext>
+            </a:extLst>
+          </p:cNvPr>
+          <p:cNvCxnSpPr>
+            <a:cxnSpLocks/>
+          </p:cNvCxnSpPr>
+          <p:nvPr/>
+        </p:nvCxnSpPr>
+        <p:spPr>
+          <a:xfrm>
+            <a:off x="3811351" y="728887"/>
+            <a:ext cx="646524" cy="898914"/>
+          </a:xfrm>
+          <a:prstGeom prst="straightConnector1">
+            <a:avLst/>
+          </a:prstGeom>
+          <a:ln w="28575">
+            <a:solidFill>
+              <a:srgbClr val="FF0000"/>
+            </a:solidFill>
+            <a:tailEnd type="triangle"/>
+          </a:ln>
+        </p:spPr>
+        <p:style>
+          <a:lnRef idx="1">
+            <a:schemeClr val="accent1"/>
+          </a:lnRef>
+          <a:fillRef idx="0">
+            <a:schemeClr val="accent1"/>
+          </a:fillRef>
+          <a:effectRef idx="0">
+            <a:schemeClr val="accent1"/>
+          </a:effectRef>
+          <a:fontRef idx="minor">
+            <a:schemeClr val="tx1"/>
+          </a:fontRef>
+        </p:style>
+      </p:cxnSp>
+      <p:cxnSp>
+        <p:nvCxnSpPr>
+          <p:cNvPr id="21" name="Straight Arrow Connector 20">
+            <a:extLst>
+              <a:ext uri="{FF2B5EF4-FFF2-40B4-BE49-F238E27FC236}">
+                <a16:creationId xmlns:a16="http://schemas.microsoft.com/office/drawing/2014/main" id="{75B02EA7-EE5B-4F76-8F56-13147A8806E3}"/>
+              </a:ext>
+            </a:extLst>
+          </p:cNvPr>
+          <p:cNvCxnSpPr>
+            <a:cxnSpLocks/>
+          </p:cNvCxnSpPr>
+          <p:nvPr/>
+        </p:nvCxnSpPr>
+        <p:spPr>
+          <a:xfrm flipH="1" flipV="1">
+            <a:off x="5607300" y="5926721"/>
+            <a:ext cx="1606300" cy="597826"/>
+          </a:xfrm>
+          <a:prstGeom prst="straightConnector1">
+            <a:avLst/>
+          </a:prstGeom>
+          <a:ln w="28575">
+            <a:solidFill>
+              <a:srgbClr val="FF0000"/>
+            </a:solidFill>
+            <a:tailEnd type="triangle"/>
+          </a:ln>
+        </p:spPr>
+        <p:style>
+          <a:lnRef idx="1">
+            <a:schemeClr val="accent1"/>
+          </a:lnRef>
+          <a:fillRef idx="0">
+            <a:schemeClr val="accent1"/>
+          </a:fillRef>
+          <a:effectRef idx="0">
+            <a:schemeClr val="accent1"/>
+          </a:effectRef>
+          <a:fontRef idx="minor">
+            <a:schemeClr val="tx1"/>
+          </a:fontRef>
+        </p:style>
+      </p:cxnSp>
+      <p:sp>
+        <p:nvSpPr>
+          <p:cNvPr id="24" name="TextBox 23">
+            <a:extLst>
+              <a:ext uri="{FF2B5EF4-FFF2-40B4-BE49-F238E27FC236}">
+                <a16:creationId xmlns:a16="http://schemas.microsoft.com/office/drawing/2014/main" id="{753A6F62-B367-4A76-B9B2-F2D6E8980FDD}"/>
+              </a:ext>
+            </a:extLst>
+          </p:cNvPr>
+          <p:cNvSpPr txBox="1"/>
+          <p:nvPr/>
+        </p:nvSpPr>
+        <p:spPr>
+          <a:xfrm>
+            <a:off x="1200657" y="1993544"/>
+            <a:ext cx="1451103" cy="646331"/>
+          </a:xfrm>
+          <a:prstGeom prst="rect">
+            <a:avLst/>
+          </a:prstGeom>
+          <a:noFill/>
+        </p:spPr>
+        <p:txBody>
+          <a:bodyPr wrap="square" rtlCol="0">
+            <a:spAutoFit/>
+          </a:bodyPr>
+          <a:lstStyle/>
+          <a:p>
+            <a:r>
+              <a:rPr lang="en-US" dirty="0"/>
+              <a:t>Sensor - connection</a:t>
+            </a:r>
+          </a:p>
+        </p:txBody>
+      </p:sp>
+      <p:sp>
+        <p:nvSpPr>
+          <p:cNvPr id="25" name="TextBox 24">
+            <a:extLst>
+              <a:ext uri="{FF2B5EF4-FFF2-40B4-BE49-F238E27FC236}">
+                <a16:creationId xmlns:a16="http://schemas.microsoft.com/office/drawing/2014/main" id="{BE5BE930-6008-4E4B-B6E4-5082FC6DE6C6}"/>
+              </a:ext>
+            </a:extLst>
+          </p:cNvPr>
+          <p:cNvSpPr txBox="1"/>
+          <p:nvPr/>
+        </p:nvSpPr>
+        <p:spPr>
+          <a:xfrm>
+            <a:off x="2540000" y="177852"/>
+            <a:ext cx="1451103" cy="646331"/>
+          </a:xfrm>
+          <a:prstGeom prst="rect">
+            <a:avLst/>
+          </a:prstGeom>
+          <a:noFill/>
+        </p:spPr>
+        <p:txBody>
+          <a:bodyPr wrap="square" rtlCol="0">
+            <a:spAutoFit/>
+          </a:bodyPr>
+          <a:lstStyle/>
+          <a:p>
+            <a:r>
+              <a:rPr lang="en-US" dirty="0"/>
+              <a:t>Display - connection</a:t>
+            </a:r>
+          </a:p>
+        </p:txBody>
+      </p:sp>
+      <p:sp>
+        <p:nvSpPr>
+          <p:cNvPr id="26" name="TextBox 25">
+            <a:extLst>
+              <a:ext uri="{FF2B5EF4-FFF2-40B4-BE49-F238E27FC236}">
+                <a16:creationId xmlns:a16="http://schemas.microsoft.com/office/drawing/2014/main" id="{96972209-E680-4F81-95AD-0E8CC9E7B93A}"/>
+              </a:ext>
+            </a:extLst>
+          </p:cNvPr>
+          <p:cNvSpPr txBox="1"/>
+          <p:nvPr/>
+        </p:nvSpPr>
+        <p:spPr>
+          <a:xfrm>
+            <a:off x="8575040" y="540434"/>
+            <a:ext cx="1451103" cy="369332"/>
+          </a:xfrm>
+          <a:prstGeom prst="rect">
+            <a:avLst/>
+          </a:prstGeom>
+          <a:noFill/>
+        </p:spPr>
+        <p:txBody>
+          <a:bodyPr wrap="square" rtlCol="0">
+            <a:spAutoFit/>
+          </a:bodyPr>
+          <a:lstStyle/>
+          <a:p>
+            <a:r>
+              <a:rPr lang="en-US" dirty="0"/>
+              <a:t>Power</a:t>
+            </a:r>
+          </a:p>
+        </p:txBody>
+      </p:sp>
+      <p:cxnSp>
+        <p:nvCxnSpPr>
+          <p:cNvPr id="27" name="Straight Arrow Connector 26">
+            <a:extLst>
+              <a:ext uri="{FF2B5EF4-FFF2-40B4-BE49-F238E27FC236}">
+                <a16:creationId xmlns:a16="http://schemas.microsoft.com/office/drawing/2014/main" id="{3C6F4816-EAAA-4155-938A-B67FB7D61524}"/>
+              </a:ext>
+            </a:extLst>
+          </p:cNvPr>
+          <p:cNvCxnSpPr>
+            <a:cxnSpLocks/>
+          </p:cNvCxnSpPr>
+          <p:nvPr/>
+        </p:nvCxnSpPr>
+        <p:spPr>
+          <a:xfrm flipV="1">
+            <a:off x="2848144" y="3812452"/>
+            <a:ext cx="1926414" cy="473876"/>
+          </a:xfrm>
+          <a:prstGeom prst="straightConnector1">
+            <a:avLst/>
+          </a:prstGeom>
+          <a:ln w="28575">
+            <a:solidFill>
+              <a:srgbClr val="FF0000"/>
+            </a:solidFill>
+            <a:tailEnd type="triangle"/>
+          </a:ln>
+        </p:spPr>
+        <p:style>
+          <a:lnRef idx="1">
+            <a:schemeClr val="accent1"/>
+          </a:lnRef>
+          <a:fillRef idx="0">
+            <a:schemeClr val="accent1"/>
+          </a:fillRef>
+          <a:effectRef idx="0">
+            <a:schemeClr val="accent1"/>
+          </a:effectRef>
+          <a:fontRef idx="minor">
+            <a:schemeClr val="tx1"/>
+          </a:fontRef>
+        </p:style>
+      </p:cxnSp>
+      <p:sp>
+        <p:nvSpPr>
+          <p:cNvPr id="30" name="TextBox 29">
+            <a:extLst>
+              <a:ext uri="{FF2B5EF4-FFF2-40B4-BE49-F238E27FC236}">
+                <a16:creationId xmlns:a16="http://schemas.microsoft.com/office/drawing/2014/main" id="{C4838FAE-B090-4C3E-832F-132EA8C7FC79}"/>
+              </a:ext>
+            </a:extLst>
+          </p:cNvPr>
+          <p:cNvSpPr txBox="1"/>
+          <p:nvPr/>
+        </p:nvSpPr>
+        <p:spPr>
+          <a:xfrm>
+            <a:off x="1054901" y="4195219"/>
+            <a:ext cx="1451103" cy="369332"/>
+          </a:xfrm>
+          <a:prstGeom prst="rect">
+            <a:avLst/>
+          </a:prstGeom>
+          <a:noFill/>
+        </p:spPr>
+        <p:txBody>
+          <a:bodyPr wrap="square" rtlCol="0">
+            <a:spAutoFit/>
+          </a:bodyPr>
+          <a:lstStyle/>
+          <a:p>
+            <a:r>
+              <a:rPr lang="en-US" dirty="0"/>
+              <a:t>Bluetooth </a:t>
+            </a:r>
+          </a:p>
+        </p:txBody>
+      </p:sp>
+      <p:sp>
+        <p:nvSpPr>
+          <p:cNvPr id="31" name="TextBox 30">
+            <a:extLst>
+              <a:ext uri="{FF2B5EF4-FFF2-40B4-BE49-F238E27FC236}">
+                <a16:creationId xmlns:a16="http://schemas.microsoft.com/office/drawing/2014/main" id="{F5C7B78C-B18E-44A6-8675-83801948A4A9}"/>
+              </a:ext>
+            </a:extLst>
+          </p:cNvPr>
+          <p:cNvSpPr txBox="1"/>
+          <p:nvPr/>
+        </p:nvSpPr>
+        <p:spPr>
+          <a:xfrm>
+            <a:off x="7295159" y="6225634"/>
+            <a:ext cx="1451103" cy="646331"/>
+          </a:xfrm>
+          <a:prstGeom prst="rect">
+            <a:avLst/>
+          </a:prstGeom>
+          <a:noFill/>
+        </p:spPr>
+        <p:txBody>
+          <a:bodyPr wrap="square" rtlCol="0">
+            <a:spAutoFit/>
+          </a:bodyPr>
+          <a:lstStyle/>
+          <a:p>
+            <a:r>
+              <a:rPr lang="en-US" dirty="0"/>
+              <a:t>Keypad - connection</a:t>
+            </a:r>
           </a:p>
         </p:txBody>
       </p:sp>
@@ -12318,6 +15435,127 @@
     <p:extLst>
       <p:ext uri="{BB962C8B-B14F-4D97-AF65-F5344CB8AC3E}">
         <p14:creationId xmlns:p14="http://schemas.microsoft.com/office/powerpoint/2010/main" val="1055203722"/>
+      </p:ext>
+    </p:extLst>
+  </p:cSld>
+  <p:clrMapOvr>
+    <a:masterClrMapping/>
+  </p:clrMapOvr>
+</p:sld>
+</file>
+
+<file path=ppt/slides/slide17.xml><?xml version="1.0" encoding="utf-8"?>
+<p:sld xmlns:a="http://schemas.openxmlformats.org/drawingml/2006/main" xmlns:r="http://schemas.openxmlformats.org/officeDocument/2006/relationships" xmlns:p="http://schemas.openxmlformats.org/presentationml/2006/main">
+  <p:cSld>
+    <p:spTree>
+      <p:nvGrpSpPr>
+        <p:cNvPr id="1" name=""/>
+        <p:cNvGrpSpPr/>
+        <p:nvPr/>
+      </p:nvGrpSpPr>
+      <p:grpSpPr>
+        <a:xfrm>
+          <a:off x="0" y="0"/>
+          <a:ext cx="0" cy="0"/>
+          <a:chOff x="0" y="0"/>
+          <a:chExt cx="0" cy="0"/>
+        </a:xfrm>
+      </p:grpSpPr>
+      <p:sp>
+        <p:nvSpPr>
+          <p:cNvPr id="4" name="Title 1">
+            <a:extLst>
+              <a:ext uri="{FF2B5EF4-FFF2-40B4-BE49-F238E27FC236}">
+                <a16:creationId xmlns:a16="http://schemas.microsoft.com/office/drawing/2014/main" id="{E372D187-2E87-4CF0-AEBC-A8378AADA539}"/>
+              </a:ext>
+            </a:extLst>
+          </p:cNvPr>
+          <p:cNvSpPr txBox="1">
+            <a:spLocks/>
+          </p:cNvSpPr>
+          <p:nvPr/>
+        </p:nvSpPr>
+        <p:spPr>
+          <a:xfrm>
+            <a:off x="1000760" y="307251"/>
+            <a:ext cx="10515600" cy="1325563"/>
+          </a:xfrm>
+          <a:prstGeom prst="rect">
+            <a:avLst/>
+          </a:prstGeom>
+        </p:spPr>
+        <p:txBody>
+          <a:bodyPr vert="horz" lIns="91440" tIns="45720" rIns="91440" bIns="45720" rtlCol="0" anchor="ctr">
+            <a:normAutofit/>
+          </a:bodyPr>
+          <a:lstStyle>
+            <a:lvl1pPr algn="l" defTabSz="914400" rtl="0" eaLnBrk="1" latinLnBrk="0" hangingPunct="1">
+              <a:lnSpc>
+                <a:spcPct val="90000"/>
+              </a:lnSpc>
+              <a:spcBef>
+                <a:spcPct val="0"/>
+              </a:spcBef>
+              <a:buNone/>
+              <a:defRPr sz="4400" kern="1200">
+                <a:solidFill>
+                  <a:schemeClr val="tx1"/>
+                </a:solidFill>
+                <a:latin typeface="+mj-lt"/>
+                <a:ea typeface="+mj-ea"/>
+                <a:cs typeface="+mj-cs"/>
+              </a:defRPr>
+            </a:lvl1pPr>
+          </a:lstStyle>
+          <a:p>
+            <a:pPr algn="ctr"/>
+            <a:r>
+              <a:rPr lang="en-US" b="1" dirty="0"/>
+              <a:t>Enclosure</a:t>
+            </a:r>
+          </a:p>
+        </p:txBody>
+      </p:sp>
+      <p:pic>
+        <p:nvPicPr>
+          <p:cNvPr id="6" name="Picture 5" descr="Icon&#10;&#10;Description automatically generated">
+            <a:extLst>
+              <a:ext uri="{FF2B5EF4-FFF2-40B4-BE49-F238E27FC236}">
+                <a16:creationId xmlns:a16="http://schemas.microsoft.com/office/drawing/2014/main" id="{EAC08C47-B13D-40FE-9768-E8B48A8B45DF}"/>
+              </a:ext>
+            </a:extLst>
+          </p:cNvPr>
+          <p:cNvPicPr>
+            <a:picLocks noChangeAspect="1"/>
+          </p:cNvPicPr>
+          <p:nvPr/>
+        </p:nvPicPr>
+        <p:blipFill>
+          <a:blip r:embed="rId2">
+            <a:extLst>
+              <a:ext uri="{28A0092B-C50C-407E-A947-70E740481C1C}">
+                <a14:useLocalDpi xmlns:a14="http://schemas.microsoft.com/office/drawing/2010/main" val="0"/>
+              </a:ext>
+            </a:extLst>
+          </a:blip>
+          <a:stretch>
+            <a:fillRect/>
+          </a:stretch>
+        </p:blipFill>
+        <p:spPr>
+          <a:xfrm>
+            <a:off x="3348728" y="1653769"/>
+            <a:ext cx="6043184" cy="4686706"/>
+          </a:xfrm>
+          <a:prstGeom prst="rect">
+            <a:avLst/>
+          </a:prstGeom>
+        </p:spPr>
+      </p:pic>
+    </p:spTree>
+    <p:extLst>
+      <p:ext uri="{BB962C8B-B14F-4D97-AF65-F5344CB8AC3E}">
+        <p14:creationId xmlns:p14="http://schemas.microsoft.com/office/powerpoint/2010/main" val="2328872276"/>
       </p:ext>
     </p:extLst>
   </p:cSld>
@@ -13039,7 +16277,7 @@
         </p:nvSpPr>
         <p:spPr>
           <a:xfrm>
-            <a:off x="838200" y="1802166"/>
+            <a:off x="838200" y="1869696"/>
             <a:ext cx="10515600" cy="5759713"/>
           </a:xfrm>
         </p:spPr>
@@ -13677,7 +16915,7 @@
         </p:nvSpPr>
         <p:spPr>
           <a:xfrm>
-            <a:off x="961491" y="2725914"/>
+            <a:off x="838200" y="3047860"/>
             <a:ext cx="6789491" cy="1200329"/>
           </a:xfrm>
           <a:prstGeom prst="rect">
@@ -13811,7 +17049,7 @@
         </p:nvSpPr>
         <p:spPr>
           <a:xfrm>
-            <a:off x="987348" y="4107226"/>
+            <a:off x="889628" y="5166851"/>
             <a:ext cx="5548787" cy="923330"/>
           </a:xfrm>
           <a:prstGeom prst="rect">
@@ -13926,107 +17164,6 @@
             <a:r>
               <a:rPr lang="en-US" b="1" dirty="0"/>
               <a:t>Basic idea of sensor</a:t>
-            </a:r>
-          </a:p>
-        </p:txBody>
-      </p:sp>
-      <p:sp>
-        <p:nvSpPr>
-          <p:cNvPr id="28" name="TextBox 27">
-            <a:extLst>
-              <a:ext uri="{FF2B5EF4-FFF2-40B4-BE49-F238E27FC236}">
-                <a16:creationId xmlns:a16="http://schemas.microsoft.com/office/drawing/2014/main" id="{B762D6B9-8F88-49ED-B564-DE50B40D1FB8}"/>
-              </a:ext>
-            </a:extLst>
-          </p:cNvPr>
-          <p:cNvSpPr txBox="1"/>
-          <p:nvPr/>
-        </p:nvSpPr>
-        <p:spPr>
-          <a:xfrm>
-            <a:off x="987348" y="5717219"/>
-            <a:ext cx="6927907" cy="646331"/>
-          </a:xfrm>
-          <a:prstGeom prst="rect">
-            <a:avLst/>
-          </a:prstGeom>
-          <a:noFill/>
-        </p:spPr>
-        <p:txBody>
-          <a:bodyPr wrap="square" rtlCol="0">
-            <a:spAutoFit/>
-          </a:bodyPr>
-          <a:lstStyle/>
-          <a:p>
-            <a:pPr marL="0" marR="0" lvl="0" indent="0" algn="l" defTabSz="914400" rtl="0" eaLnBrk="1" fontAlgn="auto" latinLnBrk="0" hangingPunct="1">
-              <a:lnSpc>
-                <a:spcPct val="100000"/>
-              </a:lnSpc>
-              <a:spcBef>
-                <a:spcPts val="0"/>
-              </a:spcBef>
-              <a:spcAft>
-                <a:spcPts val="0"/>
-              </a:spcAft>
-              <a:buClrTx/>
-              <a:buSzTx/>
-              <a:buFontTx/>
-              <a:buNone/>
-              <a:tabLst/>
-              <a:defRPr/>
-            </a:pPr>
-            <a:r>
-              <a:rPr kumimoji="0" lang="en-US" sz="1800" b="0" i="0" u="none" strike="noStrike" kern="1200" cap="none" spc="0" normalizeH="0" baseline="0" noProof="0" dirty="0">
-                <a:ln>
-                  <a:noFill/>
-                </a:ln>
-                <a:solidFill>
-                  <a:srgbClr val="FF0000"/>
-                </a:solidFill>
-                <a:effectLst/>
-                <a:uLnTx/>
-                <a:uFillTx/>
-                <a:latin typeface="Calibri" panose="020F0502020204030204"/>
-                <a:ea typeface="+mn-ea"/>
-                <a:cs typeface="+mn-cs"/>
-              </a:rPr>
-              <a:t>Visualizing the almost equal color of the object (on the screen), </a:t>
-            </a:r>
-          </a:p>
-          <a:p>
-            <a:pPr marL="0" marR="0" lvl="0" indent="0" algn="l" defTabSz="914400" rtl="0" eaLnBrk="1" fontAlgn="auto" latinLnBrk="0" hangingPunct="1">
-              <a:lnSpc>
-                <a:spcPct val="100000"/>
-              </a:lnSpc>
-              <a:spcBef>
-                <a:spcPts val="0"/>
-              </a:spcBef>
-              <a:spcAft>
-                <a:spcPts val="0"/>
-              </a:spcAft>
-              <a:buClrTx/>
-              <a:buSzTx/>
-              <a:buFontTx/>
-              <a:buNone/>
-              <a:tabLst/>
-              <a:defRPr/>
-            </a:pPr>
-            <a:r>
-              <a:rPr kumimoji="0" lang="en-US" sz="1800" b="0" i="0" u="none" strike="noStrike" kern="1200" cap="none" spc="0" normalizeH="0" baseline="0" noProof="0" dirty="0">
-                <a:ln>
-                  <a:noFill/>
-                </a:ln>
-                <a:solidFill>
-                  <a:srgbClr val="FF0000"/>
-                </a:solidFill>
-                <a:effectLst/>
-                <a:uLnTx/>
-                <a:uFillTx/>
-                <a:latin typeface="Calibri" panose="020F0502020204030204"/>
-                <a:ea typeface="+mn-ea"/>
-                <a:cs typeface="+mn-cs"/>
-              </a:rPr>
-              <a:t>we verified that the sensor is working correctly.</a:t>
             </a:r>
           </a:p>
         </p:txBody>
@@ -14232,28 +17369,451 @@
           </a:p>
         </p:txBody>
       </p:sp>
-      <p:sp>
-        <p:nvSpPr>
-          <p:cNvPr id="3" name="Content Placeholder 2">
-            <a:extLst>
-              <a:ext uri="{FF2B5EF4-FFF2-40B4-BE49-F238E27FC236}">
-                <a16:creationId xmlns:a16="http://schemas.microsoft.com/office/drawing/2014/main" id="{1FFDA344-4BD3-4A5F-AFA7-9ED8D47D1016}"/>
-              </a:ext>
-            </a:extLst>
-          </p:cNvPr>
-          <p:cNvSpPr>
-            <a:spLocks noGrp="1"/>
-          </p:cNvSpPr>
+      <p:pic>
+        <p:nvPicPr>
+          <p:cNvPr id="5" name="Content Placeholder 4" descr="Text, letter&#10;&#10;Description automatically generated">
+            <a:extLst>
+              <a:ext uri="{FF2B5EF4-FFF2-40B4-BE49-F238E27FC236}">
+                <a16:creationId xmlns:a16="http://schemas.microsoft.com/office/drawing/2014/main" id="{593C04C2-BC07-440A-8607-6559F179EB90}"/>
+              </a:ext>
+            </a:extLst>
+          </p:cNvPr>
+          <p:cNvPicPr>
+            <a:picLocks noGrp="1" noChangeAspect="1"/>
+          </p:cNvPicPr>
           <p:nvPr>
             <p:ph idx="1"/>
           </p:nvPr>
+        </p:nvPicPr>
+        <p:blipFill>
+          <a:blip r:embed="rId2">
+            <a:extLst>
+              <a:ext uri="{28A0092B-C50C-407E-A947-70E740481C1C}">
+                <a14:useLocalDpi xmlns:a14="http://schemas.microsoft.com/office/drawing/2010/main" val="0"/>
+              </a:ext>
+            </a:extLst>
+          </a:blip>
+          <a:stretch>
+            <a:fillRect/>
+          </a:stretch>
+        </p:blipFill>
+        <p:spPr>
+          <a:xfrm>
+            <a:off x="348488" y="1347388"/>
+            <a:ext cx="4552458" cy="4970389"/>
+          </a:xfrm>
+        </p:spPr>
+      </p:pic>
+      <p:pic>
+        <p:nvPicPr>
+          <p:cNvPr id="6" name="Picture 5">
+            <a:extLst>
+              <a:ext uri="{FF2B5EF4-FFF2-40B4-BE49-F238E27FC236}">
+                <a16:creationId xmlns:a16="http://schemas.microsoft.com/office/drawing/2014/main" id="{5E8C0BD0-3A41-4F94-8DED-B9108208DDA5}"/>
+              </a:ext>
+            </a:extLst>
+          </p:cNvPr>
+          <p:cNvPicPr>
+            <a:picLocks noChangeAspect="1"/>
+          </p:cNvPicPr>
+          <p:nvPr/>
+        </p:nvPicPr>
+        <p:blipFill>
+          <a:blip r:embed="rId3"/>
+          <a:stretch>
+            <a:fillRect/>
+          </a:stretch>
+        </p:blipFill>
+        <p:spPr>
+          <a:xfrm>
+            <a:off x="6090965" y="1922704"/>
+            <a:ext cx="4072816" cy="4163056"/>
+          </a:xfrm>
+          <a:prstGeom prst="rect">
+            <a:avLst/>
+          </a:prstGeom>
+        </p:spPr>
+      </p:pic>
+      <p:sp>
+        <p:nvSpPr>
+          <p:cNvPr id="8" name="TextBox 7">
+            <a:extLst>
+              <a:ext uri="{FF2B5EF4-FFF2-40B4-BE49-F238E27FC236}">
+                <a16:creationId xmlns:a16="http://schemas.microsoft.com/office/drawing/2014/main" id="{7DAF7273-277A-438D-8E99-31B696295157}"/>
+              </a:ext>
+            </a:extLst>
+          </p:cNvPr>
+          <p:cNvSpPr txBox="1"/>
+          <p:nvPr/>
         </p:nvSpPr>
-        <p:spPr/>
+        <p:spPr>
+          <a:xfrm>
+            <a:off x="6596108" y="6169709"/>
+            <a:ext cx="3398751" cy="646331"/>
+          </a:xfrm>
+          <a:prstGeom prst="rect">
+            <a:avLst/>
+          </a:prstGeom>
+          <a:noFill/>
+        </p:spPr>
         <p:txBody>
-          <a:bodyPr/>
+          <a:bodyPr wrap="none" rtlCol="0">
+            <a:spAutoFit/>
+          </a:bodyPr>
           <a:lstStyle/>
           <a:p>
+            <a:r>
+              <a:rPr lang="en-US" dirty="0"/>
+              <a:t>Points </a:t>
+            </a:r>
+            <a:r>
+              <a:rPr lang="en-US" dirty="0">
+                <a:sym typeface="Wingdings" panose="05000000000000000000" pitchFamily="2" charset="2"/>
+              </a:rPr>
+              <a:t> Real color intensity</a:t>
+            </a:r>
+          </a:p>
+          <a:p>
+            <a:r>
+              <a:rPr lang="en-US" dirty="0">
+                <a:sym typeface="Wingdings" panose="05000000000000000000" pitchFamily="2" charset="2"/>
+              </a:rPr>
+              <a:t>Line     Measured color intensity</a:t>
+            </a:r>
             <a:endParaRPr lang="en-US" dirty="0"/>
+          </a:p>
+        </p:txBody>
+      </p:sp>
+      <p:sp>
+        <p:nvSpPr>
+          <p:cNvPr id="9" name="TextBox 8">
+            <a:extLst>
+              <a:ext uri="{FF2B5EF4-FFF2-40B4-BE49-F238E27FC236}">
+                <a16:creationId xmlns:a16="http://schemas.microsoft.com/office/drawing/2014/main" id="{64CCA96A-FF86-4DD2-A31A-C0C39FA7B1BB}"/>
+              </a:ext>
+            </a:extLst>
+          </p:cNvPr>
+          <p:cNvSpPr txBox="1"/>
+          <p:nvPr/>
+        </p:nvSpPr>
+        <p:spPr>
+          <a:xfrm rot="16200000">
+            <a:off x="4034883" y="3509416"/>
+            <a:ext cx="3427285" cy="646331"/>
+          </a:xfrm>
+          <a:prstGeom prst="rect">
+            <a:avLst/>
+          </a:prstGeom>
+          <a:noFill/>
+        </p:spPr>
+        <p:txBody>
+          <a:bodyPr wrap="none" rtlCol="0">
+            <a:spAutoFit/>
+          </a:bodyPr>
+          <a:lstStyle/>
+          <a:p>
+            <a:r>
+              <a:rPr lang="en-US" dirty="0"/>
+              <a:t>Line     </a:t>
+            </a:r>
+            <a:r>
+              <a:rPr lang="en-US" dirty="0">
+                <a:sym typeface="Wingdings" panose="05000000000000000000" pitchFamily="2" charset="2"/>
+              </a:rPr>
+              <a:t> Real color intensity</a:t>
+            </a:r>
+          </a:p>
+          <a:p>
+            <a:r>
+              <a:rPr lang="en-US" dirty="0">
+                <a:sym typeface="Wingdings" panose="05000000000000000000" pitchFamily="2" charset="2"/>
+              </a:rPr>
+              <a:t>Points  Measured color intensity</a:t>
+            </a:r>
+            <a:endParaRPr lang="en-US" dirty="0"/>
+          </a:p>
+        </p:txBody>
+      </p:sp>
+      <p:cxnSp>
+        <p:nvCxnSpPr>
+          <p:cNvPr id="12" name="Straight Arrow Connector 11">
+            <a:extLst>
+              <a:ext uri="{FF2B5EF4-FFF2-40B4-BE49-F238E27FC236}">
+                <a16:creationId xmlns:a16="http://schemas.microsoft.com/office/drawing/2014/main" id="{ED353830-689A-425F-9A03-E382E166DE0B}"/>
+              </a:ext>
+            </a:extLst>
+          </p:cNvPr>
+          <p:cNvCxnSpPr>
+            <a:cxnSpLocks/>
+          </p:cNvCxnSpPr>
+          <p:nvPr/>
+        </p:nvCxnSpPr>
+        <p:spPr>
+          <a:xfrm flipH="1" flipV="1">
+            <a:off x="9666631" y="2739778"/>
+            <a:ext cx="922696" cy="194448"/>
+          </a:xfrm>
+          <a:prstGeom prst="straightConnector1">
+            <a:avLst/>
+          </a:prstGeom>
+          <a:ln w="28575">
+            <a:solidFill>
+              <a:srgbClr val="FF0000"/>
+            </a:solidFill>
+            <a:tailEnd type="triangle"/>
+          </a:ln>
+        </p:spPr>
+        <p:style>
+          <a:lnRef idx="1">
+            <a:schemeClr val="accent1"/>
+          </a:lnRef>
+          <a:fillRef idx="0">
+            <a:schemeClr val="accent1"/>
+          </a:fillRef>
+          <a:effectRef idx="0">
+            <a:schemeClr val="accent1"/>
+          </a:effectRef>
+          <a:fontRef idx="minor">
+            <a:schemeClr val="tx1"/>
+          </a:fontRef>
+        </p:style>
+      </p:cxnSp>
+      <p:sp>
+        <p:nvSpPr>
+          <p:cNvPr id="14" name="TextBox 13">
+            <a:extLst>
+              <a:ext uri="{FF2B5EF4-FFF2-40B4-BE49-F238E27FC236}">
+                <a16:creationId xmlns:a16="http://schemas.microsoft.com/office/drawing/2014/main" id="{D5F29CE8-B958-4D23-B5D3-05862E4953FB}"/>
+              </a:ext>
+            </a:extLst>
+          </p:cNvPr>
+          <p:cNvSpPr txBox="1"/>
+          <p:nvPr/>
+        </p:nvSpPr>
+        <p:spPr>
+          <a:xfrm>
+            <a:off x="10601453" y="2856277"/>
+            <a:ext cx="793294" cy="646331"/>
+          </a:xfrm>
+          <a:prstGeom prst="rect">
+            <a:avLst/>
+          </a:prstGeom>
+          <a:noFill/>
+        </p:spPr>
+        <p:txBody>
+          <a:bodyPr wrap="none" rtlCol="0">
+            <a:spAutoFit/>
+          </a:bodyPr>
+          <a:lstStyle/>
+          <a:p>
+            <a:r>
+              <a:rPr lang="en-US" dirty="0">
+                <a:solidFill>
+                  <a:srgbClr val="FF0000"/>
+                </a:solidFill>
+              </a:rPr>
+              <a:t>Mirror</a:t>
+            </a:r>
+          </a:p>
+          <a:p>
+            <a:endParaRPr lang="en-US" dirty="0">
+              <a:solidFill>
+                <a:srgbClr val="FF0000"/>
+              </a:solidFill>
+            </a:endParaRPr>
+          </a:p>
+        </p:txBody>
+      </p:sp>
+      <p:sp>
+        <p:nvSpPr>
+          <p:cNvPr id="20" name="TextBox 19">
+            <a:extLst>
+              <a:ext uri="{FF2B5EF4-FFF2-40B4-BE49-F238E27FC236}">
+                <a16:creationId xmlns:a16="http://schemas.microsoft.com/office/drawing/2014/main" id="{584DA724-55F2-49A4-91D2-F0B139BDA662}"/>
+              </a:ext>
+            </a:extLst>
+          </p:cNvPr>
+          <p:cNvSpPr txBox="1"/>
+          <p:nvPr/>
+        </p:nvSpPr>
+        <p:spPr>
+          <a:xfrm>
+            <a:off x="8204130" y="1868290"/>
+            <a:ext cx="3190617" cy="646331"/>
+          </a:xfrm>
+          <a:prstGeom prst="rect">
+            <a:avLst/>
+          </a:prstGeom>
+          <a:noFill/>
+        </p:spPr>
+        <p:txBody>
+          <a:bodyPr wrap="none" rtlCol="0">
+            <a:spAutoFit/>
+          </a:bodyPr>
+          <a:lstStyle/>
+          <a:p>
+            <a:r>
+              <a:rPr lang="en-US" dirty="0">
+                <a:solidFill>
+                  <a:srgbClr val="FF0000"/>
+                </a:solidFill>
+              </a:rPr>
+              <a:t>Samples of nine shades of grey</a:t>
+            </a:r>
+          </a:p>
+          <a:p>
+            <a:endParaRPr lang="en-US" dirty="0">
+              <a:solidFill>
+                <a:srgbClr val="FF0000"/>
+              </a:solidFill>
+            </a:endParaRPr>
+          </a:p>
+        </p:txBody>
+      </p:sp>
+      <p:sp>
+        <p:nvSpPr>
+          <p:cNvPr id="24" name="Right Brace 23">
+            <a:extLst>
+              <a:ext uri="{FF2B5EF4-FFF2-40B4-BE49-F238E27FC236}">
+                <a16:creationId xmlns:a16="http://schemas.microsoft.com/office/drawing/2014/main" id="{E0782BBA-3B9E-40C4-A818-D03FA5BA9BE6}"/>
+              </a:ext>
+            </a:extLst>
+          </p:cNvPr>
+          <p:cNvSpPr/>
+          <p:nvPr/>
+        </p:nvSpPr>
+        <p:spPr>
+          <a:xfrm rot="20193504">
+            <a:off x="7770843" y="1864020"/>
+            <a:ext cx="289479" cy="783044"/>
+          </a:xfrm>
+          <a:prstGeom prst="rightBrace">
+            <a:avLst/>
+          </a:prstGeom>
+          <a:ln w="38100">
+            <a:solidFill>
+              <a:srgbClr val="FF0000"/>
+            </a:solidFill>
+          </a:ln>
+        </p:spPr>
+        <p:style>
+          <a:lnRef idx="1">
+            <a:schemeClr val="accent1"/>
+          </a:lnRef>
+          <a:fillRef idx="0">
+            <a:schemeClr val="accent1"/>
+          </a:fillRef>
+          <a:effectRef idx="0">
+            <a:schemeClr val="accent1"/>
+          </a:effectRef>
+          <a:fontRef idx="minor">
+            <a:schemeClr val="tx1"/>
+          </a:fontRef>
+        </p:style>
+        <p:txBody>
+          <a:bodyPr rtlCol="0" anchor="ctr"/>
+          <a:lstStyle/>
+          <a:p>
+            <a:pPr algn="ctr"/>
+            <a:endParaRPr lang="en-US"/>
+          </a:p>
+        </p:txBody>
+      </p:sp>
+      <p:sp>
+        <p:nvSpPr>
+          <p:cNvPr id="25" name="Right Brace 24">
+            <a:extLst>
+              <a:ext uri="{FF2B5EF4-FFF2-40B4-BE49-F238E27FC236}">
+                <a16:creationId xmlns:a16="http://schemas.microsoft.com/office/drawing/2014/main" id="{93A3399C-D258-4C8C-9AE5-2013C52A8A37}"/>
+              </a:ext>
+            </a:extLst>
+          </p:cNvPr>
+          <p:cNvSpPr/>
+          <p:nvPr/>
+        </p:nvSpPr>
+        <p:spPr>
+          <a:xfrm rot="20962622">
+            <a:off x="10194313" y="4157996"/>
+            <a:ext cx="197462" cy="709021"/>
+          </a:xfrm>
+          <a:prstGeom prst="rightBrace">
+            <a:avLst/>
+          </a:prstGeom>
+          <a:ln w="38100">
+            <a:solidFill>
+              <a:srgbClr val="FF0000"/>
+            </a:solidFill>
+          </a:ln>
+        </p:spPr>
+        <p:style>
+          <a:lnRef idx="1">
+            <a:schemeClr val="accent1"/>
+          </a:lnRef>
+          <a:fillRef idx="0">
+            <a:schemeClr val="accent1"/>
+          </a:fillRef>
+          <a:effectRef idx="0">
+            <a:schemeClr val="accent1"/>
+          </a:effectRef>
+          <a:fontRef idx="minor">
+            <a:schemeClr val="tx1"/>
+          </a:fontRef>
+        </p:style>
+        <p:txBody>
+          <a:bodyPr rtlCol="0" anchor="ctr"/>
+          <a:lstStyle/>
+          <a:p>
+            <a:pPr algn="ctr"/>
+            <a:endParaRPr lang="en-US"/>
+          </a:p>
+        </p:txBody>
+      </p:sp>
+      <p:sp>
+        <p:nvSpPr>
+          <p:cNvPr id="26" name="TextBox 25">
+            <a:extLst>
+              <a:ext uri="{FF2B5EF4-FFF2-40B4-BE49-F238E27FC236}">
+                <a16:creationId xmlns:a16="http://schemas.microsoft.com/office/drawing/2014/main" id="{D1383272-F8CB-4C52-8439-2CD835E613B8}"/>
+              </a:ext>
+            </a:extLst>
+          </p:cNvPr>
+          <p:cNvSpPr txBox="1"/>
+          <p:nvPr/>
+        </p:nvSpPr>
+        <p:spPr>
+          <a:xfrm>
+            <a:off x="10589327" y="4145871"/>
+            <a:ext cx="1217193" cy="646331"/>
+          </a:xfrm>
+          <a:prstGeom prst="rect">
+            <a:avLst/>
+          </a:prstGeom>
+          <a:noFill/>
+        </p:spPr>
+        <p:txBody>
+          <a:bodyPr wrap="none" rtlCol="0">
+            <a:spAutoFit/>
+          </a:bodyPr>
+          <a:lstStyle/>
+          <a:p>
+            <a:r>
+              <a:rPr lang="en-US" dirty="0">
+                <a:solidFill>
+                  <a:srgbClr val="FF0000"/>
+                </a:solidFill>
+              </a:rPr>
+              <a:t>Calculated </a:t>
+            </a:r>
+          </a:p>
+          <a:p>
+            <a:r>
+              <a:rPr lang="en-US" dirty="0">
+                <a:solidFill>
+                  <a:srgbClr val="FF0000"/>
+                </a:solidFill>
+              </a:rPr>
+              <a:t>curves</a:t>
+            </a:r>
           </a:p>
         </p:txBody>
       </p:sp>
@@ -14271,6 +17831,284 @@
 </file>
 
 <file path=ppt/slides/slide7.xml><?xml version="1.0" encoding="utf-8"?>
+<p:sld xmlns:a="http://schemas.openxmlformats.org/drawingml/2006/main" xmlns:r="http://schemas.openxmlformats.org/officeDocument/2006/relationships" xmlns:p="http://schemas.openxmlformats.org/presentationml/2006/main">
+  <p:cSld>
+    <p:spTree>
+      <p:nvGrpSpPr>
+        <p:cNvPr id="1" name=""/>
+        <p:cNvGrpSpPr/>
+        <p:nvPr/>
+      </p:nvGrpSpPr>
+      <p:grpSpPr>
+        <a:xfrm>
+          <a:off x="0" y="0"/>
+          <a:ext cx="0" cy="0"/>
+          <a:chOff x="0" y="0"/>
+          <a:chExt cx="0" cy="0"/>
+        </a:xfrm>
+      </p:grpSpPr>
+      <p:sp>
+        <p:nvSpPr>
+          <p:cNvPr id="6" name="Content Placeholder 5">
+            <a:extLst>
+              <a:ext uri="{FF2B5EF4-FFF2-40B4-BE49-F238E27FC236}">
+                <a16:creationId xmlns:a16="http://schemas.microsoft.com/office/drawing/2014/main" id="{17E6DCC3-2594-4E9E-A818-00A8EADA4E67}"/>
+              </a:ext>
+            </a:extLst>
+          </p:cNvPr>
+          <p:cNvSpPr>
+            <a:spLocks noGrp="1"/>
+          </p:cNvSpPr>
+          <p:nvPr>
+            <p:ph sz="half" idx="1"/>
+          </p:nvPr>
+        </p:nvSpPr>
+        <p:spPr>
+          <a:xfrm>
+            <a:off x="838201" y="1523784"/>
+            <a:ext cx="5181600" cy="4351338"/>
+          </a:xfrm>
+        </p:spPr>
+        <p:txBody>
+          <a:bodyPr>
+            <a:normAutofit fontScale="92500" lnSpcReduction="10000"/>
+          </a:bodyPr>
+          <a:lstStyle/>
+          <a:p>
+            <a:pPr marL="0" indent="0">
+              <a:buNone/>
+            </a:pPr>
+            <a:r>
+              <a:rPr lang="en-US" b="1" dirty="0"/>
+              <a:t>Grey scale calibration</a:t>
+            </a:r>
+          </a:p>
+          <a:p>
+            <a:pPr marL="0" indent="0">
+              <a:buNone/>
+            </a:pPr>
+            <a:endParaRPr lang="en-US" b="1" dirty="0"/>
+          </a:p>
+          <a:p>
+            <a:r>
+              <a:rPr lang="en-US" sz="2000" dirty="0"/>
+              <a:t>Calibration done using 9 shades of grey.</a:t>
+            </a:r>
+          </a:p>
+          <a:p>
+            <a:pPr marL="0" indent="0">
+              <a:buNone/>
+            </a:pPr>
+            <a:endParaRPr lang="en-US" sz="2000" dirty="0"/>
+          </a:p>
+          <a:p>
+            <a:r>
+              <a:rPr lang="en-US" sz="2000" dirty="0"/>
+              <a:t>A more reliable calibration method because, </a:t>
+            </a:r>
+          </a:p>
+          <a:p>
+            <a:pPr lvl="1"/>
+            <a:r>
+              <a:rPr lang="en-US" sz="1600" dirty="0"/>
+              <a:t>It covers entire 0 – 255 range all 3 fundamental colors</a:t>
+            </a:r>
+          </a:p>
+          <a:p>
+            <a:pPr lvl="1"/>
+            <a:r>
+              <a:rPr lang="en-US" sz="1600" dirty="0"/>
+              <a:t>Calibration material can be accurately printed using any printer</a:t>
+            </a:r>
+          </a:p>
+          <a:p>
+            <a:pPr marL="457200" lvl="1" indent="0">
+              <a:buNone/>
+            </a:pPr>
+            <a:endParaRPr lang="en-US" sz="1600" dirty="0"/>
+          </a:p>
+          <a:p>
+            <a:r>
+              <a:rPr lang="en-US" sz="2000" dirty="0"/>
+              <a:t>This is the recommended method for the device</a:t>
+            </a:r>
+          </a:p>
+          <a:p>
+            <a:pPr marL="457200" lvl="1" indent="0">
+              <a:buNone/>
+            </a:pPr>
+            <a:endParaRPr lang="en-US" sz="1600" dirty="0"/>
+          </a:p>
+        </p:txBody>
+      </p:sp>
+      <p:sp>
+        <p:nvSpPr>
+          <p:cNvPr id="7" name="Content Placeholder 6">
+            <a:extLst>
+              <a:ext uri="{FF2B5EF4-FFF2-40B4-BE49-F238E27FC236}">
+                <a16:creationId xmlns:a16="http://schemas.microsoft.com/office/drawing/2014/main" id="{FEDAB5EB-4567-4F6F-9FCC-34C33A677A4F}"/>
+              </a:ext>
+            </a:extLst>
+          </p:cNvPr>
+          <p:cNvSpPr>
+            <a:spLocks noGrp="1"/>
+          </p:cNvSpPr>
+          <p:nvPr>
+            <p:ph sz="half" idx="2"/>
+          </p:nvPr>
+        </p:nvSpPr>
+        <p:spPr>
+          <a:xfrm>
+            <a:off x="6172199" y="1523784"/>
+            <a:ext cx="5181600" cy="4868138"/>
+          </a:xfrm>
+        </p:spPr>
+        <p:txBody>
+          <a:bodyPr>
+            <a:normAutofit fontScale="92500" lnSpcReduction="10000"/>
+          </a:bodyPr>
+          <a:lstStyle/>
+          <a:p>
+            <a:pPr marL="0" indent="0">
+              <a:buNone/>
+            </a:pPr>
+            <a:r>
+              <a:rPr lang="en-US" b="1" dirty="0"/>
+              <a:t>Color code calibration</a:t>
+            </a:r>
+          </a:p>
+          <a:p>
+            <a:endParaRPr lang="en-US" dirty="0"/>
+          </a:p>
+          <a:p>
+            <a:r>
+              <a:rPr lang="en-US" sz="2000" dirty="0"/>
+              <a:t>Calibration done by 1-9 codes of colors</a:t>
+            </a:r>
+          </a:p>
+          <a:p>
+            <a:endParaRPr lang="en-US" sz="2000" dirty="0"/>
+          </a:p>
+          <a:p>
+            <a:r>
+              <a:rPr lang="en-US" sz="2000" dirty="0"/>
+              <a:t>The exact color of the material should be known </a:t>
+            </a:r>
+          </a:p>
+          <a:p>
+            <a:endParaRPr lang="en-US" sz="2000" dirty="0"/>
+          </a:p>
+          <a:p>
+            <a:r>
+              <a:rPr lang="en-US" sz="2000" dirty="0"/>
+              <a:t>The calibration  calculates the approximation for the most fitting curve.</a:t>
+            </a:r>
+          </a:p>
+          <a:p>
+            <a:endParaRPr lang="en-US" sz="2000" dirty="0"/>
+          </a:p>
+          <a:p>
+            <a:r>
+              <a:rPr lang="en-US" sz="2000" dirty="0"/>
+              <a:t>Not reliable. Because,</a:t>
+            </a:r>
+          </a:p>
+          <a:p>
+            <a:pPr lvl="1"/>
+            <a:r>
+              <a:rPr lang="en-US" sz="1600" dirty="0"/>
+              <a:t>The color code always has an error.</a:t>
+            </a:r>
+          </a:p>
+          <a:p>
+            <a:pPr lvl="1"/>
+            <a:r>
+              <a:rPr lang="en-US" sz="1600" dirty="0"/>
+              <a:t>Same color may change the reflection due to the material.</a:t>
+            </a:r>
+          </a:p>
+          <a:p>
+            <a:pPr lvl="1"/>
+            <a:r>
+              <a:rPr lang="en-US" sz="1600" dirty="0"/>
+              <a:t>Printers cannot accurately print these colors.</a:t>
+            </a:r>
+          </a:p>
+          <a:p>
+            <a:pPr lvl="1"/>
+            <a:endParaRPr lang="en-US" sz="1600" dirty="0"/>
+          </a:p>
+        </p:txBody>
+      </p:sp>
+      <p:sp>
+        <p:nvSpPr>
+          <p:cNvPr id="4" name="Title 1">
+            <a:extLst>
+              <a:ext uri="{FF2B5EF4-FFF2-40B4-BE49-F238E27FC236}">
+                <a16:creationId xmlns:a16="http://schemas.microsoft.com/office/drawing/2014/main" id="{5AD97517-220F-449E-9C4E-172355BDAF44}"/>
+              </a:ext>
+            </a:extLst>
+          </p:cNvPr>
+          <p:cNvSpPr txBox="1">
+            <a:spLocks/>
+          </p:cNvSpPr>
+          <p:nvPr/>
+        </p:nvSpPr>
+        <p:spPr>
+          <a:xfrm>
+            <a:off x="1008356" y="268950"/>
+            <a:ext cx="10515600" cy="1325563"/>
+          </a:xfrm>
+          <a:prstGeom prst="rect">
+            <a:avLst/>
+          </a:prstGeom>
+        </p:spPr>
+        <p:txBody>
+          <a:bodyPr vert="horz" lIns="91440" tIns="45720" rIns="91440" bIns="45720" rtlCol="0" anchor="ctr">
+            <a:normAutofit/>
+          </a:bodyPr>
+          <a:lstStyle>
+            <a:lvl1pPr algn="l" defTabSz="914400" rtl="0" eaLnBrk="1" latinLnBrk="0" hangingPunct="1">
+              <a:lnSpc>
+                <a:spcPct val="90000"/>
+              </a:lnSpc>
+              <a:spcBef>
+                <a:spcPct val="0"/>
+              </a:spcBef>
+              <a:buNone/>
+              <a:defRPr sz="4400" kern="1200">
+                <a:solidFill>
+                  <a:schemeClr val="tx1"/>
+                </a:solidFill>
+                <a:latin typeface="+mj-lt"/>
+                <a:ea typeface="+mj-ea"/>
+                <a:cs typeface="+mj-cs"/>
+              </a:defRPr>
+            </a:lvl1pPr>
+          </a:lstStyle>
+          <a:p>
+            <a:pPr algn="ctr"/>
+            <a:r>
+              <a:rPr lang="en-US" b="1" dirty="0"/>
+              <a:t>Methods of calibration</a:t>
+            </a:r>
+          </a:p>
+        </p:txBody>
+      </p:sp>
+    </p:spTree>
+    <p:extLst>
+      <p:ext uri="{BB962C8B-B14F-4D97-AF65-F5344CB8AC3E}">
+        <p14:creationId xmlns:p14="http://schemas.microsoft.com/office/powerpoint/2010/main" val="3248775569"/>
+      </p:ext>
+    </p:extLst>
+  </p:cSld>
+  <p:clrMapOvr>
+    <a:masterClrMapping/>
+  </p:clrMapOvr>
+</p:sld>
+</file>
+
+<file path=ppt/slides/slide8.xml><?xml version="1.0" encoding="utf-8"?>
 <p:sld xmlns:a="http://schemas.openxmlformats.org/drawingml/2006/main" xmlns:r="http://schemas.openxmlformats.org/officeDocument/2006/relationships" xmlns:p="http://schemas.openxmlformats.org/presentationml/2006/main">
   <p:cSld>
     <p:spTree>
@@ -15599,7 +19437,7 @@
 </p:sld>
 </file>
 
-<file path=ppt/slides/slide8.xml><?xml version="1.0" encoding="utf-8"?>
+<file path=ppt/slides/slide9.xml><?xml version="1.0" encoding="utf-8"?>
 <p:sld xmlns:a="http://schemas.openxmlformats.org/drawingml/2006/main" xmlns:r="http://schemas.openxmlformats.org/officeDocument/2006/relationships" xmlns:p="http://schemas.openxmlformats.org/presentationml/2006/main">
   <p:cSld>
     <p:spTree>
@@ -15908,7 +19746,7 @@
         <p:spPr>
           <a:xfrm>
             <a:off x="726477" y="3366964"/>
-            <a:ext cx="5714966" cy="369332"/>
+            <a:ext cx="3906486" cy="646331"/>
           </a:xfrm>
           <a:prstGeom prst="rect">
             <a:avLst/>
@@ -15927,7 +19765,7 @@
             </a:pPr>
             <a:r>
               <a:rPr lang="en-US" dirty="0"/>
-              <a:t>Reacting to user inputs</a:t>
+              <a:t>Reacting to user inputs and updating the display in real time</a:t>
             </a:r>
           </a:p>
         </p:txBody>
@@ -15942,2071 +19780,6 @@
   <p:clrMapOvr>
     <a:masterClrMapping/>
   </p:clrMapOvr>
-</p:sld>
-</file>
-
-<file path=ppt/slides/slide9.xml><?xml version="1.0" encoding="utf-8"?>
-<p:sld xmlns:a="http://schemas.openxmlformats.org/drawingml/2006/main" xmlns:r="http://schemas.openxmlformats.org/officeDocument/2006/relationships" xmlns:p="http://schemas.openxmlformats.org/presentationml/2006/main">
-  <p:cSld>
-    <p:spTree>
-      <p:nvGrpSpPr>
-        <p:cNvPr id="1" name=""/>
-        <p:cNvGrpSpPr/>
-        <p:nvPr/>
-      </p:nvGrpSpPr>
-      <p:grpSpPr>
-        <a:xfrm>
-          <a:off x="0" y="0"/>
-          <a:ext cx="0" cy="0"/>
-          <a:chOff x="0" y="0"/>
-          <a:chExt cx="0" cy="0"/>
-        </a:xfrm>
-      </p:grpSpPr>
-      <p:pic>
-        <p:nvPicPr>
-          <p:cNvPr id="3" name="Picture 2" descr="Table&#10;&#10;Description automatically generated">
-            <a:extLst>
-              <a:ext uri="{FF2B5EF4-FFF2-40B4-BE49-F238E27FC236}">
-                <a16:creationId xmlns:a16="http://schemas.microsoft.com/office/drawing/2014/main" id="{63DEDDCA-4A45-4D10-BA3B-82B54B508D04}"/>
-              </a:ext>
-            </a:extLst>
-          </p:cNvPr>
-          <p:cNvPicPr>
-            <a:picLocks noChangeAspect="1"/>
-          </p:cNvPicPr>
-          <p:nvPr/>
-        </p:nvPicPr>
-        <p:blipFill>
-          <a:blip r:embed="rId2">
-            <a:extLst>
-              <a:ext uri="{28A0092B-C50C-407E-A947-70E740481C1C}">
-                <a14:useLocalDpi xmlns:a14="http://schemas.microsoft.com/office/drawing/2010/main" val="0"/>
-              </a:ext>
-            </a:extLst>
-          </a:blip>
-          <a:stretch>
-            <a:fillRect/>
-          </a:stretch>
-        </p:blipFill>
-        <p:spPr>
-          <a:xfrm>
-            <a:off x="4767429" y="284649"/>
-            <a:ext cx="2314898" cy="952633"/>
-          </a:xfrm>
-          <a:prstGeom prst="rect">
-            <a:avLst/>
-          </a:prstGeom>
-        </p:spPr>
-      </p:pic>
-      <p:pic>
-        <p:nvPicPr>
-          <p:cNvPr id="7" name="Picture 6" descr="Table&#10;&#10;Description automatically generated">
-            <a:extLst>
-              <a:ext uri="{FF2B5EF4-FFF2-40B4-BE49-F238E27FC236}">
-                <a16:creationId xmlns:a16="http://schemas.microsoft.com/office/drawing/2014/main" id="{BA8D4E9D-76FC-4A71-9983-D658E7A2155F}"/>
-              </a:ext>
-            </a:extLst>
-          </p:cNvPr>
-          <p:cNvPicPr>
-            <a:picLocks noChangeAspect="1"/>
-          </p:cNvPicPr>
-          <p:nvPr/>
-        </p:nvPicPr>
-        <p:blipFill>
-          <a:blip r:embed="rId3">
-            <a:extLst>
-              <a:ext uri="{28A0092B-C50C-407E-A947-70E740481C1C}">
-                <a14:useLocalDpi xmlns:a14="http://schemas.microsoft.com/office/drawing/2010/main" val="0"/>
-              </a:ext>
-            </a:extLst>
-          </a:blip>
-          <a:stretch>
-            <a:fillRect/>
-          </a:stretch>
-        </p:blipFill>
-        <p:spPr>
-          <a:xfrm>
-            <a:off x="1388253" y="2197533"/>
-            <a:ext cx="2305372" cy="971686"/>
-          </a:xfrm>
-          <a:prstGeom prst="rect">
-            <a:avLst/>
-          </a:prstGeom>
-        </p:spPr>
-      </p:pic>
-      <p:pic>
-        <p:nvPicPr>
-          <p:cNvPr id="9" name="Picture 8" descr="Table&#10;&#10;Description automatically generated with medium confidence">
-            <a:extLst>
-              <a:ext uri="{FF2B5EF4-FFF2-40B4-BE49-F238E27FC236}">
-                <a16:creationId xmlns:a16="http://schemas.microsoft.com/office/drawing/2014/main" id="{B43CB377-A9FD-45E4-9430-568C9F7D041A}"/>
-              </a:ext>
-            </a:extLst>
-          </p:cNvPr>
-          <p:cNvPicPr>
-            <a:picLocks noChangeAspect="1"/>
-          </p:cNvPicPr>
-          <p:nvPr/>
-        </p:nvPicPr>
-        <p:blipFill>
-          <a:blip r:embed="rId4">
-            <a:extLst>
-              <a:ext uri="{28A0092B-C50C-407E-A947-70E740481C1C}">
-                <a14:useLocalDpi xmlns:a14="http://schemas.microsoft.com/office/drawing/2010/main" val="0"/>
-              </a:ext>
-            </a:extLst>
-          </a:blip>
-          <a:stretch>
-            <a:fillRect/>
-          </a:stretch>
-        </p:blipFill>
-        <p:spPr>
-          <a:xfrm>
-            <a:off x="0" y="4030232"/>
-            <a:ext cx="2286319" cy="943107"/>
-          </a:xfrm>
-          <a:prstGeom prst="rect">
-            <a:avLst/>
-          </a:prstGeom>
-        </p:spPr>
-      </p:pic>
-      <p:pic>
-        <p:nvPicPr>
-          <p:cNvPr id="11" name="Picture 10" descr="A picture containing text, clock, mounted&#10;&#10;Description automatically generated">
-            <a:extLst>
-              <a:ext uri="{FF2B5EF4-FFF2-40B4-BE49-F238E27FC236}">
-                <a16:creationId xmlns:a16="http://schemas.microsoft.com/office/drawing/2014/main" id="{48C6DDBA-6D8F-4C3D-9F39-FAF3F9482CA7}"/>
-              </a:ext>
-            </a:extLst>
-          </p:cNvPr>
-          <p:cNvPicPr>
-            <a:picLocks noChangeAspect="1"/>
-          </p:cNvPicPr>
-          <p:nvPr/>
-        </p:nvPicPr>
-        <p:blipFill>
-          <a:blip r:embed="rId5">
-            <a:extLst>
-              <a:ext uri="{28A0092B-C50C-407E-A947-70E740481C1C}">
-                <a14:useLocalDpi xmlns:a14="http://schemas.microsoft.com/office/drawing/2010/main" val="0"/>
-              </a:ext>
-            </a:extLst>
-          </a:blip>
-          <a:stretch>
-            <a:fillRect/>
-          </a:stretch>
-        </p:blipFill>
-        <p:spPr>
-          <a:xfrm>
-            <a:off x="3052604" y="4036471"/>
-            <a:ext cx="2305372" cy="971686"/>
-          </a:xfrm>
-          <a:prstGeom prst="rect">
-            <a:avLst/>
-          </a:prstGeom>
-        </p:spPr>
-      </p:pic>
-      <p:pic>
-        <p:nvPicPr>
-          <p:cNvPr id="13" name="Picture 12" descr="A picture containing text, wall, indoor&#10;&#10;Description automatically generated">
-            <a:extLst>
-              <a:ext uri="{FF2B5EF4-FFF2-40B4-BE49-F238E27FC236}">
-                <a16:creationId xmlns:a16="http://schemas.microsoft.com/office/drawing/2014/main" id="{44953844-618B-43BF-BC54-145F96A7C748}"/>
-              </a:ext>
-            </a:extLst>
-          </p:cNvPr>
-          <p:cNvPicPr>
-            <a:picLocks noChangeAspect="1"/>
-          </p:cNvPicPr>
-          <p:nvPr/>
-        </p:nvPicPr>
-        <p:blipFill>
-          <a:blip r:embed="rId6">
-            <a:extLst>
-              <a:ext uri="{28A0092B-C50C-407E-A947-70E740481C1C}">
-                <a14:useLocalDpi xmlns:a14="http://schemas.microsoft.com/office/drawing/2010/main" val="0"/>
-              </a:ext>
-            </a:extLst>
-          </a:blip>
-          <a:stretch>
-            <a:fillRect/>
-          </a:stretch>
-        </p:blipFill>
-        <p:spPr>
-          <a:xfrm>
-            <a:off x="7809658" y="2221349"/>
-            <a:ext cx="2276793" cy="924054"/>
-          </a:xfrm>
-          <a:prstGeom prst="rect">
-            <a:avLst/>
-          </a:prstGeom>
-        </p:spPr>
-      </p:pic>
-      <p:pic>
-        <p:nvPicPr>
-          <p:cNvPr id="15" name="Picture 14" descr="A picture containing text, clock&#10;&#10;Description automatically generated">
-            <a:extLst>
-              <a:ext uri="{FF2B5EF4-FFF2-40B4-BE49-F238E27FC236}">
-                <a16:creationId xmlns:a16="http://schemas.microsoft.com/office/drawing/2014/main" id="{A408C6D6-5992-4C67-99F9-CE1D72A256C1}"/>
-              </a:ext>
-            </a:extLst>
-          </p:cNvPr>
-          <p:cNvPicPr>
-            <a:picLocks noChangeAspect="1"/>
-          </p:cNvPicPr>
-          <p:nvPr/>
-        </p:nvPicPr>
-        <p:blipFill>
-          <a:blip r:embed="rId7">
-            <a:extLst>
-              <a:ext uri="{28A0092B-C50C-407E-A947-70E740481C1C}">
-                <a14:useLocalDpi xmlns:a14="http://schemas.microsoft.com/office/drawing/2010/main" val="0"/>
-              </a:ext>
-            </a:extLst>
-          </a:blip>
-          <a:stretch>
-            <a:fillRect/>
-          </a:stretch>
-        </p:blipFill>
-        <p:spPr>
-          <a:xfrm>
-            <a:off x="6124261" y="4065050"/>
-            <a:ext cx="2276793" cy="914528"/>
-          </a:xfrm>
-          <a:prstGeom prst="rect">
-            <a:avLst/>
-          </a:prstGeom>
-        </p:spPr>
-      </p:pic>
-      <p:pic>
-        <p:nvPicPr>
-          <p:cNvPr id="17" name="Picture 16" descr="A picture containing text, clock&#10;&#10;Description automatically generated">
-            <a:extLst>
-              <a:ext uri="{FF2B5EF4-FFF2-40B4-BE49-F238E27FC236}">
-                <a16:creationId xmlns:a16="http://schemas.microsoft.com/office/drawing/2014/main" id="{1D3A31BD-6072-4458-8272-9A01243D0D8D}"/>
-              </a:ext>
-            </a:extLst>
-          </p:cNvPr>
-          <p:cNvPicPr>
-            <a:picLocks noChangeAspect="1"/>
-          </p:cNvPicPr>
-          <p:nvPr/>
-        </p:nvPicPr>
-        <p:blipFill>
-          <a:blip r:embed="rId8">
-            <a:extLst>
-              <a:ext uri="{28A0092B-C50C-407E-A947-70E740481C1C}">
-                <a14:useLocalDpi xmlns:a14="http://schemas.microsoft.com/office/drawing/2010/main" val="0"/>
-              </a:ext>
-            </a:extLst>
-          </a:blip>
-          <a:stretch>
-            <a:fillRect/>
-          </a:stretch>
-        </p:blipFill>
-        <p:spPr>
-          <a:xfrm>
-            <a:off x="6133017" y="5933946"/>
-            <a:ext cx="2295845" cy="924054"/>
-          </a:xfrm>
-          <a:prstGeom prst="rect">
-            <a:avLst/>
-          </a:prstGeom>
-        </p:spPr>
-      </p:pic>
-      <p:pic>
-        <p:nvPicPr>
-          <p:cNvPr id="19" name="Picture 18" descr="A picture containing text, clock, mounted&#10;&#10;Description automatically generated">
-            <a:extLst>
-              <a:ext uri="{FF2B5EF4-FFF2-40B4-BE49-F238E27FC236}">
-                <a16:creationId xmlns:a16="http://schemas.microsoft.com/office/drawing/2014/main" id="{07E4F7C9-4226-4D1A-80AD-9FD4A9CEDDD2}"/>
-              </a:ext>
-            </a:extLst>
-          </p:cNvPr>
-          <p:cNvPicPr>
-            <a:picLocks noChangeAspect="1"/>
-          </p:cNvPicPr>
-          <p:nvPr/>
-        </p:nvPicPr>
-        <p:blipFill>
-          <a:blip r:embed="rId9">
-            <a:extLst>
-              <a:ext uri="{28A0092B-C50C-407E-A947-70E740481C1C}">
-                <a14:useLocalDpi xmlns:a14="http://schemas.microsoft.com/office/drawing/2010/main" val="0"/>
-              </a:ext>
-            </a:extLst>
-          </a:blip>
-          <a:stretch>
-            <a:fillRect/>
-          </a:stretch>
-        </p:blipFill>
-        <p:spPr>
-          <a:xfrm>
-            <a:off x="9486750" y="4011180"/>
-            <a:ext cx="2305372" cy="962159"/>
-          </a:xfrm>
-          <a:prstGeom prst="rect">
-            <a:avLst/>
-          </a:prstGeom>
-        </p:spPr>
-      </p:pic>
-      <p:cxnSp>
-        <p:nvCxnSpPr>
-          <p:cNvPr id="21" name="Straight Arrow Connector 20">
-            <a:extLst>
-              <a:ext uri="{FF2B5EF4-FFF2-40B4-BE49-F238E27FC236}">
-                <a16:creationId xmlns:a16="http://schemas.microsoft.com/office/drawing/2014/main" id="{4809654B-D2D3-498C-B2E9-37B5B3537D79}"/>
-              </a:ext>
-            </a:extLst>
-          </p:cNvPr>
-          <p:cNvCxnSpPr>
-            <a:cxnSpLocks/>
-          </p:cNvCxnSpPr>
-          <p:nvPr/>
-        </p:nvCxnSpPr>
-        <p:spPr>
-          <a:xfrm flipH="1">
-            <a:off x="3797711" y="1353748"/>
-            <a:ext cx="790112" cy="745724"/>
-          </a:xfrm>
-          <a:prstGeom prst="straightConnector1">
-            <a:avLst/>
-          </a:prstGeom>
-          <a:ln w="38100">
-            <a:solidFill>
-              <a:schemeClr val="accent6">
-                <a:lumMod val="75000"/>
-              </a:schemeClr>
-            </a:solidFill>
-            <a:tailEnd type="triangle"/>
-          </a:ln>
-        </p:spPr>
-        <p:style>
-          <a:lnRef idx="1">
-            <a:schemeClr val="accent1"/>
-          </a:lnRef>
-          <a:fillRef idx="0">
-            <a:schemeClr val="accent1"/>
-          </a:fillRef>
-          <a:effectRef idx="0">
-            <a:schemeClr val="accent1"/>
-          </a:effectRef>
-          <a:fontRef idx="minor">
-            <a:schemeClr val="tx1"/>
-          </a:fontRef>
-        </p:style>
-      </p:cxnSp>
-      <p:cxnSp>
-        <p:nvCxnSpPr>
-          <p:cNvPr id="23" name="Straight Arrow Connector 22">
-            <a:extLst>
-              <a:ext uri="{FF2B5EF4-FFF2-40B4-BE49-F238E27FC236}">
-                <a16:creationId xmlns:a16="http://schemas.microsoft.com/office/drawing/2014/main" id="{FD35708B-552C-4760-97A9-ABDBC425F74C}"/>
-              </a:ext>
-            </a:extLst>
-          </p:cNvPr>
-          <p:cNvCxnSpPr>
-            <a:cxnSpLocks/>
-          </p:cNvCxnSpPr>
-          <p:nvPr/>
-        </p:nvCxnSpPr>
-        <p:spPr>
-          <a:xfrm flipH="1">
-            <a:off x="993197" y="3189934"/>
-            <a:ext cx="790112" cy="745724"/>
-          </a:xfrm>
-          <a:prstGeom prst="straightConnector1">
-            <a:avLst/>
-          </a:prstGeom>
-          <a:ln w="38100">
-            <a:solidFill>
-              <a:schemeClr val="accent6">
-                <a:lumMod val="75000"/>
-              </a:schemeClr>
-            </a:solidFill>
-            <a:tailEnd type="triangle"/>
-          </a:ln>
-        </p:spPr>
-        <p:style>
-          <a:lnRef idx="1">
-            <a:schemeClr val="accent1"/>
-          </a:lnRef>
-          <a:fillRef idx="0">
-            <a:schemeClr val="accent1"/>
-          </a:fillRef>
-          <a:effectRef idx="0">
-            <a:schemeClr val="accent1"/>
-          </a:effectRef>
-          <a:fontRef idx="minor">
-            <a:schemeClr val="tx1"/>
-          </a:fontRef>
-        </p:style>
-      </p:cxnSp>
-      <p:cxnSp>
-        <p:nvCxnSpPr>
-          <p:cNvPr id="24" name="Straight Arrow Connector 23">
-            <a:extLst>
-              <a:ext uri="{FF2B5EF4-FFF2-40B4-BE49-F238E27FC236}">
-                <a16:creationId xmlns:a16="http://schemas.microsoft.com/office/drawing/2014/main" id="{D6A0E315-B3A7-4A3D-AC00-5F8DB001BAC6}"/>
-              </a:ext>
-            </a:extLst>
-          </p:cNvPr>
-          <p:cNvCxnSpPr>
-            <a:cxnSpLocks/>
-          </p:cNvCxnSpPr>
-          <p:nvPr/>
-        </p:nvCxnSpPr>
-        <p:spPr>
-          <a:xfrm>
-            <a:off x="3248192" y="3220278"/>
-            <a:ext cx="727331" cy="745724"/>
-          </a:xfrm>
-          <a:prstGeom prst="straightConnector1">
-            <a:avLst/>
-          </a:prstGeom>
-          <a:ln w="38100">
-            <a:solidFill>
-              <a:schemeClr val="accent6">
-                <a:lumMod val="75000"/>
-              </a:schemeClr>
-            </a:solidFill>
-            <a:tailEnd type="triangle"/>
-          </a:ln>
-        </p:spPr>
-        <p:style>
-          <a:lnRef idx="1">
-            <a:schemeClr val="accent1"/>
-          </a:lnRef>
-          <a:fillRef idx="0">
-            <a:schemeClr val="accent1"/>
-          </a:fillRef>
-          <a:effectRef idx="0">
-            <a:schemeClr val="accent1"/>
-          </a:effectRef>
-          <a:fontRef idx="minor">
-            <a:schemeClr val="tx1"/>
-          </a:fontRef>
-        </p:style>
-      </p:cxnSp>
-      <p:cxnSp>
-        <p:nvCxnSpPr>
-          <p:cNvPr id="29" name="Straight Arrow Connector 28">
-            <a:extLst>
-              <a:ext uri="{FF2B5EF4-FFF2-40B4-BE49-F238E27FC236}">
-                <a16:creationId xmlns:a16="http://schemas.microsoft.com/office/drawing/2014/main" id="{CA6AABBC-CCF4-4FAB-90EA-6C655FBEE4CB}"/>
-              </a:ext>
-            </a:extLst>
-          </p:cNvPr>
-          <p:cNvCxnSpPr>
-            <a:cxnSpLocks/>
-          </p:cNvCxnSpPr>
-          <p:nvPr/>
-        </p:nvCxnSpPr>
-        <p:spPr>
-          <a:xfrm>
-            <a:off x="7262657" y="5113836"/>
-            <a:ext cx="0" cy="696612"/>
-          </a:xfrm>
-          <a:prstGeom prst="straightConnector1">
-            <a:avLst/>
-          </a:prstGeom>
-          <a:ln w="38100">
-            <a:solidFill>
-              <a:schemeClr val="accent6">
-                <a:lumMod val="75000"/>
-              </a:schemeClr>
-            </a:solidFill>
-            <a:tailEnd type="triangle"/>
-          </a:ln>
-        </p:spPr>
-        <p:style>
-          <a:lnRef idx="1">
-            <a:schemeClr val="accent1"/>
-          </a:lnRef>
-          <a:fillRef idx="0">
-            <a:schemeClr val="accent1"/>
-          </a:fillRef>
-          <a:effectRef idx="0">
-            <a:schemeClr val="accent1"/>
-          </a:effectRef>
-          <a:fontRef idx="minor">
-            <a:schemeClr val="tx1"/>
-          </a:fontRef>
-        </p:style>
-      </p:cxnSp>
-      <p:cxnSp>
-        <p:nvCxnSpPr>
-          <p:cNvPr id="30" name="Straight Arrow Connector 29">
-            <a:extLst>
-              <a:ext uri="{FF2B5EF4-FFF2-40B4-BE49-F238E27FC236}">
-                <a16:creationId xmlns:a16="http://schemas.microsoft.com/office/drawing/2014/main" id="{A6F452D3-2271-4504-94DB-4553FFAEDD9F}"/>
-              </a:ext>
-            </a:extLst>
-          </p:cNvPr>
-          <p:cNvCxnSpPr>
-            <a:cxnSpLocks/>
-          </p:cNvCxnSpPr>
-          <p:nvPr/>
-        </p:nvCxnSpPr>
-        <p:spPr>
-          <a:xfrm flipH="1">
-            <a:off x="7423798" y="3284508"/>
-            <a:ext cx="790112" cy="745724"/>
-          </a:xfrm>
-          <a:prstGeom prst="straightConnector1">
-            <a:avLst/>
-          </a:prstGeom>
-          <a:ln w="38100">
-            <a:solidFill>
-              <a:schemeClr val="accent6">
-                <a:lumMod val="75000"/>
-              </a:schemeClr>
-            </a:solidFill>
-            <a:tailEnd type="triangle"/>
-          </a:ln>
-        </p:spPr>
-        <p:style>
-          <a:lnRef idx="1">
-            <a:schemeClr val="accent1"/>
-          </a:lnRef>
-          <a:fillRef idx="0">
-            <a:schemeClr val="accent1"/>
-          </a:fillRef>
-          <a:effectRef idx="0">
-            <a:schemeClr val="accent1"/>
-          </a:effectRef>
-          <a:fontRef idx="minor">
-            <a:schemeClr val="tx1"/>
-          </a:fontRef>
-        </p:style>
-      </p:cxnSp>
-      <p:cxnSp>
-        <p:nvCxnSpPr>
-          <p:cNvPr id="33" name="Straight Arrow Connector 32">
-            <a:extLst>
-              <a:ext uri="{FF2B5EF4-FFF2-40B4-BE49-F238E27FC236}">
-                <a16:creationId xmlns:a16="http://schemas.microsoft.com/office/drawing/2014/main" id="{8904BB78-D457-4ED0-9240-201EF0792AC6}"/>
-              </a:ext>
-            </a:extLst>
-          </p:cNvPr>
-          <p:cNvCxnSpPr>
-            <a:cxnSpLocks/>
-          </p:cNvCxnSpPr>
-          <p:nvPr/>
-        </p:nvCxnSpPr>
-        <p:spPr>
-          <a:xfrm>
-            <a:off x="7082327" y="1366403"/>
-            <a:ext cx="727331" cy="745724"/>
-          </a:xfrm>
-          <a:prstGeom prst="straightConnector1">
-            <a:avLst/>
-          </a:prstGeom>
-          <a:ln w="38100">
-            <a:solidFill>
-              <a:schemeClr val="accent6">
-                <a:lumMod val="75000"/>
-              </a:schemeClr>
-            </a:solidFill>
-            <a:tailEnd type="triangle"/>
-          </a:ln>
-        </p:spPr>
-        <p:style>
-          <a:lnRef idx="1">
-            <a:schemeClr val="accent1"/>
-          </a:lnRef>
-          <a:fillRef idx="0">
-            <a:schemeClr val="accent1"/>
-          </a:fillRef>
-          <a:effectRef idx="0">
-            <a:schemeClr val="accent1"/>
-          </a:effectRef>
-          <a:fontRef idx="minor">
-            <a:schemeClr val="tx1"/>
-          </a:fontRef>
-        </p:style>
-      </p:cxnSp>
-      <p:cxnSp>
-        <p:nvCxnSpPr>
-          <p:cNvPr id="35" name="Straight Arrow Connector 34">
-            <a:extLst>
-              <a:ext uri="{FF2B5EF4-FFF2-40B4-BE49-F238E27FC236}">
-                <a16:creationId xmlns:a16="http://schemas.microsoft.com/office/drawing/2014/main" id="{05E8763E-2B3D-46C9-BAB9-CBED5DDF2B8F}"/>
-              </a:ext>
-            </a:extLst>
-          </p:cNvPr>
-          <p:cNvCxnSpPr>
-            <a:cxnSpLocks/>
-          </p:cNvCxnSpPr>
-          <p:nvPr/>
-        </p:nvCxnSpPr>
-        <p:spPr>
-          <a:xfrm>
-            <a:off x="9486309" y="3265456"/>
-            <a:ext cx="727331" cy="745724"/>
-          </a:xfrm>
-          <a:prstGeom prst="straightConnector1">
-            <a:avLst/>
-          </a:prstGeom>
-          <a:ln w="38100">
-            <a:solidFill>
-              <a:schemeClr val="accent6">
-                <a:lumMod val="75000"/>
-              </a:schemeClr>
-            </a:solidFill>
-            <a:tailEnd type="triangle"/>
-          </a:ln>
-        </p:spPr>
-        <p:style>
-          <a:lnRef idx="1">
-            <a:schemeClr val="accent1"/>
-          </a:lnRef>
-          <a:fillRef idx="0">
-            <a:schemeClr val="accent1"/>
-          </a:fillRef>
-          <a:effectRef idx="0">
-            <a:schemeClr val="accent1"/>
-          </a:effectRef>
-          <a:fontRef idx="minor">
-            <a:schemeClr val="tx1"/>
-          </a:fontRef>
-        </p:style>
-      </p:cxnSp>
-      <p:sp>
-        <p:nvSpPr>
-          <p:cNvPr id="36" name="TextBox 35">
-            <a:extLst>
-              <a:ext uri="{FF2B5EF4-FFF2-40B4-BE49-F238E27FC236}">
-                <a16:creationId xmlns:a16="http://schemas.microsoft.com/office/drawing/2014/main" id="{CD84EAF8-73BA-4E2F-858E-5DBF939D17E5}"/>
-              </a:ext>
-            </a:extLst>
-          </p:cNvPr>
-          <p:cNvSpPr txBox="1"/>
-          <p:nvPr/>
-        </p:nvSpPr>
-        <p:spPr>
-          <a:xfrm>
-            <a:off x="2901066" y="1353748"/>
-            <a:ext cx="1145220" cy="369332"/>
-          </a:xfrm>
-          <a:prstGeom prst="rect">
-            <a:avLst/>
-          </a:prstGeom>
-          <a:noFill/>
-        </p:spPr>
-        <p:txBody>
-          <a:bodyPr wrap="square" rtlCol="0">
-            <a:spAutoFit/>
-          </a:bodyPr>
-          <a:lstStyle/>
-          <a:p>
-            <a:pPr marL="0" marR="0" lvl="0" indent="0" algn="l" defTabSz="914400" rtl="0" eaLnBrk="1" fontAlgn="auto" latinLnBrk="0" hangingPunct="1">
-              <a:lnSpc>
-                <a:spcPct val="100000"/>
-              </a:lnSpc>
-              <a:spcBef>
-                <a:spcPts val="0"/>
-              </a:spcBef>
-              <a:spcAft>
-                <a:spcPts val="0"/>
-              </a:spcAft>
-              <a:buClrTx/>
-              <a:buSzTx/>
-              <a:buFontTx/>
-              <a:buNone/>
-              <a:tabLst/>
-              <a:defRPr/>
-            </a:pPr>
-            <a:r>
-              <a:rPr kumimoji="0" lang="en-US" sz="1800" b="0" i="0" u="none" strike="noStrike" kern="1200" cap="none" spc="0" normalizeH="0" baseline="0" noProof="0" dirty="0">
-                <a:ln>
-                  <a:noFill/>
-                </a:ln>
-                <a:solidFill>
-                  <a:prstClr val="black"/>
-                </a:solidFill>
-                <a:effectLst/>
-                <a:uLnTx/>
-                <a:uFillTx/>
-                <a:latin typeface="Calibri" panose="020F0502020204030204"/>
-                <a:ea typeface="+mn-ea"/>
-                <a:cs typeface="+mn-cs"/>
-              </a:rPr>
-              <a:t>1: Sensor</a:t>
-            </a:r>
-          </a:p>
-        </p:txBody>
-      </p:sp>
-      <p:sp>
-        <p:nvSpPr>
-          <p:cNvPr id="37" name="TextBox 36">
-            <a:extLst>
-              <a:ext uri="{FF2B5EF4-FFF2-40B4-BE49-F238E27FC236}">
-                <a16:creationId xmlns:a16="http://schemas.microsoft.com/office/drawing/2014/main" id="{05696CFF-549A-44F1-8EC1-1857AA279E22}"/>
-              </a:ext>
-            </a:extLst>
-          </p:cNvPr>
-          <p:cNvSpPr txBox="1"/>
-          <p:nvPr/>
-        </p:nvSpPr>
-        <p:spPr>
-          <a:xfrm>
-            <a:off x="6498956" y="3235894"/>
-            <a:ext cx="1527401" cy="369332"/>
-          </a:xfrm>
-          <a:prstGeom prst="rect">
-            <a:avLst/>
-          </a:prstGeom>
-          <a:noFill/>
-        </p:spPr>
-        <p:txBody>
-          <a:bodyPr wrap="square" rtlCol="0">
-            <a:spAutoFit/>
-          </a:bodyPr>
-          <a:lstStyle/>
-          <a:p>
-            <a:pPr marL="0" marR="0" lvl="0" indent="0" algn="l" defTabSz="914400" rtl="0" eaLnBrk="1" fontAlgn="auto" latinLnBrk="0" hangingPunct="1">
-              <a:lnSpc>
-                <a:spcPct val="100000"/>
-              </a:lnSpc>
-              <a:spcBef>
-                <a:spcPts val="0"/>
-              </a:spcBef>
-              <a:spcAft>
-                <a:spcPts val="0"/>
-              </a:spcAft>
-              <a:buClrTx/>
-              <a:buSzTx/>
-              <a:buFontTx/>
-              <a:buNone/>
-              <a:tabLst/>
-              <a:defRPr/>
-            </a:pPr>
-            <a:r>
-              <a:rPr kumimoji="0" lang="en-US" sz="1800" b="0" i="0" u="none" strike="noStrike" kern="1200" cap="none" spc="0" normalizeH="0" baseline="0" noProof="0" dirty="0">
-                <a:ln>
-                  <a:noFill/>
-                </a:ln>
-                <a:solidFill>
-                  <a:prstClr val="black"/>
-                </a:solidFill>
-                <a:effectLst/>
-                <a:uLnTx/>
-                <a:uFillTx/>
-                <a:latin typeface="Calibri" panose="020F0502020204030204"/>
-                <a:ea typeface="+mn-ea"/>
-                <a:cs typeface="+mn-cs"/>
-              </a:rPr>
-              <a:t>1: Color Input</a:t>
-            </a:r>
-          </a:p>
-        </p:txBody>
-      </p:sp>
-      <p:sp>
-        <p:nvSpPr>
-          <p:cNvPr id="38" name="TextBox 37">
-            <a:extLst>
-              <a:ext uri="{FF2B5EF4-FFF2-40B4-BE49-F238E27FC236}">
-                <a16:creationId xmlns:a16="http://schemas.microsoft.com/office/drawing/2014/main" id="{5B15DA85-0E56-4360-A103-BAEEA82859EB}"/>
-              </a:ext>
-            </a:extLst>
-          </p:cNvPr>
-          <p:cNvSpPr txBox="1"/>
-          <p:nvPr/>
-        </p:nvSpPr>
-        <p:spPr>
-          <a:xfrm>
-            <a:off x="420587" y="3180196"/>
-            <a:ext cx="1145220" cy="369332"/>
-          </a:xfrm>
-          <a:prstGeom prst="rect">
-            <a:avLst/>
-          </a:prstGeom>
-          <a:noFill/>
-        </p:spPr>
-        <p:txBody>
-          <a:bodyPr wrap="square" rtlCol="0">
-            <a:spAutoFit/>
-          </a:bodyPr>
-          <a:lstStyle/>
-          <a:p>
-            <a:pPr marL="0" marR="0" lvl="0" indent="0" algn="l" defTabSz="914400" rtl="0" eaLnBrk="1" fontAlgn="auto" latinLnBrk="0" hangingPunct="1">
-              <a:lnSpc>
-                <a:spcPct val="100000"/>
-              </a:lnSpc>
-              <a:spcBef>
-                <a:spcPts val="0"/>
-              </a:spcBef>
-              <a:spcAft>
-                <a:spcPts val="0"/>
-              </a:spcAft>
-              <a:buClrTx/>
-              <a:buSzTx/>
-              <a:buFontTx/>
-              <a:buNone/>
-              <a:tabLst/>
-              <a:defRPr/>
-            </a:pPr>
-            <a:r>
-              <a:rPr kumimoji="0" lang="en-US" sz="1800" b="0" i="0" u="none" strike="noStrike" kern="1200" cap="none" spc="0" normalizeH="0" baseline="0" noProof="0" dirty="0">
-                <a:ln>
-                  <a:noFill/>
-                </a:ln>
-                <a:solidFill>
-                  <a:prstClr val="black"/>
-                </a:solidFill>
-                <a:effectLst/>
-                <a:uLnTx/>
-                <a:uFillTx/>
-                <a:latin typeface="Calibri" panose="020F0502020204030204"/>
-                <a:ea typeface="+mn-ea"/>
-                <a:cs typeface="+mn-cs"/>
-              </a:rPr>
-              <a:t>1: Yes</a:t>
-            </a:r>
-          </a:p>
-        </p:txBody>
-      </p:sp>
-      <p:sp>
-        <p:nvSpPr>
-          <p:cNvPr id="39" name="TextBox 38">
-            <a:extLst>
-              <a:ext uri="{FF2B5EF4-FFF2-40B4-BE49-F238E27FC236}">
-                <a16:creationId xmlns:a16="http://schemas.microsoft.com/office/drawing/2014/main" id="{5D5BFC8C-28DA-4E3F-BFAC-6052C3041E65}"/>
-              </a:ext>
-            </a:extLst>
-          </p:cNvPr>
-          <p:cNvSpPr txBox="1"/>
-          <p:nvPr/>
-        </p:nvSpPr>
-        <p:spPr>
-          <a:xfrm>
-            <a:off x="3709839" y="3169219"/>
-            <a:ext cx="1145220" cy="369332"/>
-          </a:xfrm>
-          <a:prstGeom prst="rect">
-            <a:avLst/>
-          </a:prstGeom>
-          <a:noFill/>
-        </p:spPr>
-        <p:txBody>
-          <a:bodyPr wrap="square" rtlCol="0">
-            <a:spAutoFit/>
-          </a:bodyPr>
-          <a:lstStyle/>
-          <a:p>
-            <a:pPr marL="0" marR="0" lvl="0" indent="0" algn="l" defTabSz="914400" rtl="0" eaLnBrk="1" fontAlgn="auto" latinLnBrk="0" hangingPunct="1">
-              <a:lnSpc>
-                <a:spcPct val="100000"/>
-              </a:lnSpc>
-              <a:spcBef>
-                <a:spcPts val="0"/>
-              </a:spcBef>
-              <a:spcAft>
-                <a:spcPts val="0"/>
-              </a:spcAft>
-              <a:buClrTx/>
-              <a:buSzTx/>
-              <a:buFontTx/>
-              <a:buNone/>
-              <a:tabLst/>
-              <a:defRPr/>
-            </a:pPr>
-            <a:r>
-              <a:rPr kumimoji="0" lang="en-US" sz="1800" b="0" i="0" u="none" strike="noStrike" kern="1200" cap="none" spc="0" normalizeH="0" baseline="0" noProof="0" dirty="0">
-                <a:ln>
-                  <a:noFill/>
-                </a:ln>
-                <a:solidFill>
-                  <a:prstClr val="black"/>
-                </a:solidFill>
-                <a:effectLst/>
-                <a:uLnTx/>
-                <a:uFillTx/>
-                <a:latin typeface="Calibri" panose="020F0502020204030204"/>
-                <a:ea typeface="+mn-ea"/>
-                <a:cs typeface="+mn-cs"/>
-              </a:rPr>
-              <a:t>2: No</a:t>
-            </a:r>
-          </a:p>
-        </p:txBody>
-      </p:sp>
-      <p:sp>
-        <p:nvSpPr>
-          <p:cNvPr id="40" name="TextBox 39">
-            <a:extLst>
-              <a:ext uri="{FF2B5EF4-FFF2-40B4-BE49-F238E27FC236}">
-                <a16:creationId xmlns:a16="http://schemas.microsoft.com/office/drawing/2014/main" id="{B930A484-BD12-41E1-817B-4B4F150720E0}"/>
-              </a:ext>
-            </a:extLst>
-          </p:cNvPr>
-          <p:cNvSpPr txBox="1"/>
-          <p:nvPr/>
-        </p:nvSpPr>
-        <p:spPr>
-          <a:xfrm>
-            <a:off x="7793699" y="1506148"/>
-            <a:ext cx="1527401" cy="369332"/>
-          </a:xfrm>
-          <a:prstGeom prst="rect">
-            <a:avLst/>
-          </a:prstGeom>
-          <a:noFill/>
-        </p:spPr>
-        <p:txBody>
-          <a:bodyPr wrap="square" rtlCol="0">
-            <a:spAutoFit/>
-          </a:bodyPr>
-          <a:lstStyle/>
-          <a:p>
-            <a:pPr marL="0" marR="0" lvl="0" indent="0" algn="l" defTabSz="914400" rtl="0" eaLnBrk="1" fontAlgn="auto" latinLnBrk="0" hangingPunct="1">
-              <a:lnSpc>
-                <a:spcPct val="100000"/>
-              </a:lnSpc>
-              <a:spcBef>
-                <a:spcPts val="0"/>
-              </a:spcBef>
-              <a:spcAft>
-                <a:spcPts val="0"/>
-              </a:spcAft>
-              <a:buClrTx/>
-              <a:buSzTx/>
-              <a:buFontTx/>
-              <a:buNone/>
-              <a:tabLst/>
-              <a:defRPr/>
-            </a:pPr>
-            <a:r>
-              <a:rPr kumimoji="0" lang="en-US" sz="1800" b="0" i="0" u="none" strike="noStrike" kern="1200" cap="none" spc="0" normalizeH="0" baseline="0" noProof="0" dirty="0">
-                <a:ln>
-                  <a:noFill/>
-                </a:ln>
-                <a:solidFill>
-                  <a:prstClr val="black"/>
-                </a:solidFill>
-                <a:effectLst/>
-                <a:uLnTx/>
-                <a:uFillTx/>
-                <a:latin typeface="Calibri" panose="020F0502020204030204"/>
-                <a:ea typeface="+mn-ea"/>
-                <a:cs typeface="+mn-cs"/>
-              </a:rPr>
-              <a:t>2: RGB LED</a:t>
-            </a:r>
-          </a:p>
-        </p:txBody>
-      </p:sp>
-      <p:sp>
-        <p:nvSpPr>
-          <p:cNvPr id="41" name="TextBox 40">
-            <a:extLst>
-              <a:ext uri="{FF2B5EF4-FFF2-40B4-BE49-F238E27FC236}">
-                <a16:creationId xmlns:a16="http://schemas.microsoft.com/office/drawing/2014/main" id="{45764532-C322-44D3-A788-436D9236CD0B}"/>
-              </a:ext>
-            </a:extLst>
-          </p:cNvPr>
-          <p:cNvSpPr txBox="1"/>
-          <p:nvPr/>
-        </p:nvSpPr>
-        <p:spPr>
-          <a:xfrm>
-            <a:off x="9903213" y="3203675"/>
-            <a:ext cx="2103674" cy="646331"/>
-          </a:xfrm>
-          <a:prstGeom prst="rect">
-            <a:avLst/>
-          </a:prstGeom>
-          <a:noFill/>
-        </p:spPr>
-        <p:txBody>
-          <a:bodyPr wrap="square" rtlCol="0">
-            <a:spAutoFit/>
-          </a:bodyPr>
-          <a:lstStyle/>
-          <a:p>
-            <a:pPr marL="0" marR="0" lvl="0" indent="0" algn="l" defTabSz="914400" rtl="0" eaLnBrk="1" fontAlgn="auto" latinLnBrk="0" hangingPunct="1">
-              <a:lnSpc>
-                <a:spcPct val="100000"/>
-              </a:lnSpc>
-              <a:spcBef>
-                <a:spcPts val="0"/>
-              </a:spcBef>
-              <a:spcAft>
-                <a:spcPts val="0"/>
-              </a:spcAft>
-              <a:buClrTx/>
-              <a:buSzTx/>
-              <a:buFontTx/>
-              <a:buNone/>
-              <a:tabLst/>
-              <a:defRPr/>
-            </a:pPr>
-            <a:r>
-              <a:rPr kumimoji="0" lang="en-US" sz="1800" b="0" i="0" u="none" strike="noStrike" kern="1200" cap="none" spc="0" normalizeH="0" baseline="0" noProof="0" dirty="0">
-                <a:ln>
-                  <a:noFill/>
-                </a:ln>
-                <a:solidFill>
-                  <a:prstClr val="black"/>
-                </a:solidFill>
-                <a:effectLst/>
-                <a:uLnTx/>
-                <a:uFillTx/>
-                <a:latin typeface="Calibri" panose="020F0502020204030204"/>
-                <a:ea typeface="+mn-ea"/>
-                <a:cs typeface="+mn-cs"/>
-              </a:rPr>
-              <a:t>2: Real Time</a:t>
-            </a:r>
-          </a:p>
-          <a:p>
-            <a:pPr marL="0" marR="0" lvl="0" indent="0" algn="l" defTabSz="914400" rtl="0" eaLnBrk="1" fontAlgn="auto" latinLnBrk="0" hangingPunct="1">
-              <a:lnSpc>
-                <a:spcPct val="100000"/>
-              </a:lnSpc>
-              <a:spcBef>
-                <a:spcPts val="0"/>
-              </a:spcBef>
-              <a:spcAft>
-                <a:spcPts val="0"/>
-              </a:spcAft>
-              <a:buClrTx/>
-              <a:buSzTx/>
-              <a:buFontTx/>
-              <a:buNone/>
-              <a:tabLst/>
-              <a:defRPr/>
-            </a:pPr>
-            <a:r>
-              <a:rPr kumimoji="0" lang="en-US" sz="1800" b="0" i="0" u="none" strike="noStrike" kern="1200" cap="none" spc="0" normalizeH="0" baseline="0" noProof="0" dirty="0">
-                <a:ln>
-                  <a:noFill/>
-                </a:ln>
-                <a:solidFill>
-                  <a:prstClr val="black"/>
-                </a:solidFill>
-                <a:effectLst/>
-                <a:uLnTx/>
-                <a:uFillTx/>
-                <a:latin typeface="Calibri" panose="020F0502020204030204"/>
-                <a:ea typeface="+mn-ea"/>
-                <a:cs typeface="+mn-cs"/>
-              </a:rPr>
-              <a:t>(Show sensed color)</a:t>
-            </a:r>
-          </a:p>
-        </p:txBody>
-      </p:sp>
-      <p:sp>
-        <p:nvSpPr>
-          <p:cNvPr id="42" name="TextBox 41">
-            <a:extLst>
-              <a:ext uri="{FF2B5EF4-FFF2-40B4-BE49-F238E27FC236}">
-                <a16:creationId xmlns:a16="http://schemas.microsoft.com/office/drawing/2014/main" id="{F3535D9D-6788-4408-BEC5-F86120DA9CAB}"/>
-              </a:ext>
-            </a:extLst>
-          </p:cNvPr>
-          <p:cNvSpPr txBox="1"/>
-          <p:nvPr/>
-        </p:nvSpPr>
-        <p:spPr>
-          <a:xfrm>
-            <a:off x="6402302" y="5277476"/>
-            <a:ext cx="1527401" cy="369332"/>
-          </a:xfrm>
-          <a:prstGeom prst="rect">
-            <a:avLst/>
-          </a:prstGeom>
-          <a:noFill/>
-        </p:spPr>
-        <p:txBody>
-          <a:bodyPr wrap="square" rtlCol="0">
-            <a:spAutoFit/>
-          </a:bodyPr>
-          <a:lstStyle/>
-          <a:p>
-            <a:pPr marL="0" marR="0" lvl="0" indent="0" algn="l" defTabSz="914400" rtl="0" eaLnBrk="1" fontAlgn="auto" latinLnBrk="0" hangingPunct="1">
-              <a:lnSpc>
-                <a:spcPct val="100000"/>
-              </a:lnSpc>
-              <a:spcBef>
-                <a:spcPts val="0"/>
-              </a:spcBef>
-              <a:spcAft>
-                <a:spcPts val="0"/>
-              </a:spcAft>
-              <a:buClrTx/>
-              <a:buSzTx/>
-              <a:buFontTx/>
-              <a:buNone/>
-              <a:tabLst/>
-              <a:defRPr/>
-            </a:pPr>
-            <a:r>
-              <a:rPr kumimoji="0" lang="en-US" sz="1800" b="0" i="0" u="none" strike="noStrike" kern="1200" cap="none" spc="0" normalizeH="0" baseline="0" noProof="0" dirty="0">
-                <a:ln>
-                  <a:noFill/>
-                </a:ln>
-                <a:solidFill>
-                  <a:prstClr val="black"/>
-                </a:solidFill>
-                <a:effectLst/>
-                <a:uLnTx/>
-                <a:uFillTx/>
-                <a:latin typeface="Calibri" panose="020F0502020204030204"/>
-                <a:ea typeface="+mn-ea"/>
-                <a:cs typeface="+mn-cs"/>
-              </a:rPr>
-              <a:t>* </a:t>
-            </a:r>
-            <a:r>
-              <a:rPr kumimoji="0" lang="en-US" sz="1800" b="0" i="0" u="none" strike="noStrike" kern="1200" cap="none" spc="0" normalizeH="0" noProof="0" dirty="0">
-                <a:ln>
-                  <a:noFill/>
-                </a:ln>
-                <a:solidFill>
-                  <a:prstClr val="black"/>
-                </a:solidFill>
-                <a:effectLst/>
-                <a:uLnTx/>
-                <a:uFillTx/>
-                <a:latin typeface="Calibri" panose="020F0502020204030204"/>
-                <a:ea typeface="+mn-ea"/>
-                <a:cs typeface="+mn-cs"/>
-              </a:rPr>
-              <a:t> = </a:t>
-            </a:r>
-            <a:r>
-              <a:rPr kumimoji="0" lang="en-US" sz="1800" b="0" i="0" u="none" strike="noStrike" kern="1200" cap="none" spc="0" normalizeH="0" baseline="0" noProof="0" dirty="0">
-                <a:ln>
-                  <a:noFill/>
-                </a:ln>
-                <a:solidFill>
-                  <a:prstClr val="black"/>
-                </a:solidFill>
-                <a:effectLst/>
-                <a:uLnTx/>
-                <a:uFillTx/>
-                <a:latin typeface="Calibri" panose="020F0502020204030204"/>
-                <a:ea typeface="+mn-ea"/>
-                <a:cs typeface="+mn-cs"/>
-              </a:rPr>
-              <a:t>OK </a:t>
-            </a:r>
-          </a:p>
-        </p:txBody>
-      </p:sp>
-    </p:spTree>
-    <p:extLst>
-      <p:ext uri="{BB962C8B-B14F-4D97-AF65-F5344CB8AC3E}">
-        <p14:creationId xmlns:p14="http://schemas.microsoft.com/office/powerpoint/2010/main" val="1059602762"/>
-      </p:ext>
-    </p:extLst>
-  </p:cSld>
-  <p:clrMapOvr>
-    <a:masterClrMapping/>
-  </p:clrMapOvr>
-  <p:timing>
-    <p:tnLst>
-      <p:par>
-        <p:cTn id="1" dur="indefinite" restart="never" nodeType="tmRoot">
-          <p:childTnLst>
-            <p:seq concurrent="1" nextAc="seek">
-              <p:cTn id="2" dur="indefinite" nodeType="mainSeq">
-                <p:childTnLst>
-                  <p:par>
-                    <p:cTn id="3" fill="hold">
-                      <p:stCondLst>
-                        <p:cond delay="indefinite"/>
-                      </p:stCondLst>
-                      <p:childTnLst>
-                        <p:par>
-                          <p:cTn id="4" fill="hold">
-                            <p:stCondLst>
-                              <p:cond delay="0"/>
-                            </p:stCondLst>
-                            <p:childTnLst>
-                              <p:par>
-                                <p:cTn id="5" presetID="10" presetClass="entr" presetSubtype="0" fill="hold" nodeType="clickEffect">
-                                  <p:stCondLst>
-                                    <p:cond delay="0"/>
-                                  </p:stCondLst>
-                                  <p:childTnLst>
-                                    <p:set>
-                                      <p:cBhvr>
-                                        <p:cTn id="6" dur="1" fill="hold">
-                                          <p:stCondLst>
-                                            <p:cond delay="0"/>
-                                          </p:stCondLst>
-                                        </p:cTn>
-                                        <p:tgtEl>
-                                          <p:spTgt spid="21"/>
-                                        </p:tgtEl>
-                                        <p:attrNameLst>
-                                          <p:attrName>style.visibility</p:attrName>
-                                        </p:attrNameLst>
-                                      </p:cBhvr>
-                                      <p:to>
-                                        <p:strVal val="visible"/>
-                                      </p:to>
-                                    </p:set>
-                                    <p:animEffect transition="in" filter="fade">
-                                      <p:cBhvr>
-                                        <p:cTn id="7" dur="500"/>
-                                        <p:tgtEl>
-                                          <p:spTgt spid="21"/>
-                                        </p:tgtEl>
-                                      </p:cBhvr>
-                                    </p:animEffect>
-                                  </p:childTnLst>
-                                </p:cTn>
-                              </p:par>
-                              <p:par>
-                                <p:cTn id="8" presetID="10" presetClass="entr" presetSubtype="0" fill="hold" grpId="0" nodeType="withEffect">
-                                  <p:stCondLst>
-                                    <p:cond delay="0"/>
-                                  </p:stCondLst>
-                                  <p:childTnLst>
-                                    <p:set>
-                                      <p:cBhvr>
-                                        <p:cTn id="9" dur="1" fill="hold">
-                                          <p:stCondLst>
-                                            <p:cond delay="0"/>
-                                          </p:stCondLst>
-                                        </p:cTn>
-                                        <p:tgtEl>
-                                          <p:spTgt spid="36"/>
-                                        </p:tgtEl>
-                                        <p:attrNameLst>
-                                          <p:attrName>style.visibility</p:attrName>
-                                        </p:attrNameLst>
-                                      </p:cBhvr>
-                                      <p:to>
-                                        <p:strVal val="visible"/>
-                                      </p:to>
-                                    </p:set>
-                                    <p:animEffect transition="in" filter="fade">
-                                      <p:cBhvr>
-                                        <p:cTn id="10" dur="500"/>
-                                        <p:tgtEl>
-                                          <p:spTgt spid="36"/>
-                                        </p:tgtEl>
-                                      </p:cBhvr>
-                                    </p:animEffect>
-                                  </p:childTnLst>
-                                </p:cTn>
-                              </p:par>
-                              <p:par>
-                                <p:cTn id="11" presetID="10" presetClass="entr" presetSubtype="0" fill="hold" nodeType="withEffect">
-                                  <p:stCondLst>
-                                    <p:cond delay="0"/>
-                                  </p:stCondLst>
-                                  <p:childTnLst>
-                                    <p:set>
-                                      <p:cBhvr>
-                                        <p:cTn id="12" dur="1" fill="hold">
-                                          <p:stCondLst>
-                                            <p:cond delay="0"/>
-                                          </p:stCondLst>
-                                        </p:cTn>
-                                        <p:tgtEl>
-                                          <p:spTgt spid="7"/>
-                                        </p:tgtEl>
-                                        <p:attrNameLst>
-                                          <p:attrName>style.visibility</p:attrName>
-                                        </p:attrNameLst>
-                                      </p:cBhvr>
-                                      <p:to>
-                                        <p:strVal val="visible"/>
-                                      </p:to>
-                                    </p:set>
-                                    <p:animEffect transition="in" filter="fade">
-                                      <p:cBhvr>
-                                        <p:cTn id="13" dur="500"/>
-                                        <p:tgtEl>
-                                          <p:spTgt spid="7"/>
-                                        </p:tgtEl>
-                                      </p:cBhvr>
-                                    </p:animEffect>
-                                  </p:childTnLst>
-                                </p:cTn>
-                              </p:par>
-                            </p:childTnLst>
-                          </p:cTn>
-                        </p:par>
-                      </p:childTnLst>
-                    </p:cTn>
-                  </p:par>
-                  <p:par>
-                    <p:cTn id="14" fill="hold">
-                      <p:stCondLst>
-                        <p:cond delay="indefinite"/>
-                      </p:stCondLst>
-                      <p:childTnLst>
-                        <p:par>
-                          <p:cTn id="15" fill="hold">
-                            <p:stCondLst>
-                              <p:cond delay="0"/>
-                            </p:stCondLst>
-                            <p:childTnLst>
-                              <p:par>
-                                <p:cTn id="16" presetID="10" presetClass="entr" presetSubtype="0" fill="hold" grpId="0" nodeType="clickEffect">
-                                  <p:stCondLst>
-                                    <p:cond delay="0"/>
-                                  </p:stCondLst>
-                                  <p:childTnLst>
-                                    <p:set>
-                                      <p:cBhvr>
-                                        <p:cTn id="17" dur="1" fill="hold">
-                                          <p:stCondLst>
-                                            <p:cond delay="0"/>
-                                          </p:stCondLst>
-                                        </p:cTn>
-                                        <p:tgtEl>
-                                          <p:spTgt spid="38"/>
-                                        </p:tgtEl>
-                                        <p:attrNameLst>
-                                          <p:attrName>style.visibility</p:attrName>
-                                        </p:attrNameLst>
-                                      </p:cBhvr>
-                                      <p:to>
-                                        <p:strVal val="visible"/>
-                                      </p:to>
-                                    </p:set>
-                                    <p:animEffect transition="in" filter="fade">
-                                      <p:cBhvr>
-                                        <p:cTn id="18" dur="500"/>
-                                        <p:tgtEl>
-                                          <p:spTgt spid="38"/>
-                                        </p:tgtEl>
-                                      </p:cBhvr>
-                                    </p:animEffect>
-                                  </p:childTnLst>
-                                </p:cTn>
-                              </p:par>
-                              <p:par>
-                                <p:cTn id="19" presetID="10" presetClass="entr" presetSubtype="0" fill="hold" nodeType="withEffect">
-                                  <p:stCondLst>
-                                    <p:cond delay="0"/>
-                                  </p:stCondLst>
-                                  <p:childTnLst>
-                                    <p:set>
-                                      <p:cBhvr>
-                                        <p:cTn id="20" dur="1" fill="hold">
-                                          <p:stCondLst>
-                                            <p:cond delay="0"/>
-                                          </p:stCondLst>
-                                        </p:cTn>
-                                        <p:tgtEl>
-                                          <p:spTgt spid="23"/>
-                                        </p:tgtEl>
-                                        <p:attrNameLst>
-                                          <p:attrName>style.visibility</p:attrName>
-                                        </p:attrNameLst>
-                                      </p:cBhvr>
-                                      <p:to>
-                                        <p:strVal val="visible"/>
-                                      </p:to>
-                                    </p:set>
-                                    <p:animEffect transition="in" filter="fade">
-                                      <p:cBhvr>
-                                        <p:cTn id="21" dur="500"/>
-                                        <p:tgtEl>
-                                          <p:spTgt spid="23"/>
-                                        </p:tgtEl>
-                                      </p:cBhvr>
-                                    </p:animEffect>
-                                  </p:childTnLst>
-                                </p:cTn>
-                              </p:par>
-                              <p:par>
-                                <p:cTn id="22" presetID="10" presetClass="entr" presetSubtype="0" fill="hold" nodeType="withEffect">
-                                  <p:stCondLst>
-                                    <p:cond delay="0"/>
-                                  </p:stCondLst>
-                                  <p:childTnLst>
-                                    <p:set>
-                                      <p:cBhvr>
-                                        <p:cTn id="23" dur="1" fill="hold">
-                                          <p:stCondLst>
-                                            <p:cond delay="0"/>
-                                          </p:stCondLst>
-                                        </p:cTn>
-                                        <p:tgtEl>
-                                          <p:spTgt spid="9"/>
-                                        </p:tgtEl>
-                                        <p:attrNameLst>
-                                          <p:attrName>style.visibility</p:attrName>
-                                        </p:attrNameLst>
-                                      </p:cBhvr>
-                                      <p:to>
-                                        <p:strVal val="visible"/>
-                                      </p:to>
-                                    </p:set>
-                                    <p:animEffect transition="in" filter="fade">
-                                      <p:cBhvr>
-                                        <p:cTn id="24" dur="500"/>
-                                        <p:tgtEl>
-                                          <p:spTgt spid="9"/>
-                                        </p:tgtEl>
-                                      </p:cBhvr>
-                                    </p:animEffect>
-                                  </p:childTnLst>
-                                </p:cTn>
-                              </p:par>
-                            </p:childTnLst>
-                          </p:cTn>
-                        </p:par>
-                      </p:childTnLst>
-                    </p:cTn>
-                  </p:par>
-                  <p:par>
-                    <p:cTn id="25" fill="hold">
-                      <p:stCondLst>
-                        <p:cond delay="indefinite"/>
-                      </p:stCondLst>
-                      <p:childTnLst>
-                        <p:par>
-                          <p:cTn id="26" fill="hold">
-                            <p:stCondLst>
-                              <p:cond delay="0"/>
-                            </p:stCondLst>
-                            <p:childTnLst>
-                              <p:par>
-                                <p:cTn id="27" presetID="10" presetClass="entr" presetSubtype="0" fill="hold" grpId="0" nodeType="clickEffect">
-                                  <p:stCondLst>
-                                    <p:cond delay="0"/>
-                                  </p:stCondLst>
-                                  <p:childTnLst>
-                                    <p:set>
-                                      <p:cBhvr>
-                                        <p:cTn id="28" dur="1" fill="hold">
-                                          <p:stCondLst>
-                                            <p:cond delay="0"/>
-                                          </p:stCondLst>
-                                        </p:cTn>
-                                        <p:tgtEl>
-                                          <p:spTgt spid="39"/>
-                                        </p:tgtEl>
-                                        <p:attrNameLst>
-                                          <p:attrName>style.visibility</p:attrName>
-                                        </p:attrNameLst>
-                                      </p:cBhvr>
-                                      <p:to>
-                                        <p:strVal val="visible"/>
-                                      </p:to>
-                                    </p:set>
-                                    <p:animEffect transition="in" filter="fade">
-                                      <p:cBhvr>
-                                        <p:cTn id="29" dur="500"/>
-                                        <p:tgtEl>
-                                          <p:spTgt spid="39"/>
-                                        </p:tgtEl>
-                                      </p:cBhvr>
-                                    </p:animEffect>
-                                  </p:childTnLst>
-                                </p:cTn>
-                              </p:par>
-                              <p:par>
-                                <p:cTn id="30" presetID="10" presetClass="entr" presetSubtype="0" fill="hold" nodeType="withEffect">
-                                  <p:stCondLst>
-                                    <p:cond delay="0"/>
-                                  </p:stCondLst>
-                                  <p:childTnLst>
-                                    <p:set>
-                                      <p:cBhvr>
-                                        <p:cTn id="31" dur="1" fill="hold">
-                                          <p:stCondLst>
-                                            <p:cond delay="0"/>
-                                          </p:stCondLst>
-                                        </p:cTn>
-                                        <p:tgtEl>
-                                          <p:spTgt spid="24"/>
-                                        </p:tgtEl>
-                                        <p:attrNameLst>
-                                          <p:attrName>style.visibility</p:attrName>
-                                        </p:attrNameLst>
-                                      </p:cBhvr>
-                                      <p:to>
-                                        <p:strVal val="visible"/>
-                                      </p:to>
-                                    </p:set>
-                                    <p:animEffect transition="in" filter="fade">
-                                      <p:cBhvr>
-                                        <p:cTn id="32" dur="500"/>
-                                        <p:tgtEl>
-                                          <p:spTgt spid="24"/>
-                                        </p:tgtEl>
-                                      </p:cBhvr>
-                                    </p:animEffect>
-                                  </p:childTnLst>
-                                </p:cTn>
-                              </p:par>
-                              <p:par>
-                                <p:cTn id="33" presetID="10" presetClass="entr" presetSubtype="0" fill="hold" nodeType="withEffect">
-                                  <p:stCondLst>
-                                    <p:cond delay="0"/>
-                                  </p:stCondLst>
-                                  <p:childTnLst>
-                                    <p:set>
-                                      <p:cBhvr>
-                                        <p:cTn id="34" dur="1" fill="hold">
-                                          <p:stCondLst>
-                                            <p:cond delay="0"/>
-                                          </p:stCondLst>
-                                        </p:cTn>
-                                        <p:tgtEl>
-                                          <p:spTgt spid="11"/>
-                                        </p:tgtEl>
-                                        <p:attrNameLst>
-                                          <p:attrName>style.visibility</p:attrName>
-                                        </p:attrNameLst>
-                                      </p:cBhvr>
-                                      <p:to>
-                                        <p:strVal val="visible"/>
-                                      </p:to>
-                                    </p:set>
-                                    <p:animEffect transition="in" filter="fade">
-                                      <p:cBhvr>
-                                        <p:cTn id="35" dur="500"/>
-                                        <p:tgtEl>
-                                          <p:spTgt spid="11"/>
-                                        </p:tgtEl>
-                                      </p:cBhvr>
-                                    </p:animEffect>
-                                  </p:childTnLst>
-                                </p:cTn>
-                              </p:par>
-                            </p:childTnLst>
-                          </p:cTn>
-                        </p:par>
-                      </p:childTnLst>
-                    </p:cTn>
-                  </p:par>
-                  <p:par>
-                    <p:cTn id="36" fill="hold">
-                      <p:stCondLst>
-                        <p:cond delay="indefinite"/>
-                      </p:stCondLst>
-                      <p:childTnLst>
-                        <p:par>
-                          <p:cTn id="37" fill="hold">
-                            <p:stCondLst>
-                              <p:cond delay="0"/>
-                            </p:stCondLst>
-                            <p:childTnLst>
-                              <p:par>
-                                <p:cTn id="38" presetID="10" presetClass="entr" presetSubtype="0" fill="hold" nodeType="clickEffect">
-                                  <p:stCondLst>
-                                    <p:cond delay="0"/>
-                                  </p:stCondLst>
-                                  <p:childTnLst>
-                                    <p:set>
-                                      <p:cBhvr>
-                                        <p:cTn id="39" dur="1" fill="hold">
-                                          <p:stCondLst>
-                                            <p:cond delay="0"/>
-                                          </p:stCondLst>
-                                        </p:cTn>
-                                        <p:tgtEl>
-                                          <p:spTgt spid="33"/>
-                                        </p:tgtEl>
-                                        <p:attrNameLst>
-                                          <p:attrName>style.visibility</p:attrName>
-                                        </p:attrNameLst>
-                                      </p:cBhvr>
-                                      <p:to>
-                                        <p:strVal val="visible"/>
-                                      </p:to>
-                                    </p:set>
-                                    <p:animEffect transition="in" filter="fade">
-                                      <p:cBhvr>
-                                        <p:cTn id="40" dur="500"/>
-                                        <p:tgtEl>
-                                          <p:spTgt spid="33"/>
-                                        </p:tgtEl>
-                                      </p:cBhvr>
-                                    </p:animEffect>
-                                  </p:childTnLst>
-                                </p:cTn>
-                              </p:par>
-                              <p:par>
-                                <p:cTn id="41" presetID="10" presetClass="entr" presetSubtype="0" fill="hold" grpId="0" nodeType="withEffect">
-                                  <p:stCondLst>
-                                    <p:cond delay="0"/>
-                                  </p:stCondLst>
-                                  <p:childTnLst>
-                                    <p:set>
-                                      <p:cBhvr>
-                                        <p:cTn id="42" dur="1" fill="hold">
-                                          <p:stCondLst>
-                                            <p:cond delay="0"/>
-                                          </p:stCondLst>
-                                        </p:cTn>
-                                        <p:tgtEl>
-                                          <p:spTgt spid="40"/>
-                                        </p:tgtEl>
-                                        <p:attrNameLst>
-                                          <p:attrName>style.visibility</p:attrName>
-                                        </p:attrNameLst>
-                                      </p:cBhvr>
-                                      <p:to>
-                                        <p:strVal val="visible"/>
-                                      </p:to>
-                                    </p:set>
-                                    <p:animEffect transition="in" filter="fade">
-                                      <p:cBhvr>
-                                        <p:cTn id="43" dur="500"/>
-                                        <p:tgtEl>
-                                          <p:spTgt spid="40"/>
-                                        </p:tgtEl>
-                                      </p:cBhvr>
-                                    </p:animEffect>
-                                  </p:childTnLst>
-                                </p:cTn>
-                              </p:par>
-                              <p:par>
-                                <p:cTn id="44" presetID="10" presetClass="entr" presetSubtype="0" fill="hold" nodeType="withEffect">
-                                  <p:stCondLst>
-                                    <p:cond delay="0"/>
-                                  </p:stCondLst>
-                                  <p:childTnLst>
-                                    <p:set>
-                                      <p:cBhvr>
-                                        <p:cTn id="45" dur="1" fill="hold">
-                                          <p:stCondLst>
-                                            <p:cond delay="0"/>
-                                          </p:stCondLst>
-                                        </p:cTn>
-                                        <p:tgtEl>
-                                          <p:spTgt spid="13"/>
-                                        </p:tgtEl>
-                                        <p:attrNameLst>
-                                          <p:attrName>style.visibility</p:attrName>
-                                        </p:attrNameLst>
-                                      </p:cBhvr>
-                                      <p:to>
-                                        <p:strVal val="visible"/>
-                                      </p:to>
-                                    </p:set>
-                                    <p:animEffect transition="in" filter="fade">
-                                      <p:cBhvr>
-                                        <p:cTn id="46" dur="500"/>
-                                        <p:tgtEl>
-                                          <p:spTgt spid="13"/>
-                                        </p:tgtEl>
-                                      </p:cBhvr>
-                                    </p:animEffect>
-                                  </p:childTnLst>
-                                </p:cTn>
-                              </p:par>
-                            </p:childTnLst>
-                          </p:cTn>
-                        </p:par>
-                      </p:childTnLst>
-                    </p:cTn>
-                  </p:par>
-                  <p:par>
-                    <p:cTn id="47" fill="hold">
-                      <p:stCondLst>
-                        <p:cond delay="indefinite"/>
-                      </p:stCondLst>
-                      <p:childTnLst>
-                        <p:par>
-                          <p:cTn id="48" fill="hold">
-                            <p:stCondLst>
-                              <p:cond delay="0"/>
-                            </p:stCondLst>
-                            <p:childTnLst>
-                              <p:par>
-                                <p:cTn id="49" presetID="10" presetClass="entr" presetSubtype="0" fill="hold" grpId="0" nodeType="clickEffect">
-                                  <p:stCondLst>
-                                    <p:cond delay="0"/>
-                                  </p:stCondLst>
-                                  <p:childTnLst>
-                                    <p:set>
-                                      <p:cBhvr>
-                                        <p:cTn id="50" dur="1" fill="hold">
-                                          <p:stCondLst>
-                                            <p:cond delay="0"/>
-                                          </p:stCondLst>
-                                        </p:cTn>
-                                        <p:tgtEl>
-                                          <p:spTgt spid="37"/>
-                                        </p:tgtEl>
-                                        <p:attrNameLst>
-                                          <p:attrName>style.visibility</p:attrName>
-                                        </p:attrNameLst>
-                                      </p:cBhvr>
-                                      <p:to>
-                                        <p:strVal val="visible"/>
-                                      </p:to>
-                                    </p:set>
-                                    <p:animEffect transition="in" filter="fade">
-                                      <p:cBhvr>
-                                        <p:cTn id="51" dur="500"/>
-                                        <p:tgtEl>
-                                          <p:spTgt spid="37"/>
-                                        </p:tgtEl>
-                                      </p:cBhvr>
-                                    </p:animEffect>
-                                  </p:childTnLst>
-                                </p:cTn>
-                              </p:par>
-                              <p:par>
-                                <p:cTn id="52" presetID="10" presetClass="entr" presetSubtype="0" fill="hold" nodeType="withEffect">
-                                  <p:stCondLst>
-                                    <p:cond delay="0"/>
-                                  </p:stCondLst>
-                                  <p:childTnLst>
-                                    <p:set>
-                                      <p:cBhvr>
-                                        <p:cTn id="53" dur="1" fill="hold">
-                                          <p:stCondLst>
-                                            <p:cond delay="0"/>
-                                          </p:stCondLst>
-                                        </p:cTn>
-                                        <p:tgtEl>
-                                          <p:spTgt spid="30"/>
-                                        </p:tgtEl>
-                                        <p:attrNameLst>
-                                          <p:attrName>style.visibility</p:attrName>
-                                        </p:attrNameLst>
-                                      </p:cBhvr>
-                                      <p:to>
-                                        <p:strVal val="visible"/>
-                                      </p:to>
-                                    </p:set>
-                                    <p:animEffect transition="in" filter="fade">
-                                      <p:cBhvr>
-                                        <p:cTn id="54" dur="500"/>
-                                        <p:tgtEl>
-                                          <p:spTgt spid="30"/>
-                                        </p:tgtEl>
-                                      </p:cBhvr>
-                                    </p:animEffect>
-                                  </p:childTnLst>
-                                </p:cTn>
-                              </p:par>
-                              <p:par>
-                                <p:cTn id="55" presetID="10" presetClass="entr" presetSubtype="0" fill="hold" nodeType="withEffect">
-                                  <p:stCondLst>
-                                    <p:cond delay="0"/>
-                                  </p:stCondLst>
-                                  <p:childTnLst>
-                                    <p:set>
-                                      <p:cBhvr>
-                                        <p:cTn id="56" dur="1" fill="hold">
-                                          <p:stCondLst>
-                                            <p:cond delay="0"/>
-                                          </p:stCondLst>
-                                        </p:cTn>
-                                        <p:tgtEl>
-                                          <p:spTgt spid="15"/>
-                                        </p:tgtEl>
-                                        <p:attrNameLst>
-                                          <p:attrName>style.visibility</p:attrName>
-                                        </p:attrNameLst>
-                                      </p:cBhvr>
-                                      <p:to>
-                                        <p:strVal val="visible"/>
-                                      </p:to>
-                                    </p:set>
-                                    <p:animEffect transition="in" filter="fade">
-                                      <p:cBhvr>
-                                        <p:cTn id="57" dur="500"/>
-                                        <p:tgtEl>
-                                          <p:spTgt spid="15"/>
-                                        </p:tgtEl>
-                                      </p:cBhvr>
-                                    </p:animEffect>
-                                  </p:childTnLst>
-                                </p:cTn>
-                              </p:par>
-                            </p:childTnLst>
-                          </p:cTn>
-                        </p:par>
-                      </p:childTnLst>
-                    </p:cTn>
-                  </p:par>
-                  <p:par>
-                    <p:cTn id="58" fill="hold">
-                      <p:stCondLst>
-                        <p:cond delay="indefinite"/>
-                      </p:stCondLst>
-                      <p:childTnLst>
-                        <p:par>
-                          <p:cTn id="59" fill="hold">
-                            <p:stCondLst>
-                              <p:cond delay="0"/>
-                            </p:stCondLst>
-                            <p:childTnLst>
-                              <p:par>
-                                <p:cTn id="60" presetID="10" presetClass="entr" presetSubtype="0" fill="hold" grpId="0" nodeType="clickEffect">
-                                  <p:stCondLst>
-                                    <p:cond delay="0"/>
-                                  </p:stCondLst>
-                                  <p:childTnLst>
-                                    <p:set>
-                                      <p:cBhvr>
-                                        <p:cTn id="61" dur="1" fill="hold">
-                                          <p:stCondLst>
-                                            <p:cond delay="0"/>
-                                          </p:stCondLst>
-                                        </p:cTn>
-                                        <p:tgtEl>
-                                          <p:spTgt spid="42"/>
-                                        </p:tgtEl>
-                                        <p:attrNameLst>
-                                          <p:attrName>style.visibility</p:attrName>
-                                        </p:attrNameLst>
-                                      </p:cBhvr>
-                                      <p:to>
-                                        <p:strVal val="visible"/>
-                                      </p:to>
-                                    </p:set>
-                                    <p:animEffect transition="in" filter="fade">
-                                      <p:cBhvr>
-                                        <p:cTn id="62" dur="500"/>
-                                        <p:tgtEl>
-                                          <p:spTgt spid="42"/>
-                                        </p:tgtEl>
-                                      </p:cBhvr>
-                                    </p:animEffect>
-                                  </p:childTnLst>
-                                </p:cTn>
-                              </p:par>
-                              <p:par>
-                                <p:cTn id="63" presetID="10" presetClass="entr" presetSubtype="0" fill="hold" nodeType="withEffect">
-                                  <p:stCondLst>
-                                    <p:cond delay="0"/>
-                                  </p:stCondLst>
-                                  <p:childTnLst>
-                                    <p:set>
-                                      <p:cBhvr>
-                                        <p:cTn id="64" dur="1" fill="hold">
-                                          <p:stCondLst>
-                                            <p:cond delay="0"/>
-                                          </p:stCondLst>
-                                        </p:cTn>
-                                        <p:tgtEl>
-                                          <p:spTgt spid="29"/>
-                                        </p:tgtEl>
-                                        <p:attrNameLst>
-                                          <p:attrName>style.visibility</p:attrName>
-                                        </p:attrNameLst>
-                                      </p:cBhvr>
-                                      <p:to>
-                                        <p:strVal val="visible"/>
-                                      </p:to>
-                                    </p:set>
-                                    <p:animEffect transition="in" filter="fade">
-                                      <p:cBhvr>
-                                        <p:cTn id="65" dur="500"/>
-                                        <p:tgtEl>
-                                          <p:spTgt spid="29"/>
-                                        </p:tgtEl>
-                                      </p:cBhvr>
-                                    </p:animEffect>
-                                  </p:childTnLst>
-                                </p:cTn>
-                              </p:par>
-                              <p:par>
-                                <p:cTn id="66" presetID="10" presetClass="entr" presetSubtype="0" fill="hold" nodeType="withEffect">
-                                  <p:stCondLst>
-                                    <p:cond delay="0"/>
-                                  </p:stCondLst>
-                                  <p:childTnLst>
-                                    <p:set>
-                                      <p:cBhvr>
-                                        <p:cTn id="67" dur="1" fill="hold">
-                                          <p:stCondLst>
-                                            <p:cond delay="0"/>
-                                          </p:stCondLst>
-                                        </p:cTn>
-                                        <p:tgtEl>
-                                          <p:spTgt spid="17"/>
-                                        </p:tgtEl>
-                                        <p:attrNameLst>
-                                          <p:attrName>style.visibility</p:attrName>
-                                        </p:attrNameLst>
-                                      </p:cBhvr>
-                                      <p:to>
-                                        <p:strVal val="visible"/>
-                                      </p:to>
-                                    </p:set>
-                                    <p:animEffect transition="in" filter="fade">
-                                      <p:cBhvr>
-                                        <p:cTn id="68" dur="500"/>
-                                        <p:tgtEl>
-                                          <p:spTgt spid="17"/>
-                                        </p:tgtEl>
-                                      </p:cBhvr>
-                                    </p:animEffect>
-                                  </p:childTnLst>
-                                </p:cTn>
-                              </p:par>
-                            </p:childTnLst>
-                          </p:cTn>
-                        </p:par>
-                      </p:childTnLst>
-                    </p:cTn>
-                  </p:par>
-                  <p:par>
-                    <p:cTn id="69" fill="hold">
-                      <p:stCondLst>
-                        <p:cond delay="indefinite"/>
-                      </p:stCondLst>
-                      <p:childTnLst>
-                        <p:par>
-                          <p:cTn id="70" fill="hold">
-                            <p:stCondLst>
-                              <p:cond delay="0"/>
-                            </p:stCondLst>
-                            <p:childTnLst>
-                              <p:par>
-                                <p:cTn id="71" presetID="10" presetClass="entr" presetSubtype="0" fill="hold" grpId="0" nodeType="clickEffect">
-                                  <p:stCondLst>
-                                    <p:cond delay="0"/>
-                                  </p:stCondLst>
-                                  <p:childTnLst>
-                                    <p:set>
-                                      <p:cBhvr>
-                                        <p:cTn id="72" dur="1" fill="hold">
-                                          <p:stCondLst>
-                                            <p:cond delay="0"/>
-                                          </p:stCondLst>
-                                        </p:cTn>
-                                        <p:tgtEl>
-                                          <p:spTgt spid="41"/>
-                                        </p:tgtEl>
-                                        <p:attrNameLst>
-                                          <p:attrName>style.visibility</p:attrName>
-                                        </p:attrNameLst>
-                                      </p:cBhvr>
-                                      <p:to>
-                                        <p:strVal val="visible"/>
-                                      </p:to>
-                                    </p:set>
-                                    <p:animEffect transition="in" filter="fade">
-                                      <p:cBhvr>
-                                        <p:cTn id="73" dur="500"/>
-                                        <p:tgtEl>
-                                          <p:spTgt spid="41"/>
-                                        </p:tgtEl>
-                                      </p:cBhvr>
-                                    </p:animEffect>
-                                  </p:childTnLst>
-                                </p:cTn>
-                              </p:par>
-                              <p:par>
-                                <p:cTn id="74" presetID="10" presetClass="entr" presetSubtype="0" fill="hold" nodeType="withEffect">
-                                  <p:stCondLst>
-                                    <p:cond delay="0"/>
-                                  </p:stCondLst>
-                                  <p:childTnLst>
-                                    <p:set>
-                                      <p:cBhvr>
-                                        <p:cTn id="75" dur="1" fill="hold">
-                                          <p:stCondLst>
-                                            <p:cond delay="0"/>
-                                          </p:stCondLst>
-                                        </p:cTn>
-                                        <p:tgtEl>
-                                          <p:spTgt spid="19"/>
-                                        </p:tgtEl>
-                                        <p:attrNameLst>
-                                          <p:attrName>style.visibility</p:attrName>
-                                        </p:attrNameLst>
-                                      </p:cBhvr>
-                                      <p:to>
-                                        <p:strVal val="visible"/>
-                                      </p:to>
-                                    </p:set>
-                                    <p:animEffect transition="in" filter="fade">
-                                      <p:cBhvr>
-                                        <p:cTn id="76" dur="500"/>
-                                        <p:tgtEl>
-                                          <p:spTgt spid="19"/>
-                                        </p:tgtEl>
-                                      </p:cBhvr>
-                                    </p:animEffect>
-                                  </p:childTnLst>
-                                </p:cTn>
-                              </p:par>
-                              <p:par>
-                                <p:cTn id="77" presetID="10" presetClass="entr" presetSubtype="0" fill="hold" nodeType="withEffect">
-                                  <p:stCondLst>
-                                    <p:cond delay="0"/>
-                                  </p:stCondLst>
-                                  <p:childTnLst>
-                                    <p:set>
-                                      <p:cBhvr>
-                                        <p:cTn id="78" dur="1" fill="hold">
-                                          <p:stCondLst>
-                                            <p:cond delay="0"/>
-                                          </p:stCondLst>
-                                        </p:cTn>
-                                        <p:tgtEl>
-                                          <p:spTgt spid="35"/>
-                                        </p:tgtEl>
-                                        <p:attrNameLst>
-                                          <p:attrName>style.visibility</p:attrName>
-                                        </p:attrNameLst>
-                                      </p:cBhvr>
-                                      <p:to>
-                                        <p:strVal val="visible"/>
-                                      </p:to>
-                                    </p:set>
-                                    <p:animEffect transition="in" filter="fade">
-                                      <p:cBhvr>
-                                        <p:cTn id="79" dur="500"/>
-                                        <p:tgtEl>
-                                          <p:spTgt spid="35"/>
-                                        </p:tgtEl>
-                                      </p:cBhvr>
-                                    </p:animEffect>
-                                  </p:childTnLst>
-                                </p:cTn>
-                              </p:par>
-                            </p:childTnLst>
-                          </p:cTn>
-                        </p:par>
-                      </p:childTnLst>
-                    </p:cTn>
-                  </p:par>
-                </p:childTnLst>
-              </p:cTn>
-              <p:prevCondLst>
-                <p:cond evt="onPrev" delay="0">
-                  <p:tgtEl>
-                    <p:sldTgt/>
-                  </p:tgtEl>
-                </p:cond>
-              </p:prevCondLst>
-              <p:nextCondLst>
-                <p:cond evt="onNext" delay="0">
-                  <p:tgtEl>
-                    <p:sldTgt/>
-                  </p:tgtEl>
-                </p:cond>
-              </p:nextCondLst>
-            </p:seq>
-          </p:childTnLst>
-        </p:cTn>
-      </p:par>
-    </p:tnLst>
-    <p:bldLst>
-      <p:bldP spid="36" grpId="0"/>
-      <p:bldP spid="37" grpId="0"/>
-      <p:bldP spid="38" grpId="0"/>
-      <p:bldP spid="39" grpId="0"/>
-      <p:bldP spid="40" grpId="0"/>
-      <p:bldP spid="41" grpId="0"/>
-      <p:bldP spid="42" grpId="0"/>
-    </p:bldLst>
-  </p:timing>
 </p:sld>
 </file>
 
@@ -18306,6 +20079,21 @@
 </file>
 
 <file path=customXml/item1.xml><?xml version="1.0" encoding="utf-8"?>
+<p:properties xmlns:p="http://schemas.microsoft.com/office/2006/metadata/properties" xmlns:xsi="http://www.w3.org/2001/XMLSchema-instance" xmlns:pc="http://schemas.microsoft.com/office/infopath/2007/PartnerControls">
+  <documentManagement/>
+</p:properties>
+</file>
+
+<file path=customXml/item2.xml><?xml version="1.0" encoding="utf-8"?>
+<?mso-contentType ?>
+<FormTemplates xmlns="http://schemas.microsoft.com/sharepoint/v3/contenttype/forms">
+  <Display>DocumentLibraryForm</Display>
+  <Edit>DocumentLibraryForm</Edit>
+  <New>DocumentLibraryForm</New>
+</FormTemplates>
+</file>
+
+<file path=customXml/item3.xml><?xml version="1.0" encoding="utf-8"?>
 <ct:contentTypeSchema xmlns:ct="http://schemas.microsoft.com/office/2006/metadata/contentType" xmlns:ma="http://schemas.microsoft.com/office/2006/metadata/properties/metaAttributes" ct:_="" ma:_="" ma:contentTypeName="Document" ma:contentTypeID="0x0101009A0FE34F0512CD40BC5915D0A89C4B4C" ma:contentTypeVersion="4" ma:contentTypeDescription="Create a new document." ma:contentTypeScope="" ma:versionID="24bd849974cc479fc62b5988dbe1da5d">
   <xsd:schema xmlns:xsd="http://www.w3.org/2001/XMLSchema" xmlns:xs="http://www.w3.org/2001/XMLSchema" xmlns:p="http://schemas.microsoft.com/office/2006/metadata/properties" xmlns:ns3="7b7ceded-031f-4612-9335-32c001c9a66f" targetNamespace="http://schemas.microsoft.com/office/2006/metadata/properties" ma:root="true" ma:fieldsID="329d52fc912f59b16e72eef9ba8da477" ns3:_="">
     <xsd:import namespace="7b7ceded-031f-4612-9335-32c001c9a66f"/>
@@ -18451,22 +20239,31 @@
 </ct:contentTypeSchema>
 </file>
 
-<file path=customXml/item2.xml><?xml version="1.0" encoding="utf-8"?>
-<?mso-contentType ?>
-<FormTemplates xmlns="http://schemas.microsoft.com/sharepoint/v3/contenttype/forms">
-  <Display>DocumentLibraryForm</Display>
-  <Edit>DocumentLibraryForm</Edit>
-  <New>DocumentLibraryForm</New>
-</FormTemplates>
+<file path=customXml/itemProps1.xml><?xml version="1.0" encoding="utf-8"?>
+<ds:datastoreItem xmlns:ds="http://schemas.openxmlformats.org/officeDocument/2006/customXml" ds:itemID="{146FA570-1DDA-4775-88C2-41C26C9CF807}">
+  <ds:schemaRefs>
+    <ds:schemaRef ds:uri="http://schemas.microsoft.com/office/2006/documentManagement/types"/>
+    <ds:schemaRef ds:uri="http://www.w3.org/XML/1998/namespace"/>
+    <ds:schemaRef ds:uri="http://purl.org/dc/elements/1.1/"/>
+    <ds:schemaRef ds:uri="http://schemas.microsoft.com/office/infopath/2007/PartnerControls"/>
+    <ds:schemaRef ds:uri="http://schemas.microsoft.com/office/2006/metadata/properties"/>
+    <ds:schemaRef ds:uri="http://purl.org/dc/dcmitype/"/>
+    <ds:schemaRef ds:uri="http://purl.org/dc/terms/"/>
+    <ds:schemaRef ds:uri="http://schemas.openxmlformats.org/package/2006/metadata/core-properties"/>
+    <ds:schemaRef ds:uri="7b7ceded-031f-4612-9335-32c001c9a66f"/>
+  </ds:schemaRefs>
+</ds:datastoreItem>
 </file>
 
-<file path=customXml/item3.xml><?xml version="1.0" encoding="utf-8"?>
-<p:properties xmlns:p="http://schemas.microsoft.com/office/2006/metadata/properties" xmlns:xsi="http://www.w3.org/2001/XMLSchema-instance" xmlns:pc="http://schemas.microsoft.com/office/infopath/2007/PartnerControls">
-  <documentManagement/>
-</p:properties>
+<file path=customXml/itemProps2.xml><?xml version="1.0" encoding="utf-8"?>
+<ds:datastoreItem xmlns:ds="http://schemas.openxmlformats.org/officeDocument/2006/customXml" ds:itemID="{C019FC7F-99C6-4707-A821-559D86B60AE6}">
+  <ds:schemaRefs>
+    <ds:schemaRef ds:uri="http://schemas.microsoft.com/sharepoint/v3/contenttype/forms"/>
+  </ds:schemaRefs>
+</ds:datastoreItem>
 </file>
 
-<file path=customXml/itemProps1.xml><?xml version="1.0" encoding="utf-8"?>
+<file path=customXml/itemProps3.xml><?xml version="1.0" encoding="utf-8"?>
 <ds:datastoreItem xmlns:ds="http://schemas.openxmlformats.org/officeDocument/2006/customXml" ds:itemID="{AB521272-0285-40D2-9B94-E21CA6701FB6}">
   <ds:schemaRefs>
     <ds:schemaRef ds:uri="http://schemas.microsoft.com/office/2006/metadata/contentType"/>
@@ -18482,28 +20279,4 @@
     <ds:schemaRef ds:uri="http://schemas.microsoft.com/internal/obd"/>
   </ds:schemaRefs>
 </ds:datastoreItem>
-</file>
-
-<file path=customXml/itemProps2.xml><?xml version="1.0" encoding="utf-8"?>
-<ds:datastoreItem xmlns:ds="http://schemas.openxmlformats.org/officeDocument/2006/customXml" ds:itemID="{C019FC7F-99C6-4707-A821-559D86B60AE6}">
-  <ds:schemaRefs>
-    <ds:schemaRef ds:uri="http://schemas.microsoft.com/sharepoint/v3/contenttype/forms"/>
-  </ds:schemaRefs>
-</ds:datastoreItem>
-</file>
-
-<file path=customXml/itemProps3.xml><?xml version="1.0" encoding="utf-8"?>
-<ds:datastoreItem xmlns:ds="http://schemas.openxmlformats.org/officeDocument/2006/customXml" ds:itemID="{146FA570-1DDA-4775-88C2-41C26C9CF807}">
-  <ds:schemaRefs>
-    <ds:schemaRef ds:uri="http://schemas.microsoft.com/office/2006/documentManagement/types"/>
-    <ds:schemaRef ds:uri="http://www.w3.org/XML/1998/namespace"/>
-    <ds:schemaRef ds:uri="http://purl.org/dc/elements/1.1/"/>
-    <ds:schemaRef ds:uri="http://schemas.microsoft.com/office/infopath/2007/PartnerControls"/>
-    <ds:schemaRef ds:uri="http://schemas.microsoft.com/office/2006/metadata/properties"/>
-    <ds:schemaRef ds:uri="http://purl.org/dc/dcmitype/"/>
-    <ds:schemaRef ds:uri="http://purl.org/dc/terms/"/>
-    <ds:schemaRef ds:uri="http://schemas.openxmlformats.org/package/2006/metadata/core-properties"/>
-    <ds:schemaRef ds:uri="7b7ceded-031f-4612-9335-32c001c9a66f"/>
-  </ds:schemaRefs>
-</ds:datastoreItem>
 </file>